--- a/Images/Presentation/ImageReconstruction.pptx
+++ b/Images/Presentation/ImageReconstruction.pptx
@@ -163,7 +163,7 @@
       </p14:sectionLst>
     </p:ext>
     <p:ext uri="{EFAFB233-063F-42B5-8137-9DF3F51BA10A}">
-      <p15:sldGuideLst xmlns:p15="http://schemas.microsoft.com/office/powerpoint/2012/main" xmlns="">
+      <p15:sldGuideLst xmlns="" xmlns:p15="http://schemas.microsoft.com/office/powerpoint/2012/main">
         <p15:guide id="1" orient="horz" pos="2160" userDrawn="1">
           <p15:clr>
             <a:srgbClr val="A4A3A4"/>
@@ -16582,7 +16582,75 @@
   <p:timing>
     <p:tnLst>
       <p:par>
-        <p:cTn id="1" dur="indefinite" restart="never" nodeType="tmRoot"/>
+        <p:cTn id="1" dur="indefinite" restart="never" nodeType="tmRoot">
+          <p:childTnLst>
+            <p:seq concurrent="1" nextAc="seek">
+              <p:cTn id="2" dur="indefinite" nodeType="mainSeq">
+                <p:childTnLst>
+                  <p:par>
+                    <p:cTn id="3" fill="hold">
+                      <p:stCondLst>
+                        <p:cond delay="indefinite"/>
+                      </p:stCondLst>
+                      <p:childTnLst>
+                        <p:par>
+                          <p:cTn id="4" fill="hold">
+                            <p:stCondLst>
+                              <p:cond delay="0"/>
+                            </p:stCondLst>
+                            <p:childTnLst>
+                              <p:par>
+                                <p:cTn id="5" presetID="1" presetClass="entr" presetSubtype="0" fill="hold" nodeType="clickEffect">
+                                  <p:stCondLst>
+                                    <p:cond delay="0"/>
+                                  </p:stCondLst>
+                                  <p:childTnLst>
+                                    <p:set>
+                                      <p:cBhvr>
+                                        <p:cTn id="6" dur="1" fill="hold">
+                                          <p:stCondLst>
+                                            <p:cond delay="0"/>
+                                          </p:stCondLst>
+                                        </p:cTn>
+                                        <p:tgtEl>
+                                          <p:spTgt spid="7"/>
+                                        </p:tgtEl>
+                                        <p:attrNameLst>
+                                          <p:attrName>style.visibility</p:attrName>
+                                        </p:attrNameLst>
+                                      </p:cBhvr>
+                                      <p:to>
+                                        <p:strVal val="visible"/>
+                                      </p:to>
+                                    </p:set>
+                                  </p:childTnLst>
+                                </p:cTn>
+                              </p:par>
+                            </p:childTnLst>
+                          </p:cTn>
+                        </p:par>
+                      </p:childTnLst>
+                    </p:cTn>
+                  </p:par>
+                </p:childTnLst>
+              </p:cTn>
+              <p:prevCondLst>
+                <p:cond evt="onPrev" delay="0">
+                  <p:tgtEl>
+                    <p:sldTgt/>
+                  </p:tgtEl>
+                </p:cond>
+              </p:prevCondLst>
+              <p:nextCondLst>
+                <p:cond evt="onNext" delay="0">
+                  <p:tgtEl>
+                    <p:sldTgt/>
+                  </p:tgtEl>
+                </p:cond>
+              </p:nextCondLst>
+            </p:seq>
+          </p:childTnLst>
+        </p:cTn>
       </p:par>
     </p:tnLst>
   </p:timing>
@@ -17075,9 +17143,161 @@
   <p:timing>
     <p:tnLst>
       <p:par>
-        <p:cTn id="1" dur="indefinite" restart="never" nodeType="tmRoot"/>
+        <p:cTn id="1" dur="indefinite" restart="never" nodeType="tmRoot">
+          <p:childTnLst>
+            <p:seq concurrent="1" nextAc="seek">
+              <p:cTn id="2" dur="indefinite" nodeType="mainSeq">
+                <p:childTnLst>
+                  <p:par>
+                    <p:cTn id="3" fill="hold">
+                      <p:stCondLst>
+                        <p:cond delay="indefinite"/>
+                      </p:stCondLst>
+                      <p:childTnLst>
+                        <p:par>
+                          <p:cTn id="4" fill="hold">
+                            <p:stCondLst>
+                              <p:cond delay="0"/>
+                            </p:stCondLst>
+                            <p:childTnLst>
+                              <p:par>
+                                <p:cTn id="5" presetID="1" presetClass="entr" presetSubtype="0" fill="hold" nodeType="clickEffect">
+                                  <p:stCondLst>
+                                    <p:cond delay="0"/>
+                                  </p:stCondLst>
+                                  <p:childTnLst>
+                                    <p:set>
+                                      <p:cBhvr>
+                                        <p:cTn id="6" dur="1" fill="hold">
+                                          <p:stCondLst>
+                                            <p:cond delay="0"/>
+                                          </p:stCondLst>
+                                        </p:cTn>
+                                        <p:tgtEl>
+                                          <p:spTgt spid="5"/>
+                                        </p:tgtEl>
+                                        <p:attrNameLst>
+                                          <p:attrName>style.visibility</p:attrName>
+                                        </p:attrNameLst>
+                                      </p:cBhvr>
+                                      <p:to>
+                                        <p:strVal val="visible"/>
+                                      </p:to>
+                                    </p:set>
+                                  </p:childTnLst>
+                                </p:cTn>
+                              </p:par>
+                              <p:par>
+                                <p:cTn id="7" presetID="1" presetClass="entr" presetSubtype="0" fill="hold" nodeType="withEffect">
+                                  <p:stCondLst>
+                                    <p:cond delay="0"/>
+                                  </p:stCondLst>
+                                  <p:childTnLst>
+                                    <p:set>
+                                      <p:cBhvr>
+                                        <p:cTn id="8" dur="1" fill="hold">
+                                          <p:stCondLst>
+                                            <p:cond delay="0"/>
+                                          </p:stCondLst>
+                                        </p:cTn>
+                                        <p:tgtEl>
+                                          <p:spTgt spid="8"/>
+                                        </p:tgtEl>
+                                        <p:attrNameLst>
+                                          <p:attrName>style.visibility</p:attrName>
+                                        </p:attrNameLst>
+                                      </p:cBhvr>
+                                      <p:to>
+                                        <p:strVal val="visible"/>
+                                      </p:to>
+                                    </p:set>
+                                  </p:childTnLst>
+                                </p:cTn>
+                              </p:par>
+                              <p:par>
+                                <p:cTn id="9" presetID="1" presetClass="entr" presetSubtype="0" fill="hold" grpId="0" nodeType="withEffect">
+                                  <p:stCondLst>
+                                    <p:cond delay="0"/>
+                                  </p:stCondLst>
+                                  <p:childTnLst>
+                                    <p:set>
+                                      <p:cBhvr>
+                                        <p:cTn id="10" dur="1" fill="hold">
+                                          <p:stCondLst>
+                                            <p:cond delay="0"/>
+                                          </p:stCondLst>
+                                        </p:cTn>
+                                        <p:tgtEl>
+                                          <p:spTgt spid="9"/>
+                                        </p:tgtEl>
+                                        <p:attrNameLst>
+                                          <p:attrName>style.visibility</p:attrName>
+                                        </p:attrNameLst>
+                                      </p:cBhvr>
+                                      <p:to>
+                                        <p:strVal val="visible"/>
+                                      </p:to>
+                                    </p:set>
+                                  </p:childTnLst>
+                                </p:cTn>
+                              </p:par>
+                              <p:par>
+                                <p:cTn id="11" presetID="1" presetClass="entr" presetSubtype="0" fill="hold" nodeType="withEffect">
+                                  <p:stCondLst>
+                                    <p:cond delay="0"/>
+                                  </p:stCondLst>
+                                  <p:childTnLst>
+                                    <p:set>
+                                      <p:cBhvr>
+                                        <p:cTn id="12" dur="1" fill="hold">
+                                          <p:stCondLst>
+                                            <p:cond delay="0"/>
+                                          </p:stCondLst>
+                                        </p:cTn>
+                                        <p:tgtEl>
+                                          <p:spTgt spid="4"/>
+                                        </p:tgtEl>
+                                        <p:attrNameLst>
+                                          <p:attrName>style.visibility</p:attrName>
+                                        </p:attrNameLst>
+                                      </p:cBhvr>
+                                      <p:to>
+                                        <p:strVal val="visible"/>
+                                      </p:to>
+                                    </p:set>
+                                  </p:childTnLst>
+                                </p:cTn>
+                              </p:par>
+                            </p:childTnLst>
+                          </p:cTn>
+                        </p:par>
+                      </p:childTnLst>
+                    </p:cTn>
+                  </p:par>
+                </p:childTnLst>
+              </p:cTn>
+              <p:prevCondLst>
+                <p:cond evt="onPrev" delay="0">
+                  <p:tgtEl>
+                    <p:sldTgt/>
+                  </p:tgtEl>
+                </p:cond>
+              </p:prevCondLst>
+              <p:nextCondLst>
+                <p:cond evt="onNext" delay="0">
+                  <p:tgtEl>
+                    <p:sldTgt/>
+                  </p:tgtEl>
+                </p:cond>
+              </p:nextCondLst>
+            </p:seq>
+          </p:childTnLst>
+        </p:cTn>
       </p:par>
     </p:tnLst>
+    <p:bldLst>
+      <p:bldP spid="9" grpId="0"/>
+    </p:bldLst>
   </p:timing>
 </p:sld>
 </file>
@@ -17362,50 +17582,14 @@
         </p:blipFill>
         <p:spPr>
           <a:xfrm>
-            <a:off x="685800" y="2819400"/>
-            <a:ext cx="2418019" cy="2418019"/>
+            <a:off x="839532" y="2057400"/>
+            <a:ext cx="1979868" cy="1979868"/>
           </a:xfrm>
           <a:prstGeom prst="rect">
             <a:avLst/>
           </a:prstGeom>
         </p:spPr>
       </p:pic>
-      <p:cxnSp>
-        <p:nvCxnSpPr>
-          <p:cNvPr id="11" name="Straight Arrow Connector 10"/>
-          <p:cNvCxnSpPr>
-            <a:stCxn id="9" idx="3"/>
-            <a:endCxn id="5" idx="1"/>
-          </p:cNvCxnSpPr>
-          <p:nvPr/>
-        </p:nvCxnSpPr>
-        <p:spPr>
-          <a:xfrm>
-            <a:off x="3103819" y="4028410"/>
-            <a:ext cx="1783172" cy="0"/>
-          </a:xfrm>
-          <a:prstGeom prst="straightConnector1">
-            <a:avLst/>
-          </a:prstGeom>
-          <a:ln w="19050">
-            <a:tailEnd type="triangle"/>
-          </a:ln>
-        </p:spPr>
-        <p:style>
-          <a:lnRef idx="1">
-            <a:schemeClr val="dk1"/>
-          </a:lnRef>
-          <a:fillRef idx="0">
-            <a:schemeClr val="dk1"/>
-          </a:fillRef>
-          <a:effectRef idx="0">
-            <a:schemeClr val="dk1"/>
-          </a:effectRef>
-          <a:fontRef idx="minor">
-            <a:schemeClr val="tx1"/>
-          </a:fontRef>
-        </p:style>
-      </p:cxnSp>
       <p:cxnSp>
         <p:nvCxnSpPr>
           <p:cNvPr id="13" name="Straight Arrow Connector 12"/>
@@ -17442,8 +17626,8 @@
           </a:fontRef>
         </p:style>
       </p:cxnSp>
-      <mc:AlternateContent xmlns:mc="http://schemas.openxmlformats.org/markup-compatibility/2006" xmlns:a14="http://schemas.microsoft.com/office/drawing/2010/main">
-        <mc:Choice Requires="a14">
+      <mc:AlternateContent xmlns:mc="http://schemas.openxmlformats.org/markup-compatibility/2006">
+        <mc:Choice xmlns:a14="http://schemas.microsoft.com/office/drawing/2010/main" Requires="a14">
           <p:sp>
             <p:nvSpPr>
               <p:cNvPr id="16" name="TextBox 15"/>
@@ -17452,7 +17636,7 @@
             </p:nvSpPr>
             <p:spPr>
               <a:xfrm>
-                <a:off x="3263884" y="4191000"/>
+                <a:off x="7452358" y="4191000"/>
                 <a:ext cx="1463042" cy="369332"/>
               </a:xfrm>
               <a:prstGeom prst="rect">
@@ -17501,7 +17685,7 @@
             </p:txBody>
           </p:sp>
         </mc:Choice>
-        <mc:Fallback xmlns="">
+        <mc:Fallback>
           <p:sp>
             <p:nvSpPr>
               <p:cNvPr id="16" name="TextBox 15"/>
@@ -17512,7 +17696,7 @@
             </p:nvSpPr>
             <p:spPr>
               <a:xfrm>
-                <a:off x="3263884" y="4191000"/>
+                <a:off x="7452358" y="4191000"/>
                 <a:ext cx="1463042" cy="369332"/>
               </a:xfrm>
               <a:prstGeom prst="rect">
@@ -17540,6 +17724,109 @@
           </p:sp>
         </mc:Fallback>
       </mc:AlternateContent>
+      <p:cxnSp>
+        <p:nvCxnSpPr>
+          <p:cNvPr id="12" name="Elbow Connector 11"/>
+          <p:cNvCxnSpPr>
+            <a:stCxn id="9" idx="3"/>
+            <a:endCxn id="5" idx="1"/>
+          </p:cNvCxnSpPr>
+          <p:nvPr/>
+        </p:nvCxnSpPr>
+        <p:spPr>
+          <a:xfrm>
+            <a:off x="2819400" y="3047334"/>
+            <a:ext cx="2067591" cy="981076"/>
+          </a:xfrm>
+          <a:prstGeom prst="bentConnector3">
+            <a:avLst/>
+          </a:prstGeom>
+          <a:ln w="19050">
+            <a:tailEnd type="triangle"/>
+          </a:ln>
+        </p:spPr>
+        <p:style>
+          <a:lnRef idx="1">
+            <a:schemeClr val="dk1"/>
+          </a:lnRef>
+          <a:fillRef idx="0">
+            <a:schemeClr val="dk1"/>
+          </a:fillRef>
+          <a:effectRef idx="0">
+            <a:schemeClr val="dk1"/>
+          </a:effectRef>
+          <a:fontRef idx="minor">
+            <a:schemeClr val="tx1"/>
+          </a:fontRef>
+        </p:style>
+      </p:cxnSp>
+      <p:pic>
+        <p:nvPicPr>
+          <p:cNvPr id="14" name="Picture 13"/>
+          <p:cNvPicPr>
+            <a:picLocks noChangeAspect="1"/>
+          </p:cNvPicPr>
+          <p:nvPr/>
+        </p:nvPicPr>
+        <p:blipFill rotWithShape="1">
+          <a:blip r:embed="rId7">
+            <a:extLst>
+              <a:ext uri="{28A0092B-C50C-407E-A947-70E740481C1C}">
+                <a14:useLocalDpi xmlns:a14="http://schemas.microsoft.com/office/drawing/2010/main" val="0"/>
+              </a:ext>
+            </a:extLst>
+          </a:blip>
+          <a:srcRect b="14325"/>
+          <a:stretch/>
+        </p:blipFill>
+        <p:spPr>
+          <a:xfrm>
+            <a:off x="839532" y="4476750"/>
+            <a:ext cx="1964162" cy="1974850"/>
+          </a:xfrm>
+          <a:prstGeom prst="rect">
+            <a:avLst/>
+          </a:prstGeom>
+        </p:spPr>
+      </p:pic>
+      <p:cxnSp>
+        <p:nvCxnSpPr>
+          <p:cNvPr id="17" name="Elbow Connector 16"/>
+          <p:cNvCxnSpPr>
+            <a:stCxn id="14" idx="3"/>
+            <a:endCxn id="5" idx="1"/>
+          </p:cNvCxnSpPr>
+          <p:nvPr/>
+        </p:nvCxnSpPr>
+        <p:spPr>
+          <a:xfrm flipV="1">
+            <a:off x="2803694" y="4028410"/>
+            <a:ext cx="2083297" cy="1435765"/>
+          </a:xfrm>
+          <a:prstGeom prst="bentConnector3">
+            <a:avLst>
+              <a:gd name="adj1" fmla="val 50000"/>
+            </a:avLst>
+          </a:prstGeom>
+          <a:ln w="19050">
+            <a:tailEnd type="triangle"/>
+          </a:ln>
+        </p:spPr>
+        <p:style>
+          <a:lnRef idx="1">
+            <a:schemeClr val="dk1"/>
+          </a:lnRef>
+          <a:fillRef idx="0">
+            <a:schemeClr val="dk1"/>
+          </a:fillRef>
+          <a:effectRef idx="0">
+            <a:schemeClr val="dk1"/>
+          </a:effectRef>
+          <a:fontRef idx="minor">
+            <a:schemeClr val="tx1"/>
+          </a:fontRef>
+        </p:style>
+      </p:cxnSp>
     </p:spTree>
     <p:extLst>
       <p:ext uri="{BB962C8B-B14F-4D97-AF65-F5344CB8AC3E}">
@@ -17553,9 +17840,323 @@
   <p:timing>
     <p:tnLst>
       <p:par>
-        <p:cTn id="1" dur="indefinite" restart="never" nodeType="tmRoot"/>
+        <p:cTn id="1" dur="indefinite" restart="never" nodeType="tmRoot">
+          <p:childTnLst>
+            <p:seq concurrent="1" nextAc="seek">
+              <p:cTn id="2" dur="indefinite" nodeType="mainSeq">
+                <p:childTnLst>
+                  <p:par>
+                    <p:cTn id="3" fill="hold">
+                      <p:stCondLst>
+                        <p:cond delay="indefinite"/>
+                      </p:stCondLst>
+                      <p:childTnLst>
+                        <p:par>
+                          <p:cTn id="4" fill="hold">
+                            <p:stCondLst>
+                              <p:cond delay="0"/>
+                            </p:stCondLst>
+                            <p:childTnLst>
+                              <p:par>
+                                <p:cTn id="5" presetID="1" presetClass="entr" presetSubtype="0" fill="hold" nodeType="clickEffect">
+                                  <p:stCondLst>
+                                    <p:cond delay="0"/>
+                                  </p:stCondLst>
+                                  <p:childTnLst>
+                                    <p:set>
+                                      <p:cBhvr>
+                                        <p:cTn id="6" dur="1" fill="hold">
+                                          <p:stCondLst>
+                                            <p:cond delay="0"/>
+                                          </p:stCondLst>
+                                        </p:cTn>
+                                        <p:tgtEl>
+                                          <p:spTgt spid="9"/>
+                                        </p:tgtEl>
+                                        <p:attrNameLst>
+                                          <p:attrName>style.visibility</p:attrName>
+                                        </p:attrNameLst>
+                                      </p:cBhvr>
+                                      <p:to>
+                                        <p:strVal val="visible"/>
+                                      </p:to>
+                                    </p:set>
+                                  </p:childTnLst>
+                                </p:cTn>
+                              </p:par>
+                            </p:childTnLst>
+                          </p:cTn>
+                        </p:par>
+                      </p:childTnLst>
+                    </p:cTn>
+                  </p:par>
+                  <p:par>
+                    <p:cTn id="7" fill="hold">
+                      <p:stCondLst>
+                        <p:cond delay="indefinite"/>
+                      </p:stCondLst>
+                      <p:childTnLst>
+                        <p:par>
+                          <p:cTn id="8" fill="hold">
+                            <p:stCondLst>
+                              <p:cond delay="0"/>
+                            </p:stCondLst>
+                            <p:childTnLst>
+                              <p:par>
+                                <p:cTn id="9" presetID="1" presetClass="entr" presetSubtype="0" fill="hold" nodeType="clickEffect">
+                                  <p:stCondLst>
+                                    <p:cond delay="0"/>
+                                  </p:stCondLst>
+                                  <p:childTnLst>
+                                    <p:set>
+                                      <p:cBhvr>
+                                        <p:cTn id="10" dur="1" fill="hold">
+                                          <p:stCondLst>
+                                            <p:cond delay="0"/>
+                                          </p:stCondLst>
+                                        </p:cTn>
+                                        <p:tgtEl>
+                                          <p:spTgt spid="14"/>
+                                        </p:tgtEl>
+                                        <p:attrNameLst>
+                                          <p:attrName>style.visibility</p:attrName>
+                                        </p:attrNameLst>
+                                      </p:cBhvr>
+                                      <p:to>
+                                        <p:strVal val="visible"/>
+                                      </p:to>
+                                    </p:set>
+                                  </p:childTnLst>
+                                </p:cTn>
+                              </p:par>
+                            </p:childTnLst>
+                          </p:cTn>
+                        </p:par>
+                      </p:childTnLst>
+                    </p:cTn>
+                  </p:par>
+                  <p:par>
+                    <p:cTn id="11" fill="hold">
+                      <p:stCondLst>
+                        <p:cond delay="indefinite"/>
+                      </p:stCondLst>
+                      <p:childTnLst>
+                        <p:par>
+                          <p:cTn id="12" fill="hold">
+                            <p:stCondLst>
+                              <p:cond delay="0"/>
+                            </p:stCondLst>
+                            <p:childTnLst>
+                              <p:par>
+                                <p:cTn id="13" presetID="1" presetClass="entr" presetSubtype="0" fill="hold" nodeType="clickEffect">
+                                  <p:stCondLst>
+                                    <p:cond delay="0"/>
+                                  </p:stCondLst>
+                                  <p:childTnLst>
+                                    <p:set>
+                                      <p:cBhvr>
+                                        <p:cTn id="14" dur="1" fill="hold">
+                                          <p:stCondLst>
+                                            <p:cond delay="0"/>
+                                          </p:stCondLst>
+                                        </p:cTn>
+                                        <p:tgtEl>
+                                          <p:spTgt spid="12"/>
+                                        </p:tgtEl>
+                                        <p:attrNameLst>
+                                          <p:attrName>style.visibility</p:attrName>
+                                        </p:attrNameLst>
+                                      </p:cBhvr>
+                                      <p:to>
+                                        <p:strVal val="visible"/>
+                                      </p:to>
+                                    </p:set>
+                                  </p:childTnLst>
+                                </p:cTn>
+                              </p:par>
+                              <p:par>
+                                <p:cTn id="15" presetID="1" presetClass="entr" presetSubtype="0" fill="hold" nodeType="withEffect">
+                                  <p:stCondLst>
+                                    <p:cond delay="0"/>
+                                  </p:stCondLst>
+                                  <p:childTnLst>
+                                    <p:set>
+                                      <p:cBhvr>
+                                        <p:cTn id="16" dur="1" fill="hold">
+                                          <p:stCondLst>
+                                            <p:cond delay="0"/>
+                                          </p:stCondLst>
+                                        </p:cTn>
+                                        <p:tgtEl>
+                                          <p:spTgt spid="17"/>
+                                        </p:tgtEl>
+                                        <p:attrNameLst>
+                                          <p:attrName>style.visibility</p:attrName>
+                                        </p:attrNameLst>
+                                      </p:cBhvr>
+                                      <p:to>
+                                        <p:strVal val="visible"/>
+                                      </p:to>
+                                    </p:set>
+                                  </p:childTnLst>
+                                </p:cTn>
+                              </p:par>
+                              <p:par>
+                                <p:cTn id="17" presetID="1" presetClass="entr" presetSubtype="0" fill="hold" nodeType="withEffect">
+                                  <p:stCondLst>
+                                    <p:cond delay="0"/>
+                                  </p:stCondLst>
+                                  <p:childTnLst>
+                                    <p:set>
+                                      <p:cBhvr>
+                                        <p:cTn id="18" dur="1" fill="hold">
+                                          <p:stCondLst>
+                                            <p:cond delay="0"/>
+                                          </p:stCondLst>
+                                        </p:cTn>
+                                        <p:tgtEl>
+                                          <p:spTgt spid="5"/>
+                                        </p:tgtEl>
+                                        <p:attrNameLst>
+                                          <p:attrName>style.visibility</p:attrName>
+                                        </p:attrNameLst>
+                                      </p:cBhvr>
+                                      <p:to>
+                                        <p:strVal val="visible"/>
+                                      </p:to>
+                                    </p:set>
+                                  </p:childTnLst>
+                                </p:cTn>
+                              </p:par>
+                            </p:childTnLst>
+                          </p:cTn>
+                        </p:par>
+                      </p:childTnLst>
+                    </p:cTn>
+                  </p:par>
+                  <p:par>
+                    <p:cTn id="19" fill="hold">
+                      <p:stCondLst>
+                        <p:cond delay="indefinite"/>
+                      </p:stCondLst>
+                      <p:childTnLst>
+                        <p:par>
+                          <p:cTn id="20" fill="hold">
+                            <p:stCondLst>
+                              <p:cond delay="0"/>
+                            </p:stCondLst>
+                            <p:childTnLst>
+                              <p:par>
+                                <p:cTn id="21" presetID="1" presetClass="entr" presetSubtype="0" fill="hold" nodeType="clickEffect">
+                                  <p:stCondLst>
+                                    <p:cond delay="0"/>
+                                  </p:stCondLst>
+                                  <p:childTnLst>
+                                    <p:set>
+                                      <p:cBhvr>
+                                        <p:cTn id="22" dur="1" fill="hold">
+                                          <p:stCondLst>
+                                            <p:cond delay="0"/>
+                                          </p:stCondLst>
+                                        </p:cTn>
+                                        <p:tgtEl>
+                                          <p:spTgt spid="13"/>
+                                        </p:tgtEl>
+                                        <p:attrNameLst>
+                                          <p:attrName>style.visibility</p:attrName>
+                                        </p:attrNameLst>
+                                      </p:cBhvr>
+                                      <p:to>
+                                        <p:strVal val="visible"/>
+                                      </p:to>
+                                    </p:set>
+                                  </p:childTnLst>
+                                </p:cTn>
+                              </p:par>
+                              <p:par>
+                                <p:cTn id="23" presetID="1" presetClass="entr" presetSubtype="0" fill="hold" grpId="0" nodeType="withEffect">
+                                  <p:stCondLst>
+                                    <p:cond delay="0"/>
+                                  </p:stCondLst>
+                                  <p:childTnLst>
+                                    <p:set>
+                                      <p:cBhvr>
+                                        <p:cTn id="24" dur="1" fill="hold">
+                                          <p:stCondLst>
+                                            <p:cond delay="0"/>
+                                          </p:stCondLst>
+                                        </p:cTn>
+                                        <p:tgtEl>
+                                          <p:spTgt spid="16"/>
+                                        </p:tgtEl>
+                                        <p:attrNameLst>
+                                          <p:attrName>style.visibility</p:attrName>
+                                        </p:attrNameLst>
+                                      </p:cBhvr>
+                                      <p:to>
+                                        <p:strVal val="visible"/>
+                                      </p:to>
+                                    </p:set>
+                                  </p:childTnLst>
+                                </p:cTn>
+                              </p:par>
+                              <p:par>
+                                <p:cTn id="25" presetID="1" presetClass="entr" presetSubtype="0" fill="hold" nodeType="withEffect">
+                                  <p:stCondLst>
+                                    <p:cond delay="0"/>
+                                  </p:stCondLst>
+                                  <p:childTnLst>
+                                    <p:set>
+                                      <p:cBhvr>
+                                        <p:cTn id="26" dur="1" fill="hold">
+                                          <p:stCondLst>
+                                            <p:cond delay="0"/>
+                                          </p:stCondLst>
+                                        </p:cTn>
+                                        <p:tgtEl>
+                                          <p:spTgt spid="7"/>
+                                        </p:tgtEl>
+                                        <p:attrNameLst>
+                                          <p:attrName>style.visibility</p:attrName>
+                                        </p:attrNameLst>
+                                      </p:cBhvr>
+                                      <p:to>
+                                        <p:strVal val="visible"/>
+                                      </p:to>
+                                    </p:set>
+                                  </p:childTnLst>
+                                </p:cTn>
+                              </p:par>
+                            </p:childTnLst>
+                          </p:cTn>
+                        </p:par>
+                      </p:childTnLst>
+                    </p:cTn>
+                  </p:par>
+                </p:childTnLst>
+              </p:cTn>
+              <p:prevCondLst>
+                <p:cond evt="onPrev" delay="0">
+                  <p:tgtEl>
+                    <p:sldTgt/>
+                  </p:tgtEl>
+                </p:cond>
+              </p:prevCondLst>
+              <p:nextCondLst>
+                <p:cond evt="onNext" delay="0">
+                  <p:tgtEl>
+                    <p:sldTgt/>
+                  </p:tgtEl>
+                </p:cond>
+              </p:nextCondLst>
+            </p:seq>
+          </p:childTnLst>
+        </p:cTn>
       </p:par>
     </p:tnLst>
+    <p:bldLst>
+      <p:bldP spid="16" grpId="0"/>
+    </p:bldLst>
   </p:timing>
 </p:sld>
 </file>
@@ -18631,9 +19232,406 @@
   <p:timing>
     <p:tnLst>
       <p:par>
-        <p:cTn id="1" dur="indefinite" restart="never" nodeType="tmRoot"/>
+        <p:cTn id="1" dur="indefinite" restart="never" nodeType="tmRoot">
+          <p:childTnLst>
+            <p:seq concurrent="1" nextAc="seek">
+              <p:cTn id="2" dur="indefinite" nodeType="mainSeq">
+                <p:childTnLst>
+                  <p:par>
+                    <p:cTn id="3" fill="hold">
+                      <p:stCondLst>
+                        <p:cond delay="indefinite"/>
+                      </p:stCondLst>
+                      <p:childTnLst>
+                        <p:par>
+                          <p:cTn id="4" fill="hold">
+                            <p:stCondLst>
+                              <p:cond delay="0"/>
+                            </p:stCondLst>
+                            <p:childTnLst>
+                              <p:par>
+                                <p:cTn id="5" presetID="1" presetClass="entr" presetSubtype="0" fill="hold" nodeType="clickEffect">
+                                  <p:stCondLst>
+                                    <p:cond delay="0"/>
+                                  </p:stCondLst>
+                                  <p:childTnLst>
+                                    <p:set>
+                                      <p:cBhvr>
+                                        <p:cTn id="6" dur="1" fill="hold">
+                                          <p:stCondLst>
+                                            <p:cond delay="0"/>
+                                          </p:stCondLst>
+                                        </p:cTn>
+                                        <p:tgtEl>
+                                          <p:spTgt spid="15"/>
+                                        </p:tgtEl>
+                                        <p:attrNameLst>
+                                          <p:attrName>style.visibility</p:attrName>
+                                        </p:attrNameLst>
+                                      </p:cBhvr>
+                                      <p:to>
+                                        <p:strVal val="visible"/>
+                                      </p:to>
+                                    </p:set>
+                                  </p:childTnLst>
+                                </p:cTn>
+                              </p:par>
+                            </p:childTnLst>
+                          </p:cTn>
+                        </p:par>
+                      </p:childTnLst>
+                    </p:cTn>
+                  </p:par>
+                  <p:par>
+                    <p:cTn id="7" fill="hold">
+                      <p:stCondLst>
+                        <p:cond delay="indefinite"/>
+                      </p:stCondLst>
+                      <p:childTnLst>
+                        <p:par>
+                          <p:cTn id="8" fill="hold">
+                            <p:stCondLst>
+                              <p:cond delay="0"/>
+                            </p:stCondLst>
+                            <p:childTnLst>
+                              <p:par>
+                                <p:cTn id="9" presetID="1" presetClass="entr" presetSubtype="0" fill="hold" nodeType="clickEffect">
+                                  <p:stCondLst>
+                                    <p:cond delay="0"/>
+                                  </p:stCondLst>
+                                  <p:childTnLst>
+                                    <p:set>
+                                      <p:cBhvr>
+                                        <p:cTn id="10" dur="1" fill="hold">
+                                          <p:stCondLst>
+                                            <p:cond delay="0"/>
+                                          </p:stCondLst>
+                                        </p:cTn>
+                                        <p:tgtEl>
+                                          <p:spTgt spid="8"/>
+                                        </p:tgtEl>
+                                        <p:attrNameLst>
+                                          <p:attrName>style.visibility</p:attrName>
+                                        </p:attrNameLst>
+                                      </p:cBhvr>
+                                      <p:to>
+                                        <p:strVal val="visible"/>
+                                      </p:to>
+                                    </p:set>
+                                  </p:childTnLst>
+                                </p:cTn>
+                              </p:par>
+                              <p:par>
+                                <p:cTn id="11" presetID="1" presetClass="entr" presetSubtype="0" fill="hold" nodeType="withEffect">
+                                  <p:stCondLst>
+                                    <p:cond delay="0"/>
+                                  </p:stCondLst>
+                                  <p:childTnLst>
+                                    <p:set>
+                                      <p:cBhvr>
+                                        <p:cTn id="12" dur="1" fill="hold">
+                                          <p:stCondLst>
+                                            <p:cond delay="0"/>
+                                          </p:stCondLst>
+                                        </p:cTn>
+                                        <p:tgtEl>
+                                          <p:spTgt spid="9"/>
+                                        </p:tgtEl>
+                                        <p:attrNameLst>
+                                          <p:attrName>style.visibility</p:attrName>
+                                        </p:attrNameLst>
+                                      </p:cBhvr>
+                                      <p:to>
+                                        <p:strVal val="visible"/>
+                                      </p:to>
+                                    </p:set>
+                                  </p:childTnLst>
+                                </p:cTn>
+                              </p:par>
+                              <p:par>
+                                <p:cTn id="13" presetID="1" presetClass="entr" presetSubtype="0" fill="hold" grpId="0" nodeType="withEffect">
+                                  <p:stCondLst>
+                                    <p:cond delay="0"/>
+                                  </p:stCondLst>
+                                  <p:childTnLst>
+                                    <p:set>
+                                      <p:cBhvr>
+                                        <p:cTn id="14" dur="1" fill="hold">
+                                          <p:stCondLst>
+                                            <p:cond delay="0"/>
+                                          </p:stCondLst>
+                                        </p:cTn>
+                                        <p:tgtEl>
+                                          <p:spTgt spid="12"/>
+                                        </p:tgtEl>
+                                        <p:attrNameLst>
+                                          <p:attrName>style.visibility</p:attrName>
+                                        </p:attrNameLst>
+                                      </p:cBhvr>
+                                      <p:to>
+                                        <p:strVal val="visible"/>
+                                      </p:to>
+                                    </p:set>
+                                  </p:childTnLst>
+                                </p:cTn>
+                              </p:par>
+                              <p:par>
+                                <p:cTn id="15" presetID="1" presetClass="entr" presetSubtype="0" fill="hold" nodeType="withEffect">
+                                  <p:stCondLst>
+                                    <p:cond delay="0"/>
+                                  </p:stCondLst>
+                                  <p:childTnLst>
+                                    <p:set>
+                                      <p:cBhvr>
+                                        <p:cTn id="16" dur="1" fill="hold">
+                                          <p:stCondLst>
+                                            <p:cond delay="0"/>
+                                          </p:stCondLst>
+                                        </p:cTn>
+                                        <p:tgtEl>
+                                          <p:spTgt spid="5"/>
+                                        </p:tgtEl>
+                                        <p:attrNameLst>
+                                          <p:attrName>style.visibility</p:attrName>
+                                        </p:attrNameLst>
+                                      </p:cBhvr>
+                                      <p:to>
+                                        <p:strVal val="visible"/>
+                                      </p:to>
+                                    </p:set>
+                                  </p:childTnLst>
+                                </p:cTn>
+                              </p:par>
+                            </p:childTnLst>
+                          </p:cTn>
+                        </p:par>
+                      </p:childTnLst>
+                    </p:cTn>
+                  </p:par>
+                  <p:par>
+                    <p:cTn id="17" fill="hold">
+                      <p:stCondLst>
+                        <p:cond delay="indefinite"/>
+                      </p:stCondLst>
+                      <p:childTnLst>
+                        <p:par>
+                          <p:cTn id="18" fill="hold">
+                            <p:stCondLst>
+                              <p:cond delay="0"/>
+                            </p:stCondLst>
+                            <p:childTnLst>
+                              <p:par>
+                                <p:cTn id="19" presetID="1" presetClass="entr" presetSubtype="0" fill="hold" nodeType="clickEffect">
+                                  <p:stCondLst>
+                                    <p:cond delay="0"/>
+                                  </p:stCondLst>
+                                  <p:childTnLst>
+                                    <p:set>
+                                      <p:cBhvr>
+                                        <p:cTn id="20" dur="1" fill="hold">
+                                          <p:stCondLst>
+                                            <p:cond delay="0"/>
+                                          </p:stCondLst>
+                                        </p:cTn>
+                                        <p:tgtEl>
+                                          <p:spTgt spid="10"/>
+                                        </p:tgtEl>
+                                        <p:attrNameLst>
+                                          <p:attrName>style.visibility</p:attrName>
+                                        </p:attrNameLst>
+                                      </p:cBhvr>
+                                      <p:to>
+                                        <p:strVal val="visible"/>
+                                      </p:to>
+                                    </p:set>
+                                  </p:childTnLst>
+                                </p:cTn>
+                              </p:par>
+                              <p:par>
+                                <p:cTn id="21" presetID="1" presetClass="entr" presetSubtype="0" fill="hold" grpId="0" nodeType="withEffect">
+                                  <p:stCondLst>
+                                    <p:cond delay="0"/>
+                                  </p:stCondLst>
+                                  <p:childTnLst>
+                                    <p:set>
+                                      <p:cBhvr>
+                                        <p:cTn id="22" dur="1" fill="hold">
+                                          <p:stCondLst>
+                                            <p:cond delay="0"/>
+                                          </p:stCondLst>
+                                        </p:cTn>
+                                        <p:tgtEl>
+                                          <p:spTgt spid="13"/>
+                                        </p:tgtEl>
+                                        <p:attrNameLst>
+                                          <p:attrName>style.visibility</p:attrName>
+                                        </p:attrNameLst>
+                                      </p:cBhvr>
+                                      <p:to>
+                                        <p:strVal val="visible"/>
+                                      </p:to>
+                                    </p:set>
+                                  </p:childTnLst>
+                                </p:cTn>
+                              </p:par>
+                              <p:par>
+                                <p:cTn id="23" presetID="1" presetClass="entr" presetSubtype="0" fill="hold" nodeType="withEffect">
+                                  <p:stCondLst>
+                                    <p:cond delay="0"/>
+                                  </p:stCondLst>
+                                  <p:childTnLst>
+                                    <p:set>
+                                      <p:cBhvr>
+                                        <p:cTn id="24" dur="1" fill="hold">
+                                          <p:stCondLst>
+                                            <p:cond delay="0"/>
+                                          </p:stCondLst>
+                                        </p:cTn>
+                                        <p:tgtEl>
+                                          <p:spTgt spid="6"/>
+                                        </p:tgtEl>
+                                        <p:attrNameLst>
+                                          <p:attrName>style.visibility</p:attrName>
+                                        </p:attrNameLst>
+                                      </p:cBhvr>
+                                      <p:to>
+                                        <p:strVal val="visible"/>
+                                      </p:to>
+                                    </p:set>
+                                  </p:childTnLst>
+                                </p:cTn>
+                              </p:par>
+                            </p:childTnLst>
+                          </p:cTn>
+                        </p:par>
+                      </p:childTnLst>
+                    </p:cTn>
+                  </p:par>
+                  <p:par>
+                    <p:cTn id="25" fill="hold">
+                      <p:stCondLst>
+                        <p:cond delay="indefinite"/>
+                      </p:stCondLst>
+                      <p:childTnLst>
+                        <p:par>
+                          <p:cTn id="26" fill="hold">
+                            <p:stCondLst>
+                              <p:cond delay="0"/>
+                            </p:stCondLst>
+                            <p:childTnLst>
+                              <p:par>
+                                <p:cTn id="27" presetID="1" presetClass="entr" presetSubtype="0" fill="hold" grpId="0" nodeType="clickEffect">
+                                  <p:stCondLst>
+                                    <p:cond delay="0"/>
+                                  </p:stCondLst>
+                                  <p:childTnLst>
+                                    <p:set>
+                                      <p:cBhvr>
+                                        <p:cTn id="28" dur="1" fill="hold">
+                                          <p:stCondLst>
+                                            <p:cond delay="0"/>
+                                          </p:stCondLst>
+                                        </p:cTn>
+                                        <p:tgtEl>
+                                          <p:spTgt spid="14"/>
+                                        </p:tgtEl>
+                                        <p:attrNameLst>
+                                          <p:attrName>style.visibility</p:attrName>
+                                        </p:attrNameLst>
+                                      </p:cBhvr>
+                                      <p:to>
+                                        <p:strVal val="visible"/>
+                                      </p:to>
+                                    </p:set>
+                                  </p:childTnLst>
+                                </p:cTn>
+                              </p:par>
+                              <p:par>
+                                <p:cTn id="29" presetID="1" presetClass="entr" presetSubtype="0" fill="hold" nodeType="withEffect">
+                                  <p:stCondLst>
+                                    <p:cond delay="0"/>
+                                  </p:stCondLst>
+                                  <p:childTnLst>
+                                    <p:set>
+                                      <p:cBhvr>
+                                        <p:cTn id="30" dur="1" fill="hold">
+                                          <p:stCondLst>
+                                            <p:cond delay="0"/>
+                                          </p:stCondLst>
+                                        </p:cTn>
+                                        <p:tgtEl>
+                                          <p:spTgt spid="7"/>
+                                        </p:tgtEl>
+                                        <p:attrNameLst>
+                                          <p:attrName>style.visibility</p:attrName>
+                                        </p:attrNameLst>
+                                      </p:cBhvr>
+                                      <p:to>
+                                        <p:strVal val="visible"/>
+                                      </p:to>
+                                    </p:set>
+                                  </p:childTnLst>
+                                </p:cTn>
+                              </p:par>
+                              <p:par>
+                                <p:cTn id="31" presetID="1" presetClass="entr" presetSubtype="0" fill="hold" nodeType="withEffect">
+                                  <p:stCondLst>
+                                    <p:cond delay="0"/>
+                                  </p:stCondLst>
+                                  <p:childTnLst>
+                                    <p:set>
+                                      <p:cBhvr>
+                                        <p:cTn id="32" dur="1" fill="hold">
+                                          <p:stCondLst>
+                                            <p:cond delay="0"/>
+                                          </p:stCondLst>
+                                        </p:cTn>
+                                        <p:tgtEl>
+                                          <p:spTgt spid="11"/>
+                                        </p:tgtEl>
+                                        <p:attrNameLst>
+                                          <p:attrName>style.visibility</p:attrName>
+                                        </p:attrNameLst>
+                                      </p:cBhvr>
+                                      <p:to>
+                                        <p:strVal val="visible"/>
+                                      </p:to>
+                                    </p:set>
+                                  </p:childTnLst>
+                                </p:cTn>
+                              </p:par>
+                            </p:childTnLst>
+                          </p:cTn>
+                        </p:par>
+                      </p:childTnLst>
+                    </p:cTn>
+                  </p:par>
+                </p:childTnLst>
+              </p:cTn>
+              <p:prevCondLst>
+                <p:cond evt="onPrev" delay="0">
+                  <p:tgtEl>
+                    <p:sldTgt/>
+                  </p:tgtEl>
+                </p:cond>
+              </p:prevCondLst>
+              <p:nextCondLst>
+                <p:cond evt="onNext" delay="0">
+                  <p:tgtEl>
+                    <p:sldTgt/>
+                  </p:tgtEl>
+                </p:cond>
+              </p:nextCondLst>
+            </p:seq>
+          </p:childTnLst>
+        </p:cTn>
       </p:par>
     </p:tnLst>
+    <p:bldLst>
+      <p:bldP spid="12" grpId="0"/>
+      <p:bldP spid="13" grpId="0"/>
+      <p:bldP spid="14" grpId="0"/>
+    </p:bldLst>
   </p:timing>
 </p:sld>
 </file>
@@ -19709,9 +20707,406 @@
   <p:timing>
     <p:tnLst>
       <p:par>
-        <p:cTn id="1" dur="indefinite" restart="never" nodeType="tmRoot"/>
+        <p:cTn id="1" dur="indefinite" restart="never" nodeType="tmRoot">
+          <p:childTnLst>
+            <p:seq concurrent="1" nextAc="seek">
+              <p:cTn id="2" dur="indefinite" nodeType="mainSeq">
+                <p:childTnLst>
+                  <p:par>
+                    <p:cTn id="3" fill="hold">
+                      <p:stCondLst>
+                        <p:cond delay="indefinite"/>
+                      </p:stCondLst>
+                      <p:childTnLst>
+                        <p:par>
+                          <p:cTn id="4" fill="hold">
+                            <p:stCondLst>
+                              <p:cond delay="0"/>
+                            </p:stCondLst>
+                            <p:childTnLst>
+                              <p:par>
+                                <p:cTn id="5" presetID="1" presetClass="entr" presetSubtype="0" fill="hold" nodeType="clickEffect">
+                                  <p:stCondLst>
+                                    <p:cond delay="0"/>
+                                  </p:stCondLst>
+                                  <p:childTnLst>
+                                    <p:set>
+                                      <p:cBhvr>
+                                        <p:cTn id="6" dur="1" fill="hold">
+                                          <p:stCondLst>
+                                            <p:cond delay="0"/>
+                                          </p:stCondLst>
+                                        </p:cTn>
+                                        <p:tgtEl>
+                                          <p:spTgt spid="15"/>
+                                        </p:tgtEl>
+                                        <p:attrNameLst>
+                                          <p:attrName>style.visibility</p:attrName>
+                                        </p:attrNameLst>
+                                      </p:cBhvr>
+                                      <p:to>
+                                        <p:strVal val="visible"/>
+                                      </p:to>
+                                    </p:set>
+                                  </p:childTnLst>
+                                </p:cTn>
+                              </p:par>
+                            </p:childTnLst>
+                          </p:cTn>
+                        </p:par>
+                      </p:childTnLst>
+                    </p:cTn>
+                  </p:par>
+                  <p:par>
+                    <p:cTn id="7" fill="hold">
+                      <p:stCondLst>
+                        <p:cond delay="indefinite"/>
+                      </p:stCondLst>
+                      <p:childTnLst>
+                        <p:par>
+                          <p:cTn id="8" fill="hold">
+                            <p:stCondLst>
+                              <p:cond delay="0"/>
+                            </p:stCondLst>
+                            <p:childTnLst>
+                              <p:par>
+                                <p:cTn id="9" presetID="1" presetClass="entr" presetSubtype="0" fill="hold" nodeType="clickEffect">
+                                  <p:stCondLst>
+                                    <p:cond delay="0"/>
+                                  </p:stCondLst>
+                                  <p:childTnLst>
+                                    <p:set>
+                                      <p:cBhvr>
+                                        <p:cTn id="10" dur="1" fill="hold">
+                                          <p:stCondLst>
+                                            <p:cond delay="0"/>
+                                          </p:stCondLst>
+                                        </p:cTn>
+                                        <p:tgtEl>
+                                          <p:spTgt spid="8"/>
+                                        </p:tgtEl>
+                                        <p:attrNameLst>
+                                          <p:attrName>style.visibility</p:attrName>
+                                        </p:attrNameLst>
+                                      </p:cBhvr>
+                                      <p:to>
+                                        <p:strVal val="visible"/>
+                                      </p:to>
+                                    </p:set>
+                                  </p:childTnLst>
+                                </p:cTn>
+                              </p:par>
+                              <p:par>
+                                <p:cTn id="11" presetID="1" presetClass="entr" presetSubtype="0" fill="hold" nodeType="withEffect">
+                                  <p:stCondLst>
+                                    <p:cond delay="0"/>
+                                  </p:stCondLst>
+                                  <p:childTnLst>
+                                    <p:set>
+                                      <p:cBhvr>
+                                        <p:cTn id="12" dur="1" fill="hold">
+                                          <p:stCondLst>
+                                            <p:cond delay="0"/>
+                                          </p:stCondLst>
+                                        </p:cTn>
+                                        <p:tgtEl>
+                                          <p:spTgt spid="9"/>
+                                        </p:tgtEl>
+                                        <p:attrNameLst>
+                                          <p:attrName>style.visibility</p:attrName>
+                                        </p:attrNameLst>
+                                      </p:cBhvr>
+                                      <p:to>
+                                        <p:strVal val="visible"/>
+                                      </p:to>
+                                    </p:set>
+                                  </p:childTnLst>
+                                </p:cTn>
+                              </p:par>
+                              <p:par>
+                                <p:cTn id="13" presetID="1" presetClass="entr" presetSubtype="0" fill="hold" grpId="0" nodeType="withEffect">
+                                  <p:stCondLst>
+                                    <p:cond delay="0"/>
+                                  </p:stCondLst>
+                                  <p:childTnLst>
+                                    <p:set>
+                                      <p:cBhvr>
+                                        <p:cTn id="14" dur="1" fill="hold">
+                                          <p:stCondLst>
+                                            <p:cond delay="0"/>
+                                          </p:stCondLst>
+                                        </p:cTn>
+                                        <p:tgtEl>
+                                          <p:spTgt spid="12"/>
+                                        </p:tgtEl>
+                                        <p:attrNameLst>
+                                          <p:attrName>style.visibility</p:attrName>
+                                        </p:attrNameLst>
+                                      </p:cBhvr>
+                                      <p:to>
+                                        <p:strVal val="visible"/>
+                                      </p:to>
+                                    </p:set>
+                                  </p:childTnLst>
+                                </p:cTn>
+                              </p:par>
+                              <p:par>
+                                <p:cTn id="15" presetID="1" presetClass="entr" presetSubtype="0" fill="hold" nodeType="withEffect">
+                                  <p:stCondLst>
+                                    <p:cond delay="0"/>
+                                  </p:stCondLst>
+                                  <p:childTnLst>
+                                    <p:set>
+                                      <p:cBhvr>
+                                        <p:cTn id="16" dur="1" fill="hold">
+                                          <p:stCondLst>
+                                            <p:cond delay="0"/>
+                                          </p:stCondLst>
+                                        </p:cTn>
+                                        <p:tgtEl>
+                                          <p:spTgt spid="5"/>
+                                        </p:tgtEl>
+                                        <p:attrNameLst>
+                                          <p:attrName>style.visibility</p:attrName>
+                                        </p:attrNameLst>
+                                      </p:cBhvr>
+                                      <p:to>
+                                        <p:strVal val="visible"/>
+                                      </p:to>
+                                    </p:set>
+                                  </p:childTnLst>
+                                </p:cTn>
+                              </p:par>
+                            </p:childTnLst>
+                          </p:cTn>
+                        </p:par>
+                      </p:childTnLst>
+                    </p:cTn>
+                  </p:par>
+                  <p:par>
+                    <p:cTn id="17" fill="hold">
+                      <p:stCondLst>
+                        <p:cond delay="indefinite"/>
+                      </p:stCondLst>
+                      <p:childTnLst>
+                        <p:par>
+                          <p:cTn id="18" fill="hold">
+                            <p:stCondLst>
+                              <p:cond delay="0"/>
+                            </p:stCondLst>
+                            <p:childTnLst>
+                              <p:par>
+                                <p:cTn id="19" presetID="1" presetClass="entr" presetSubtype="0" fill="hold" nodeType="clickEffect">
+                                  <p:stCondLst>
+                                    <p:cond delay="0"/>
+                                  </p:stCondLst>
+                                  <p:childTnLst>
+                                    <p:set>
+                                      <p:cBhvr>
+                                        <p:cTn id="20" dur="1" fill="hold">
+                                          <p:stCondLst>
+                                            <p:cond delay="0"/>
+                                          </p:stCondLst>
+                                        </p:cTn>
+                                        <p:tgtEl>
+                                          <p:spTgt spid="10"/>
+                                        </p:tgtEl>
+                                        <p:attrNameLst>
+                                          <p:attrName>style.visibility</p:attrName>
+                                        </p:attrNameLst>
+                                      </p:cBhvr>
+                                      <p:to>
+                                        <p:strVal val="visible"/>
+                                      </p:to>
+                                    </p:set>
+                                  </p:childTnLst>
+                                </p:cTn>
+                              </p:par>
+                              <p:par>
+                                <p:cTn id="21" presetID="1" presetClass="entr" presetSubtype="0" fill="hold" grpId="0" nodeType="withEffect">
+                                  <p:stCondLst>
+                                    <p:cond delay="0"/>
+                                  </p:stCondLst>
+                                  <p:childTnLst>
+                                    <p:set>
+                                      <p:cBhvr>
+                                        <p:cTn id="22" dur="1" fill="hold">
+                                          <p:stCondLst>
+                                            <p:cond delay="0"/>
+                                          </p:stCondLst>
+                                        </p:cTn>
+                                        <p:tgtEl>
+                                          <p:spTgt spid="13"/>
+                                        </p:tgtEl>
+                                        <p:attrNameLst>
+                                          <p:attrName>style.visibility</p:attrName>
+                                        </p:attrNameLst>
+                                      </p:cBhvr>
+                                      <p:to>
+                                        <p:strVal val="visible"/>
+                                      </p:to>
+                                    </p:set>
+                                  </p:childTnLst>
+                                </p:cTn>
+                              </p:par>
+                              <p:par>
+                                <p:cTn id="23" presetID="1" presetClass="entr" presetSubtype="0" fill="hold" nodeType="withEffect">
+                                  <p:stCondLst>
+                                    <p:cond delay="0"/>
+                                  </p:stCondLst>
+                                  <p:childTnLst>
+                                    <p:set>
+                                      <p:cBhvr>
+                                        <p:cTn id="24" dur="1" fill="hold">
+                                          <p:stCondLst>
+                                            <p:cond delay="0"/>
+                                          </p:stCondLst>
+                                        </p:cTn>
+                                        <p:tgtEl>
+                                          <p:spTgt spid="6"/>
+                                        </p:tgtEl>
+                                        <p:attrNameLst>
+                                          <p:attrName>style.visibility</p:attrName>
+                                        </p:attrNameLst>
+                                      </p:cBhvr>
+                                      <p:to>
+                                        <p:strVal val="visible"/>
+                                      </p:to>
+                                    </p:set>
+                                  </p:childTnLst>
+                                </p:cTn>
+                              </p:par>
+                            </p:childTnLst>
+                          </p:cTn>
+                        </p:par>
+                      </p:childTnLst>
+                    </p:cTn>
+                  </p:par>
+                  <p:par>
+                    <p:cTn id="25" fill="hold">
+                      <p:stCondLst>
+                        <p:cond delay="indefinite"/>
+                      </p:stCondLst>
+                      <p:childTnLst>
+                        <p:par>
+                          <p:cTn id="26" fill="hold">
+                            <p:stCondLst>
+                              <p:cond delay="0"/>
+                            </p:stCondLst>
+                            <p:childTnLst>
+                              <p:par>
+                                <p:cTn id="27" presetID="1" presetClass="entr" presetSubtype="0" fill="hold" grpId="0" nodeType="clickEffect">
+                                  <p:stCondLst>
+                                    <p:cond delay="0"/>
+                                  </p:stCondLst>
+                                  <p:childTnLst>
+                                    <p:set>
+                                      <p:cBhvr>
+                                        <p:cTn id="28" dur="1" fill="hold">
+                                          <p:stCondLst>
+                                            <p:cond delay="0"/>
+                                          </p:stCondLst>
+                                        </p:cTn>
+                                        <p:tgtEl>
+                                          <p:spTgt spid="14"/>
+                                        </p:tgtEl>
+                                        <p:attrNameLst>
+                                          <p:attrName>style.visibility</p:attrName>
+                                        </p:attrNameLst>
+                                      </p:cBhvr>
+                                      <p:to>
+                                        <p:strVal val="visible"/>
+                                      </p:to>
+                                    </p:set>
+                                  </p:childTnLst>
+                                </p:cTn>
+                              </p:par>
+                              <p:par>
+                                <p:cTn id="29" presetID="1" presetClass="entr" presetSubtype="0" fill="hold" nodeType="withEffect">
+                                  <p:stCondLst>
+                                    <p:cond delay="0"/>
+                                  </p:stCondLst>
+                                  <p:childTnLst>
+                                    <p:set>
+                                      <p:cBhvr>
+                                        <p:cTn id="30" dur="1" fill="hold">
+                                          <p:stCondLst>
+                                            <p:cond delay="0"/>
+                                          </p:stCondLst>
+                                        </p:cTn>
+                                        <p:tgtEl>
+                                          <p:spTgt spid="7"/>
+                                        </p:tgtEl>
+                                        <p:attrNameLst>
+                                          <p:attrName>style.visibility</p:attrName>
+                                        </p:attrNameLst>
+                                      </p:cBhvr>
+                                      <p:to>
+                                        <p:strVal val="visible"/>
+                                      </p:to>
+                                    </p:set>
+                                  </p:childTnLst>
+                                </p:cTn>
+                              </p:par>
+                              <p:par>
+                                <p:cTn id="31" presetID="1" presetClass="entr" presetSubtype="0" fill="hold" nodeType="withEffect">
+                                  <p:stCondLst>
+                                    <p:cond delay="0"/>
+                                  </p:stCondLst>
+                                  <p:childTnLst>
+                                    <p:set>
+                                      <p:cBhvr>
+                                        <p:cTn id="32" dur="1" fill="hold">
+                                          <p:stCondLst>
+                                            <p:cond delay="0"/>
+                                          </p:stCondLst>
+                                        </p:cTn>
+                                        <p:tgtEl>
+                                          <p:spTgt spid="11"/>
+                                        </p:tgtEl>
+                                        <p:attrNameLst>
+                                          <p:attrName>style.visibility</p:attrName>
+                                        </p:attrNameLst>
+                                      </p:cBhvr>
+                                      <p:to>
+                                        <p:strVal val="visible"/>
+                                      </p:to>
+                                    </p:set>
+                                  </p:childTnLst>
+                                </p:cTn>
+                              </p:par>
+                            </p:childTnLst>
+                          </p:cTn>
+                        </p:par>
+                      </p:childTnLst>
+                    </p:cTn>
+                  </p:par>
+                </p:childTnLst>
+              </p:cTn>
+              <p:prevCondLst>
+                <p:cond evt="onPrev" delay="0">
+                  <p:tgtEl>
+                    <p:sldTgt/>
+                  </p:tgtEl>
+                </p:cond>
+              </p:prevCondLst>
+              <p:nextCondLst>
+                <p:cond evt="onNext" delay="0">
+                  <p:tgtEl>
+                    <p:sldTgt/>
+                  </p:tgtEl>
+                </p:cond>
+              </p:nextCondLst>
+            </p:seq>
+          </p:childTnLst>
+        </p:cTn>
       </p:par>
     </p:tnLst>
+    <p:bldLst>
+      <p:bldP spid="12" grpId="0"/>
+      <p:bldP spid="13" grpId="0"/>
+      <p:bldP spid="14" grpId="0"/>
+    </p:bldLst>
   </p:timing>
 </p:sld>
 </file>

--- a/Images/Presentation/ImageReconstruction.pptx
+++ b/Images/Presentation/ImageReconstruction.pptx
@@ -163,7 +163,7 @@
       </p14:sectionLst>
     </p:ext>
     <p:ext uri="{EFAFB233-063F-42B5-8137-9DF3F51BA10A}">
-      <p15:sldGuideLst xmlns="" xmlns:p15="http://schemas.microsoft.com/office/powerpoint/2012/main">
+      <p15:sldGuideLst xmlns:p15="http://schemas.microsoft.com/office/powerpoint/2012/main">
         <p15:guide id="1" orient="horz" pos="2160" userDrawn="1">
           <p15:clr>
             <a:srgbClr val="A4A3A4"/>
@@ -3550,7 +3550,7 @@
                               <a:solidFill>
                                 <a:prstClr val="black"/>
                               </a:solidFill>
-                              <a:latin typeface="Cambria Math"/>
+                              <a:latin typeface="Cambria Math" panose="02040503050406030204" pitchFamily="18" charset="0"/>
                               <a:ea typeface="Cambria Math" charset="0"/>
                               <a:cs typeface="Cambria Math" charset="0"/>
                             </a:rPr>
@@ -3740,7 +3740,7 @@
                               <a:solidFill>
                                 <a:prstClr val="black"/>
                               </a:solidFill>
-                              <a:latin typeface="Cambria Math"/>
+                              <a:latin typeface="Cambria Math" panose="02040503050406030204" pitchFamily="18" charset="0"/>
                               <a:ea typeface="Cambria Math" charset="0"/>
                               <a:cs typeface="Cambria Math" charset="0"/>
                             </a:rPr>
@@ -3792,7 +3792,7 @@
                               <a:solidFill>
                                 <a:prstClr val="black"/>
                               </a:solidFill>
-                              <a:latin typeface="Cambria Math"/>
+                              <a:latin typeface="Cambria Math" panose="02040503050406030204" pitchFamily="18" charset="0"/>
                               <a:ea typeface="Cambria Math" charset="0"/>
                               <a:cs typeface="Cambria Math" charset="0"/>
                             </a:rPr>
@@ -3846,7 +3846,7 @@
                                   <a:solidFill>
                                     <a:prstClr val="black"/>
                                   </a:solidFill>
-                                  <a:latin typeface="Cambria Math"/>
+                                  <a:latin typeface="Cambria Math" panose="02040503050406030204" pitchFamily="18" charset="0"/>
                                   <a:ea typeface="Cambria Math" charset="0"/>
                                   <a:cs typeface="Cambria Math" charset="0"/>
                                 </a:rPr>
@@ -3860,7 +3860,7 @@
                                       <a:solidFill>
                                         <a:prstClr val="black"/>
                                       </a:solidFill>
-                                      <a:latin typeface="Cambria Math"/>
+                                      <a:latin typeface="Cambria Math" panose="02040503050406030204" pitchFamily="18" charset="0"/>
                                       <a:ea typeface="Cambria Math" charset="0"/>
                                       <a:cs typeface="Cambria Math" charset="0"/>
                                     </a:rPr>
@@ -3910,7 +3910,7 @@
                                       <a:solidFill>
                                         <a:prstClr val="black"/>
                                       </a:solidFill>
-                                      <a:latin typeface="Cambria Math"/>
+                                      <a:latin typeface="Cambria Math" panose="02040503050406030204" pitchFamily="18" charset="0"/>
                                       <a:ea typeface="Cambria Math"/>
                                     </a:rPr>
                                   </m:ctrlPr>
@@ -4035,7 +4035,7 @@
                               <a:solidFill>
                                 <a:prstClr val="black"/>
                               </a:solidFill>
-                              <a:latin typeface="Cambria Math"/>
+                              <a:latin typeface="Cambria Math" panose="02040503050406030204" pitchFamily="18" charset="0"/>
                               <a:ea typeface="Cambria Math" charset="0"/>
                               <a:cs typeface="Cambria Math" charset="0"/>
                             </a:rPr>
@@ -4086,7 +4086,7 @@
                               <a:solidFill>
                                 <a:prstClr val="black"/>
                               </a:solidFill>
-                              <a:latin typeface="Cambria Math"/>
+                              <a:latin typeface="Cambria Math" panose="02040503050406030204" pitchFamily="18" charset="0"/>
                               <a:ea typeface="Cambria Math" charset="0"/>
                               <a:cs typeface="Cambria Math" charset="0"/>
                             </a:rPr>
@@ -4126,7 +4126,7 @@
                               <a:solidFill>
                                 <a:prstClr val="black"/>
                               </a:solidFill>
-                              <a:latin typeface="Cambria Math"/>
+                              <a:latin typeface="Cambria Math" panose="02040503050406030204" pitchFamily="18" charset="0"/>
                               <a:ea typeface="Cambria Math" charset="0"/>
                               <a:cs typeface="Cambria Math" charset="0"/>
                             </a:rPr>
@@ -4261,7 +4261,7 @@
                               <a:solidFill>
                                 <a:prstClr val="black"/>
                               </a:solidFill>
-                              <a:latin typeface="Cambria Math"/>
+                              <a:latin typeface="Cambria Math" panose="02040503050406030204" pitchFamily="18" charset="0"/>
                               <a:ea typeface="Cambria Math" charset="0"/>
                               <a:cs typeface="Cambria Math" charset="0"/>
                             </a:rPr>
@@ -4312,7 +4312,7 @@
                               <a:solidFill>
                                 <a:prstClr val="black"/>
                               </a:solidFill>
-                              <a:latin typeface="Cambria Math"/>
+                              <a:latin typeface="Cambria Math" panose="02040503050406030204" pitchFamily="18" charset="0"/>
                               <a:ea typeface="Cambria Math" charset="0"/>
                               <a:cs typeface="Cambria Math" charset="0"/>
                             </a:rPr>
@@ -4326,7 +4326,7 @@
                                   <a:solidFill>
                                     <a:prstClr val="black"/>
                                   </a:solidFill>
-                                  <a:latin typeface="Cambria Math"/>
+                                  <a:latin typeface="Cambria Math" panose="02040503050406030204" pitchFamily="18" charset="0"/>
                                   <a:ea typeface="Cambria Math" charset="0"/>
                                   <a:cs typeface="Cambria Math" charset="0"/>
                                 </a:rPr>
@@ -4675,7 +4675,7 @@
                       <m:sSubSupPr>
                         <m:ctrlPr>
                           <a:rPr lang="en-US" sz="3600" i="1" smtClean="0">
-                            <a:latin typeface="Cambria Math"/>
+                            <a:latin typeface="Cambria Math" panose="02040503050406030204" pitchFamily="18" charset="0"/>
                           </a:rPr>
                         </m:ctrlPr>
                       </m:sSubSupPr>
@@ -4708,7 +4708,7 @@
                       <m:dPr>
                         <m:ctrlPr>
                           <a:rPr lang="en-US" sz="3600" i="1" smtClean="0">
-                            <a:latin typeface="Cambria Math"/>
+                            <a:latin typeface="Cambria Math" panose="02040503050406030204" pitchFamily="18" charset="0"/>
                           </a:rPr>
                         </m:ctrlPr>
                       </m:dPr>
@@ -4731,7 +4731,7 @@
                       <m:dPr>
                         <m:ctrlPr>
                           <a:rPr lang="en-US" sz="3600" b="0" i="1" smtClean="0">
-                            <a:latin typeface="Cambria Math"/>
+                            <a:latin typeface="Cambria Math" panose="02040503050406030204" pitchFamily="18" charset="0"/>
                           </a:rPr>
                         </m:ctrlPr>
                       </m:dPr>
@@ -4755,7 +4755,7 @@
                             <m:supHide m:val="on"/>
                             <m:ctrlPr>
                               <a:rPr lang="en-US" sz="3600" b="0" i="1" smtClean="0">
-                                <a:latin typeface="Cambria Math"/>
+                                <a:latin typeface="Cambria Math" panose="02040503050406030204" pitchFamily="18" charset="0"/>
                                 <a:ea typeface="Cambria Math" panose="02040503050406030204" pitchFamily="18" charset="0"/>
                               </a:rPr>
                             </m:ctrlPr>
@@ -5071,7 +5071,7 @@
                         <m:sSubSupPr>
                           <m:ctrlPr>
                             <a:rPr lang="en-US" i="1">
-                              <a:latin typeface="Cambria Math"/>
+                              <a:latin typeface="Cambria Math" panose="02040503050406030204" pitchFamily="18" charset="0"/>
                             </a:rPr>
                           </m:ctrlPr>
                         </m:sSubSupPr>
@@ -5116,7 +5116,7 @@
                         <m:dPr>
                           <m:ctrlPr>
                             <a:rPr lang="en-US" i="1">
-                              <a:latin typeface="Cambria Math"/>
+                              <a:latin typeface="Cambria Math" panose="02040503050406030204" pitchFamily="18" charset="0"/>
                             </a:rPr>
                           </m:ctrlPr>
                         </m:dPr>
@@ -5139,7 +5139,7 @@
                         <m:sSubSupPr>
                           <m:ctrlPr>
                             <a:rPr lang="en-US" i="1">
-                              <a:latin typeface="Cambria Math"/>
+                              <a:latin typeface="Cambria Math" panose="02040503050406030204" pitchFamily="18" charset="0"/>
                             </a:rPr>
                           </m:ctrlPr>
                         </m:sSubSupPr>
@@ -5174,7 +5174,7 @@
                           <m:endChr m:val="]"/>
                           <m:ctrlPr>
                             <a:rPr lang="en-US" i="1">
-                              <a:latin typeface="Cambria Math"/>
+                              <a:latin typeface="Cambria Math" panose="02040503050406030204" pitchFamily="18" charset="0"/>
                             </a:rPr>
                           </m:ctrlPr>
                         </m:dPr>
@@ -5183,7 +5183,7 @@
                             <m:sSubSupPr>
                               <m:ctrlPr>
                                 <a:rPr lang="en-US" i="1">
-                                  <a:latin typeface="Cambria Math"/>
+                                  <a:latin typeface="Cambria Math" panose="02040503050406030204" pitchFamily="18" charset="0"/>
                                 </a:rPr>
                               </m:ctrlPr>
                             </m:sSubSupPr>
@@ -5228,7 +5228,7 @@
                             <m:dPr>
                               <m:ctrlPr>
                                 <a:rPr lang="en-US" i="1">
-                                  <a:latin typeface="Cambria Math"/>
+                                  <a:latin typeface="Cambria Math" panose="02040503050406030204" pitchFamily="18" charset="0"/>
                                 </a:rPr>
                               </m:ctrlPr>
                             </m:dPr>
@@ -5361,9 +5361,16 @@
                   <a:latin typeface="Times New Roman" panose="02020603050405020304" pitchFamily="18" charset="0"/>
                   <a:cs typeface="Times New Roman" panose="02020603050405020304" pitchFamily="18" charset="0"/>
                 </a:rPr>
-                <a:t>Marker - F</a:t>
+                <a:t>Marker - </a:t>
               </a:r>
-              <a:endParaRPr lang="en-US" dirty="0">
+              <a:r>
+                <a:rPr lang="en-US" i="1" dirty="0" smtClean="0">
+                  <a:latin typeface="Times New Roman" panose="02020603050405020304" pitchFamily="18" charset="0"/>
+                  <a:cs typeface="Times New Roman" panose="02020603050405020304" pitchFamily="18" charset="0"/>
+                </a:rPr>
+                <a:t>F</a:t>
+              </a:r>
+              <a:endParaRPr lang="en-US" i="1" dirty="0">
                 <a:latin typeface="Times New Roman" panose="02020603050405020304" pitchFamily="18" charset="0"/>
                 <a:cs typeface="Times New Roman" panose="02020603050405020304" pitchFamily="18" charset="0"/>
               </a:endParaRPr>
@@ -5442,9 +5449,16 @@
                   <a:latin typeface="Times New Roman" panose="02020603050405020304" pitchFamily="18" charset="0"/>
                   <a:cs typeface="Times New Roman" panose="02020603050405020304" pitchFamily="18" charset="0"/>
                 </a:rPr>
-                <a:t>Mask - G</a:t>
+                <a:t>Mask - </a:t>
               </a:r>
-              <a:endParaRPr lang="en-US" dirty="0">
+              <a:r>
+                <a:rPr lang="en-US" i="1" dirty="0" smtClean="0">
+                  <a:latin typeface="Times New Roman" panose="02020603050405020304" pitchFamily="18" charset="0"/>
+                  <a:cs typeface="Times New Roman" panose="02020603050405020304" pitchFamily="18" charset="0"/>
+                </a:rPr>
+                <a:t>G</a:t>
+              </a:r>
+              <a:endParaRPr lang="en-US" i="1" dirty="0">
                 <a:latin typeface="Times New Roman" panose="02020603050405020304" pitchFamily="18" charset="0"/>
                 <a:cs typeface="Times New Roman" panose="02020603050405020304" pitchFamily="18" charset="0"/>
               </a:endParaRPr>
@@ -5615,7 +5629,7 @@
                           <m:sSubSupPr>
                             <m:ctrlPr>
                               <a:rPr lang="en-US" i="1" smtClean="0">
-                                <a:latin typeface="Cambria Math"/>
+                                <a:latin typeface="Cambria Math" panose="02040503050406030204" pitchFamily="18" charset="0"/>
                               </a:rPr>
                             </m:ctrlPr>
                           </m:sSubSupPr>
@@ -5648,7 +5662,7 @@
                           <m:dPr>
                             <m:ctrlPr>
                               <a:rPr lang="en-US" i="1" smtClean="0">
-                                <a:latin typeface="Cambria Math"/>
+                                <a:latin typeface="Cambria Math" panose="02040503050406030204" pitchFamily="18" charset="0"/>
                               </a:rPr>
                             </m:ctrlPr>
                           </m:dPr>
@@ -6328,7 +6342,7 @@
                       <m:sSubSupPr>
                         <m:ctrlPr>
                           <a:rPr lang="en-US" sz="4000" i="1" smtClean="0">
-                            <a:latin typeface="Cambria Math"/>
+                            <a:latin typeface="Cambria Math" panose="02040503050406030204" pitchFamily="18" charset="0"/>
                           </a:rPr>
                         </m:ctrlPr>
                       </m:sSubSupPr>
@@ -6361,7 +6375,7 @@
                       <m:dPr>
                         <m:ctrlPr>
                           <a:rPr lang="en-US" sz="4000" i="1" smtClean="0">
-                            <a:latin typeface="Cambria Math"/>
+                            <a:latin typeface="Cambria Math" panose="02040503050406030204" pitchFamily="18" charset="0"/>
                           </a:rPr>
                         </m:ctrlPr>
                       </m:dPr>
@@ -6384,7 +6398,7 @@
                       <m:sSubSupPr>
                         <m:ctrlPr>
                           <a:rPr lang="en-US" sz="4000" b="0" i="1" smtClean="0">
-                            <a:latin typeface="Cambria Math"/>
+                            <a:latin typeface="Cambria Math" panose="02040503050406030204" pitchFamily="18" charset="0"/>
                           </a:rPr>
                         </m:ctrlPr>
                       </m:sSubSupPr>
@@ -6409,7 +6423,7 @@
                           <m:dPr>
                             <m:ctrlPr>
                               <a:rPr lang="en-US" sz="4000" b="0" i="1" smtClean="0">
-                                <a:latin typeface="Cambria Math"/>
+                                <a:latin typeface="Cambria Math" panose="02040503050406030204" pitchFamily="18" charset="0"/>
                               </a:rPr>
                             </m:ctrlPr>
                           </m:dPr>
@@ -6428,7 +6442,7 @@
                       <m:dPr>
                         <m:ctrlPr>
                           <a:rPr lang="en-US" sz="4000" b="0" i="1" smtClean="0">
-                            <a:latin typeface="Cambria Math"/>
+                            <a:latin typeface="Cambria Math" panose="02040503050406030204" pitchFamily="18" charset="0"/>
                           </a:rPr>
                         </m:ctrlPr>
                       </m:dPr>
@@ -6564,7 +6578,7 @@
                           <m:sSubSupPr>
                             <m:ctrlPr>
                               <a:rPr lang="en-US" i="1" smtClean="0">
-                                <a:latin typeface="Cambria Math"/>
+                                <a:latin typeface="Cambria Math" panose="02040503050406030204" pitchFamily="18" charset="0"/>
                               </a:rPr>
                             </m:ctrlPr>
                           </m:sSubSupPr>
@@ -6597,7 +6611,7 @@
                           <m:dPr>
                             <m:ctrlPr>
                               <a:rPr lang="en-US" i="1" smtClean="0">
-                                <a:latin typeface="Cambria Math"/>
+                                <a:latin typeface="Cambria Math" panose="02040503050406030204" pitchFamily="18" charset="0"/>
                               </a:rPr>
                             </m:ctrlPr>
                           </m:dPr>
@@ -6729,9 +6743,16 @@
                   <a:latin typeface="Times New Roman" panose="02020603050405020304" pitchFamily="18" charset="0"/>
                   <a:cs typeface="Times New Roman" panose="02020603050405020304" pitchFamily="18" charset="0"/>
                 </a:rPr>
-                <a:t>Marker - F</a:t>
+                <a:t>Marker - </a:t>
               </a:r>
-              <a:endParaRPr lang="en-US" dirty="0">
+              <a:r>
+                <a:rPr lang="en-US" i="1" dirty="0" smtClean="0">
+                  <a:latin typeface="Times New Roman" panose="02020603050405020304" pitchFamily="18" charset="0"/>
+                  <a:cs typeface="Times New Roman" panose="02020603050405020304" pitchFamily="18" charset="0"/>
+                </a:rPr>
+                <a:t>F</a:t>
+              </a:r>
+              <a:endParaRPr lang="en-US" i="1" dirty="0">
                 <a:latin typeface="Times New Roman" panose="02020603050405020304" pitchFamily="18" charset="0"/>
                 <a:cs typeface="Times New Roman" panose="02020603050405020304" pitchFamily="18" charset="0"/>
               </a:endParaRPr>
@@ -6818,7 +6839,7 @@
                           <m:sSubSupPr>
                             <m:ctrlPr>
                               <a:rPr lang="en-US" i="1" smtClean="0">
-                                <a:latin typeface="Cambria Math"/>
+                                <a:latin typeface="Cambria Math" panose="02040503050406030204" pitchFamily="18" charset="0"/>
                               </a:rPr>
                             </m:ctrlPr>
                           </m:sSubSupPr>
@@ -6863,7 +6884,7 @@
                           <m:dPr>
                             <m:ctrlPr>
                               <a:rPr lang="en-US" i="1" smtClean="0">
-                                <a:latin typeface="Cambria Math"/>
+                                <a:latin typeface="Cambria Math" panose="02040503050406030204" pitchFamily="18" charset="0"/>
                               </a:rPr>
                             </m:ctrlPr>
                           </m:dPr>
@@ -7003,7 +7024,7 @@
                           <m:sSubSupPr>
                             <m:ctrlPr>
                               <a:rPr lang="en-US" i="1" smtClean="0">
-                                <a:latin typeface="Cambria Math"/>
+                                <a:latin typeface="Cambria Math" panose="02040503050406030204" pitchFamily="18" charset="0"/>
                               </a:rPr>
                             </m:ctrlPr>
                           </m:sSubSupPr>
@@ -7048,7 +7069,7 @@
                           <m:dPr>
                             <m:ctrlPr>
                               <a:rPr lang="en-US" i="1" smtClean="0">
-                                <a:latin typeface="Cambria Math"/>
+                                <a:latin typeface="Cambria Math" panose="02040503050406030204" pitchFamily="18" charset="0"/>
                               </a:rPr>
                             </m:ctrlPr>
                           </m:dPr>
@@ -7117,7 +7138,7 @@
         </p:nvGrpSpPr>
         <p:grpSpPr>
           <a:xfrm>
-            <a:off x="9111274" y="4120992"/>
+            <a:off x="3589728" y="4120992"/>
             <a:ext cx="2169174" cy="2610385"/>
             <a:chOff x="8691821" y="1526048"/>
             <a:chExt cx="2169174" cy="2610385"/>
@@ -7188,7 +7209,7 @@
                           <m:sSubSupPr>
                             <m:ctrlPr>
                               <a:rPr lang="en-US" i="1" smtClean="0">
-                                <a:latin typeface="Cambria Math"/>
+                                <a:latin typeface="Cambria Math" panose="02040503050406030204" pitchFamily="18" charset="0"/>
                               </a:rPr>
                             </m:ctrlPr>
                           </m:sSubSupPr>
@@ -7233,7 +7254,7 @@
                           <m:dPr>
                             <m:ctrlPr>
                               <a:rPr lang="en-US" i="1" smtClean="0">
-                                <a:latin typeface="Cambria Math"/>
+                                <a:latin typeface="Cambria Math" panose="02040503050406030204" pitchFamily="18" charset="0"/>
                               </a:rPr>
                             </m:ctrlPr>
                           </m:dPr>
@@ -7373,7 +7394,7 @@
                           <m:sSubSupPr>
                             <m:ctrlPr>
                               <a:rPr lang="en-US" i="1" smtClean="0">
-                                <a:latin typeface="Cambria Math"/>
+                                <a:latin typeface="Cambria Math" panose="02040503050406030204" pitchFamily="18" charset="0"/>
                               </a:rPr>
                             </m:ctrlPr>
                           </m:sSubSupPr>
@@ -7418,7 +7439,7 @@
                           <m:dPr>
                             <m:ctrlPr>
                               <a:rPr lang="en-US" i="1" smtClean="0">
-                                <a:latin typeface="Cambria Math"/>
+                                <a:latin typeface="Cambria Math" panose="02040503050406030204" pitchFamily="18" charset="0"/>
                               </a:rPr>
                             </m:ctrlPr>
                           </m:dPr>
@@ -7487,7 +7508,7 @@
         </p:nvGrpSpPr>
         <p:grpSpPr>
           <a:xfrm>
-            <a:off x="3595891" y="4120992"/>
+            <a:off x="9105283" y="4120992"/>
             <a:ext cx="2169174" cy="2610385"/>
             <a:chOff x="3595891" y="4120992"/>
             <a:chExt cx="2169174" cy="2610385"/>
@@ -7558,7 +7579,7 @@
                           <m:sSubSupPr>
                             <m:ctrlPr>
                               <a:rPr lang="en-US" i="1" smtClean="0">
-                                <a:latin typeface="Cambria Math"/>
+                                <a:latin typeface="Cambria Math" panose="02040503050406030204" pitchFamily="18" charset="0"/>
                               </a:rPr>
                             </m:ctrlPr>
                           </m:sSubSupPr>
@@ -7603,7 +7624,7 @@
                           <m:dPr>
                             <m:ctrlPr>
                               <a:rPr lang="en-US" i="1" smtClean="0">
-                                <a:latin typeface="Cambria Math"/>
+                                <a:latin typeface="Cambria Math" panose="02040503050406030204" pitchFamily="18" charset="0"/>
                               </a:rPr>
                             </m:ctrlPr>
                           </m:dPr>
@@ -7770,7 +7791,7 @@
           <p:nvPr/>
         </p:nvCxnSpPr>
         <p:spPr>
-          <a:xfrm rot="10800000">
+          <a:xfrm>
             <a:off x="5821679" y="5646790"/>
             <a:ext cx="469127" cy="0"/>
           </a:xfrm>
@@ -7803,7 +7824,7 @@
           <p:nvPr/>
         </p:nvCxnSpPr>
         <p:spPr>
-          <a:xfrm rot="10800000">
+          <a:xfrm>
             <a:off x="8579456" y="5646790"/>
             <a:ext cx="469127" cy="0"/>
           </a:xfrm>
@@ -7831,19 +7852,17 @@
       </p:cxnSp>
       <p:cxnSp>
         <p:nvCxnSpPr>
-          <p:cNvPr id="77" name="Elbow Connector 76"/>
+          <p:cNvPr id="30" name="Straight Arrow Connector 29"/>
           <p:cNvCxnSpPr/>
           <p:nvPr/>
         </p:nvCxnSpPr>
         <p:spPr>
           <a:xfrm>
-            <a:off x="11343139" y="3043171"/>
-            <a:ext cx="12700" cy="2603619"/>
+            <a:off x="3065839" y="5646790"/>
+            <a:ext cx="469127" cy="0"/>
           </a:xfrm>
-          <a:prstGeom prst="bentConnector3">
-            <a:avLst>
-              <a:gd name="adj1" fmla="val 2238252"/>
-            </a:avLst>
+          <a:prstGeom prst="straightConnector1">
+            <a:avLst/>
           </a:prstGeom>
           <a:ln>
             <a:tailEnd type="triangle"/>
@@ -8169,7 +8188,7 @@
                                           </p:stCondLst>
                                         </p:cTn>
                                         <p:tgtEl>
-                                          <p:spTgt spid="77"/>
+                                          <p:spTgt spid="63"/>
                                         </p:tgtEl>
                                         <p:attrNameLst>
                                           <p:attrName>style.visibility</p:attrName>
@@ -8196,7 +8215,7 @@
                                           </p:stCondLst>
                                         </p:cTn>
                                         <p:tgtEl>
-                                          <p:spTgt spid="63"/>
+                                          <p:spTgt spid="30"/>
                                         </p:tgtEl>
                                         <p:attrNameLst>
                                           <p:attrName>style.visibility</p:attrName>
@@ -8241,7 +8260,7 @@
                                           </p:stCondLst>
                                         </p:cTn>
                                         <p:tgtEl>
-                                          <p:spTgt spid="75"/>
+                                          <p:spTgt spid="66"/>
                                         </p:tgtEl>
                                         <p:attrNameLst>
                                           <p:attrName>style.visibility</p:attrName>
@@ -8268,7 +8287,7 @@
                                           </p:stCondLst>
                                         </p:cTn>
                                         <p:tgtEl>
-                                          <p:spTgt spid="66"/>
+                                          <p:spTgt spid="74"/>
                                         </p:tgtEl>
                                         <p:attrNameLst>
                                           <p:attrName>style.visibility</p:attrName>
@@ -8313,7 +8332,7 @@
                                           </p:stCondLst>
                                         </p:cTn>
                                         <p:tgtEl>
-                                          <p:spTgt spid="74"/>
+                                          <p:spTgt spid="17"/>
                                         </p:tgtEl>
                                         <p:attrNameLst>
                                           <p:attrName>style.visibility</p:attrName>
@@ -8340,7 +8359,7 @@
                                           </p:stCondLst>
                                         </p:cTn>
                                         <p:tgtEl>
-                                          <p:spTgt spid="17"/>
+                                          <p:spTgt spid="75"/>
                                         </p:tgtEl>
                                         <p:attrNameLst>
                                           <p:attrName>style.visibility</p:attrName>
@@ -8438,7 +8457,7 @@
                       <m:sSubSupPr>
                         <m:ctrlPr>
                           <a:rPr lang="en-US" sz="3600" i="1" smtClean="0">
-                            <a:latin typeface="Cambria Math"/>
+                            <a:latin typeface="Cambria Math" panose="02040503050406030204" pitchFamily="18" charset="0"/>
                           </a:rPr>
                         </m:ctrlPr>
                       </m:sSubSupPr>
@@ -8471,7 +8490,7 @@
                       <m:dPr>
                         <m:ctrlPr>
                           <a:rPr lang="en-US" sz="3600" i="1" smtClean="0">
-                            <a:latin typeface="Cambria Math"/>
+                            <a:latin typeface="Cambria Math" panose="02040503050406030204" pitchFamily="18" charset="0"/>
                           </a:rPr>
                         </m:ctrlPr>
                       </m:dPr>
@@ -8494,7 +8513,7 @@
                       <m:dPr>
                         <m:ctrlPr>
                           <a:rPr lang="en-US" sz="3600" b="0" i="1" smtClean="0">
-                            <a:latin typeface="Cambria Math"/>
+                            <a:latin typeface="Cambria Math" panose="02040503050406030204" pitchFamily="18" charset="0"/>
                           </a:rPr>
                         </m:ctrlPr>
                       </m:dPr>
@@ -8808,7 +8827,7 @@
                         <m:sSubSupPr>
                           <m:ctrlPr>
                             <a:rPr lang="en-US" sz="3000" i="1" smtClean="0">
-                              <a:latin typeface="Cambria Math"/>
+                              <a:latin typeface="Cambria Math" panose="02040503050406030204" pitchFamily="18" charset="0"/>
                             </a:rPr>
                           </m:ctrlPr>
                         </m:sSubSupPr>
@@ -8853,7 +8872,7 @@
                         <m:dPr>
                           <m:ctrlPr>
                             <a:rPr lang="en-US" sz="3000" i="1">
-                              <a:latin typeface="Cambria Math"/>
+                              <a:latin typeface="Cambria Math" panose="02040503050406030204" pitchFamily="18" charset="0"/>
                             </a:rPr>
                           </m:ctrlPr>
                         </m:dPr>
@@ -8876,7 +8895,7 @@
                         <m:sSubSupPr>
                           <m:ctrlPr>
                             <a:rPr lang="en-US" sz="3000" i="1">
-                              <a:latin typeface="Cambria Math"/>
+                              <a:latin typeface="Cambria Math" panose="02040503050406030204" pitchFamily="18" charset="0"/>
                             </a:rPr>
                           </m:ctrlPr>
                         </m:sSubSupPr>
@@ -8911,7 +8930,7 @@
                           <m:endChr m:val="]"/>
                           <m:ctrlPr>
                             <a:rPr lang="en-US" sz="3000" i="1">
-                              <a:latin typeface="Cambria Math"/>
+                              <a:latin typeface="Cambria Math" panose="02040503050406030204" pitchFamily="18" charset="0"/>
                             </a:rPr>
                           </m:ctrlPr>
                         </m:dPr>
@@ -8920,7 +8939,7 @@
                             <m:sSubSupPr>
                               <m:ctrlPr>
                                 <a:rPr lang="en-US" sz="3000" i="1">
-                                  <a:latin typeface="Cambria Math"/>
+                                  <a:latin typeface="Cambria Math" panose="02040503050406030204" pitchFamily="18" charset="0"/>
                                 </a:rPr>
                               </m:ctrlPr>
                             </m:sSubSupPr>
@@ -8965,7 +8984,7 @@
                             <m:dPr>
                               <m:ctrlPr>
                                 <a:rPr lang="en-US" sz="3000" i="1">
-                                  <a:latin typeface="Cambria Math"/>
+                                  <a:latin typeface="Cambria Math" panose="02040503050406030204" pitchFamily="18" charset="0"/>
                                 </a:rPr>
                               </m:ctrlPr>
                             </m:dPr>
@@ -9098,9 +9117,16 @@
                   <a:latin typeface="Times New Roman" panose="02020603050405020304" pitchFamily="18" charset="0"/>
                   <a:cs typeface="Times New Roman" panose="02020603050405020304" pitchFamily="18" charset="0"/>
                 </a:rPr>
-                <a:t>Marker - F</a:t>
+                <a:t>Marker - </a:t>
               </a:r>
-              <a:endParaRPr lang="en-US" dirty="0">
+              <a:r>
+                <a:rPr lang="en-US" i="1" dirty="0" smtClean="0">
+                  <a:latin typeface="Times New Roman" panose="02020603050405020304" pitchFamily="18" charset="0"/>
+                  <a:cs typeface="Times New Roman" panose="02020603050405020304" pitchFamily="18" charset="0"/>
+                </a:rPr>
+                <a:t>F</a:t>
+              </a:r>
+              <a:endParaRPr lang="en-US" i="1" dirty="0">
                 <a:latin typeface="Times New Roman" panose="02020603050405020304" pitchFamily="18" charset="0"/>
                 <a:cs typeface="Times New Roman" panose="02020603050405020304" pitchFamily="18" charset="0"/>
               </a:endParaRPr>
@@ -9179,9 +9205,16 @@
                   <a:latin typeface="Times New Roman" panose="02020603050405020304" pitchFamily="18" charset="0"/>
                   <a:cs typeface="Times New Roman" panose="02020603050405020304" pitchFamily="18" charset="0"/>
                 </a:rPr>
-                <a:t>Mask - G</a:t>
+                <a:t>Mask - </a:t>
               </a:r>
-              <a:endParaRPr lang="en-US" dirty="0">
+              <a:r>
+                <a:rPr lang="en-US" i="1" dirty="0" smtClean="0">
+                  <a:latin typeface="Times New Roman" panose="02020603050405020304" pitchFamily="18" charset="0"/>
+                  <a:cs typeface="Times New Roman" panose="02020603050405020304" pitchFamily="18" charset="0"/>
+                </a:rPr>
+                <a:t>G</a:t>
+              </a:r>
+              <a:endParaRPr lang="en-US" i="1" dirty="0">
                 <a:latin typeface="Times New Roman" panose="02020603050405020304" pitchFamily="18" charset="0"/>
                 <a:cs typeface="Times New Roman" panose="02020603050405020304" pitchFamily="18" charset="0"/>
               </a:endParaRPr>
@@ -9352,7 +9385,7 @@
                           <m:sSubSupPr>
                             <m:ctrlPr>
                               <a:rPr lang="en-US" i="1" smtClean="0">
-                                <a:latin typeface="Cambria Math"/>
+                                <a:latin typeface="Cambria Math" panose="02040503050406030204" pitchFamily="18" charset="0"/>
                               </a:rPr>
                             </m:ctrlPr>
                           </m:sSubSupPr>
@@ -9385,7 +9418,7 @@
                           <m:dPr>
                             <m:ctrlPr>
                               <a:rPr lang="en-US" i="1" smtClean="0">
-                                <a:latin typeface="Cambria Math"/>
+                                <a:latin typeface="Cambria Math" panose="02040503050406030204" pitchFamily="18" charset="0"/>
                               </a:rPr>
                             </m:ctrlPr>
                           </m:dPr>
@@ -10062,7 +10095,7 @@
                       <m:sSubSupPr>
                         <m:ctrlPr>
                           <a:rPr lang="en-US" sz="4000" i="1" smtClean="0">
-                            <a:latin typeface="Cambria Math"/>
+                            <a:latin typeface="Cambria Math" panose="02040503050406030204" pitchFamily="18" charset="0"/>
                           </a:rPr>
                         </m:ctrlPr>
                       </m:sSubSupPr>
@@ -10095,7 +10128,7 @@
                       <m:dPr>
                         <m:ctrlPr>
                           <a:rPr lang="en-US" sz="4000" i="1" smtClean="0">
-                            <a:latin typeface="Cambria Math"/>
+                            <a:latin typeface="Cambria Math" panose="02040503050406030204" pitchFamily="18" charset="0"/>
                           </a:rPr>
                         </m:ctrlPr>
                       </m:dPr>
@@ -10118,7 +10151,7 @@
                       <m:sSubSupPr>
                         <m:ctrlPr>
                           <a:rPr lang="en-US" sz="4000" b="0" i="1" smtClean="0">
-                            <a:latin typeface="Cambria Math"/>
+                            <a:latin typeface="Cambria Math" panose="02040503050406030204" pitchFamily="18" charset="0"/>
                           </a:rPr>
                         </m:ctrlPr>
                       </m:sSubSupPr>
@@ -10143,7 +10176,7 @@
                           <m:dPr>
                             <m:ctrlPr>
                               <a:rPr lang="en-US" sz="4000" b="0" i="1" smtClean="0">
-                                <a:latin typeface="Cambria Math"/>
+                                <a:latin typeface="Cambria Math" panose="02040503050406030204" pitchFamily="18" charset="0"/>
                               </a:rPr>
                             </m:ctrlPr>
                           </m:dPr>
@@ -10162,7 +10195,7 @@
                       <m:dPr>
                         <m:ctrlPr>
                           <a:rPr lang="en-US" sz="4000" b="0" i="1" smtClean="0">
-                            <a:latin typeface="Cambria Math"/>
+                            <a:latin typeface="Cambria Math" panose="02040503050406030204" pitchFamily="18" charset="0"/>
                           </a:rPr>
                         </m:ctrlPr>
                       </m:dPr>
@@ -10295,7 +10328,7 @@
                           <m:sSubSupPr>
                             <m:ctrlPr>
                               <a:rPr lang="en-US" i="1" smtClean="0">
-                                <a:latin typeface="Cambria Math"/>
+                                <a:latin typeface="Cambria Math" panose="02040503050406030204" pitchFamily="18" charset="0"/>
                               </a:rPr>
                             </m:ctrlPr>
                           </m:sSubSupPr>
@@ -10328,7 +10361,7 @@
                           <m:dPr>
                             <m:ctrlPr>
                               <a:rPr lang="en-US" i="1" smtClean="0">
-                                <a:latin typeface="Cambria Math"/>
+                                <a:latin typeface="Cambria Math" panose="02040503050406030204" pitchFamily="18" charset="0"/>
                               </a:rPr>
                             </m:ctrlPr>
                           </m:dPr>
@@ -10460,9 +10493,16 @@
                   <a:latin typeface="Times New Roman" panose="02020603050405020304" pitchFamily="18" charset="0"/>
                   <a:cs typeface="Times New Roman" panose="02020603050405020304" pitchFamily="18" charset="0"/>
                 </a:rPr>
-                <a:t>Marker - F</a:t>
+                <a:t>Marker - </a:t>
               </a:r>
-              <a:endParaRPr lang="en-US" dirty="0">
+              <a:r>
+                <a:rPr lang="en-US" i="1" dirty="0" smtClean="0">
+                  <a:latin typeface="Times New Roman" panose="02020603050405020304" pitchFamily="18" charset="0"/>
+                  <a:cs typeface="Times New Roman" panose="02020603050405020304" pitchFamily="18" charset="0"/>
+                </a:rPr>
+                <a:t>F</a:t>
+              </a:r>
+              <a:endParaRPr lang="en-US" i="1" dirty="0">
                 <a:latin typeface="Times New Roman" panose="02020603050405020304" pitchFamily="18" charset="0"/>
                 <a:cs typeface="Times New Roman" panose="02020603050405020304" pitchFamily="18" charset="0"/>
               </a:endParaRPr>
@@ -10549,7 +10589,7 @@
                           <m:sSubSupPr>
                             <m:ctrlPr>
                               <a:rPr lang="en-US" i="1" smtClean="0">
-                                <a:latin typeface="Cambria Math"/>
+                                <a:latin typeface="Cambria Math" panose="02040503050406030204" pitchFamily="18" charset="0"/>
                               </a:rPr>
                             </m:ctrlPr>
                           </m:sSubSupPr>
@@ -10594,7 +10634,7 @@
                           <m:dPr>
                             <m:ctrlPr>
                               <a:rPr lang="en-US" i="1" smtClean="0">
-                                <a:latin typeface="Cambria Math"/>
+                                <a:latin typeface="Cambria Math" panose="02040503050406030204" pitchFamily="18" charset="0"/>
                               </a:rPr>
                             </m:ctrlPr>
                           </m:dPr>
@@ -10734,7 +10774,7 @@
                           <m:sSubSupPr>
                             <m:ctrlPr>
                               <a:rPr lang="en-US" i="1" smtClean="0">
-                                <a:latin typeface="Cambria Math"/>
+                                <a:latin typeface="Cambria Math" panose="02040503050406030204" pitchFamily="18" charset="0"/>
                               </a:rPr>
                             </m:ctrlPr>
                           </m:sSubSupPr>
@@ -10779,7 +10819,7 @@
                           <m:dPr>
                             <m:ctrlPr>
                               <a:rPr lang="en-US" i="1" smtClean="0">
-                                <a:latin typeface="Cambria Math"/>
+                                <a:latin typeface="Cambria Math" panose="02040503050406030204" pitchFamily="18" charset="0"/>
                               </a:rPr>
                             </m:ctrlPr>
                           </m:dPr>
@@ -11321,7 +11361,7 @@
                         <m:sSubSupPr>
                           <m:ctrlPr>
                             <a:rPr lang="en-US" sz="3600" i="1" smtClean="0">
-                              <a:latin typeface="Cambria Math"/>
+                              <a:latin typeface="Cambria Math" panose="02040503050406030204" pitchFamily="18" charset="0"/>
                             </a:rPr>
                           </m:ctrlPr>
                         </m:sSubSupPr>
@@ -11366,7 +11406,7 @@
                         <m:dPr>
                           <m:ctrlPr>
                             <a:rPr lang="en-US" sz="3600" i="1" smtClean="0">
-                              <a:latin typeface="Cambria Math"/>
+                              <a:latin typeface="Cambria Math" panose="02040503050406030204" pitchFamily="18" charset="0"/>
                             </a:rPr>
                           </m:ctrlPr>
                         </m:dPr>
@@ -11389,7 +11429,7 @@
                         <m:sSubSupPr>
                           <m:ctrlPr>
                             <a:rPr lang="en-US" sz="3600" b="0" i="1" smtClean="0">
-                              <a:latin typeface="Cambria Math"/>
+                              <a:latin typeface="Cambria Math" panose="02040503050406030204" pitchFamily="18" charset="0"/>
                             </a:rPr>
                           </m:ctrlPr>
                         </m:sSubSupPr>
@@ -11424,7 +11464,7 @@
                           <m:endChr m:val="]"/>
                           <m:ctrlPr>
                             <a:rPr lang="en-US" sz="3600" b="0" i="1" smtClean="0">
-                              <a:latin typeface="Cambria Math"/>
+                              <a:latin typeface="Cambria Math" panose="02040503050406030204" pitchFamily="18" charset="0"/>
                             </a:rPr>
                           </m:ctrlPr>
                         </m:dPr>
@@ -11433,7 +11473,7 @@
                             <m:dPr>
                               <m:ctrlPr>
                                 <a:rPr lang="en-US" sz="3600" b="0" i="1" smtClean="0">
-                                  <a:latin typeface="Cambria Math"/>
+                                  <a:latin typeface="Cambria Math" panose="02040503050406030204" pitchFamily="18" charset="0"/>
                                 </a:rPr>
                               </m:ctrlPr>
                             </m:dPr>
@@ -12239,7 +12279,7 @@
                         <m:dPr>
                           <m:ctrlPr>
                             <a:rPr lang="en-US" b="0" i="1" smtClean="0">
-                              <a:latin typeface="Cambria Math"/>
+                              <a:latin typeface="Cambria Math" panose="02040503050406030204" pitchFamily="18" charset="0"/>
                             </a:rPr>
                           </m:ctrlPr>
                         </m:dPr>
@@ -12276,7 +12316,7 @@
                           <m:endChr m:val=""/>
                           <m:ctrlPr>
                             <a:rPr lang="en-US" b="0" i="1" smtClean="0">
-                              <a:latin typeface="Cambria Math"/>
+                              <a:latin typeface="Cambria Math" panose="02040503050406030204" pitchFamily="18" charset="0"/>
                             </a:rPr>
                           </m:ctrlPr>
                         </m:dPr>
@@ -12285,7 +12325,7 @@
                             <m:eqArrPr>
                               <m:ctrlPr>
                                 <a:rPr lang="en-US" b="0" i="1" smtClean="0">
-                                  <a:latin typeface="Cambria Math"/>
+                                  <a:latin typeface="Cambria Math" panose="02040503050406030204" pitchFamily="18" charset="0"/>
                                 </a:rPr>
                               </m:ctrlPr>
                             </m:eqArrPr>
@@ -12306,7 +12346,7 @@
                                 <m:dPr>
                                   <m:ctrlPr>
                                     <a:rPr lang="en-US" b="0" i="1" smtClean="0">
-                                      <a:latin typeface="Cambria Math"/>
+                                      <a:latin typeface="Cambria Math" panose="02040503050406030204" pitchFamily="18" charset="0"/>
                                     </a:rPr>
                                   </m:ctrlPr>
                                 </m:dPr>
@@ -12451,7 +12491,7 @@
                       <m:sSupPr>
                         <m:ctrlPr>
                           <a:rPr lang="en-US" b="0" i="1" smtClean="0">
-                            <a:latin typeface="Cambria Math"/>
+                            <a:latin typeface="Cambria Math" panose="02040503050406030204" pitchFamily="18" charset="0"/>
                           </a:rPr>
                         </m:ctrlPr>
                       </m:sSupPr>
@@ -12462,7 +12502,7 @@
                             <m:endChr m:val="]"/>
                             <m:ctrlPr>
                               <a:rPr lang="en-US" b="0" i="1" smtClean="0">
-                                <a:latin typeface="Cambria Math"/>
+                                <a:latin typeface="Cambria Math" panose="02040503050406030204" pitchFamily="18" charset="0"/>
                               </a:rPr>
                             </m:ctrlPr>
                           </m:dPr>
@@ -12471,7 +12511,7 @@
                               <m:sSubSupPr>
                                 <m:ctrlPr>
                                   <a:rPr lang="en-US" b="0" i="1" smtClean="0">
-                                    <a:latin typeface="Cambria Math"/>
+                                    <a:latin typeface="Cambria Math" panose="02040503050406030204" pitchFamily="18" charset="0"/>
                                   </a:rPr>
                                 </m:ctrlPr>
                               </m:sSubSupPr>
@@ -12488,7 +12528,7 @@
                                   <m:sSupPr>
                                     <m:ctrlPr>
                                       <a:rPr lang="en-US" b="0" i="1" smtClean="0">
-                                        <a:latin typeface="Cambria Math"/>
+                                        <a:latin typeface="Cambria Math" panose="02040503050406030204" pitchFamily="18" charset="0"/>
                                       </a:rPr>
                                     </m:ctrlPr>
                                   </m:sSupPr>
@@ -12523,7 +12563,7 @@
                               <m:dPr>
                                 <m:ctrlPr>
                                   <a:rPr lang="en-US" b="0" i="1" smtClean="0">
-                                    <a:latin typeface="Cambria Math"/>
+                                    <a:latin typeface="Cambria Math" panose="02040503050406030204" pitchFamily="18" charset="0"/>
                                   </a:rPr>
                                 </m:ctrlPr>
                               </m:dPr>
@@ -12941,7 +12981,7 @@
                           <m:sSupPr>
                             <m:ctrlPr>
                               <a:rPr lang="en-US" i="1" smtClean="0">
-                                <a:latin typeface="Cambria Math"/>
+                                <a:latin typeface="Cambria Math" panose="02040503050406030204" pitchFamily="18" charset="0"/>
                               </a:rPr>
                             </m:ctrlPr>
                           </m:sSupPr>
@@ -13255,7 +13295,7 @@
                           <m:sSupPr>
                             <m:ctrlPr>
                               <a:rPr lang="en-US" i="1" smtClean="0">
-                                <a:latin typeface="Cambria Math"/>
+                                <a:latin typeface="Cambria Math" panose="02040503050406030204" pitchFamily="18" charset="0"/>
                               </a:rPr>
                             </m:ctrlPr>
                           </m:sSupPr>
@@ -14317,7 +14357,7 @@
                         <m:dPr>
                           <m:ctrlPr>
                             <a:rPr lang="en-US" b="0" i="1" smtClean="0">
-                              <a:latin typeface="Cambria Math"/>
+                              <a:latin typeface="Cambria Math" panose="02040503050406030204" pitchFamily="18" charset="0"/>
                             </a:rPr>
                           </m:ctrlPr>
                         </m:dPr>
@@ -14354,7 +14394,7 @@
                           <m:endChr m:val=""/>
                           <m:ctrlPr>
                             <a:rPr lang="en-US" b="0" i="1" smtClean="0">
-                              <a:latin typeface="Cambria Math"/>
+                              <a:latin typeface="Cambria Math" panose="02040503050406030204" pitchFamily="18" charset="0"/>
                             </a:rPr>
                           </m:ctrlPr>
                         </m:dPr>
@@ -14363,7 +14403,7 @@
                             <m:eqArrPr>
                               <m:ctrlPr>
                                 <a:rPr lang="en-US" b="0" i="1" smtClean="0">
-                                  <a:latin typeface="Cambria Math"/>
+                                  <a:latin typeface="Cambria Math" panose="02040503050406030204" pitchFamily="18" charset="0"/>
                                 </a:rPr>
                               </m:ctrlPr>
                             </m:eqArrPr>
@@ -14378,7 +14418,7 @@
                                 <m:dPr>
                                   <m:ctrlPr>
                                     <a:rPr lang="en-US" b="0" i="1" smtClean="0">
-                                      <a:latin typeface="Cambria Math"/>
+                                      <a:latin typeface="Cambria Math" panose="02040503050406030204" pitchFamily="18" charset="0"/>
                                     </a:rPr>
                                   </m:ctrlPr>
                                 </m:dPr>
@@ -14543,7 +14583,7 @@
                       <m:sSubSupPr>
                         <m:ctrlPr>
                           <a:rPr lang="en-US" b="0" i="1" smtClean="0">
-                            <a:latin typeface="Cambria Math"/>
+                            <a:latin typeface="Cambria Math" panose="02040503050406030204" pitchFamily="18" charset="0"/>
                           </a:rPr>
                         </m:ctrlPr>
                       </m:sSubSupPr>
@@ -14576,7 +14616,7 @@
                       <m:dPr>
                         <m:ctrlPr>
                           <a:rPr lang="en-US" b="0" i="1" smtClean="0">
-                            <a:latin typeface="Cambria Math"/>
+                            <a:latin typeface="Cambria Math" panose="02040503050406030204" pitchFamily="18" charset="0"/>
                           </a:rPr>
                         </m:ctrlPr>
                       </m:dPr>
@@ -14825,7 +14865,7 @@
                             <m:sSubSupPr>
                               <m:ctrlPr>
                                 <a:rPr lang="en-US" sz="2400" i="1" smtClean="0">
-                                  <a:latin typeface="Cambria Math"/>
+                                  <a:latin typeface="Cambria Math" panose="02040503050406030204" pitchFamily="18" charset="0"/>
                                 </a:rPr>
                               </m:ctrlPr>
                             </m:sSubSupPr>
@@ -14858,7 +14898,7 @@
                             <m:dPr>
                               <m:ctrlPr>
                                 <a:rPr lang="en-US" sz="2400" i="1" smtClean="0">
-                                  <a:latin typeface="Cambria Math"/>
+                                  <a:latin typeface="Cambria Math" panose="02040503050406030204" pitchFamily="18" charset="0"/>
                                 </a:rPr>
                               </m:ctrlPr>
                             </m:dPr>
@@ -15058,7 +15098,7 @@
                             <m:sSubSupPr>
                               <m:ctrlPr>
                                 <a:rPr lang="en-US" sz="2400" i="1" smtClean="0">
-                                  <a:latin typeface="Cambria Math"/>
+                                  <a:latin typeface="Cambria Math" panose="02040503050406030204" pitchFamily="18" charset="0"/>
                                 </a:rPr>
                               </m:ctrlPr>
                             </m:sSubSupPr>
@@ -15091,7 +15131,7 @@
                             <m:dPr>
                               <m:ctrlPr>
                                 <a:rPr lang="en-US" sz="2400" i="1" smtClean="0">
-                                  <a:latin typeface="Cambria Math"/>
+                                  <a:latin typeface="Cambria Math" panose="02040503050406030204" pitchFamily="18" charset="0"/>
                                 </a:rPr>
                               </m:ctrlPr>
                             </m:dPr>
@@ -16347,7 +16387,7 @@
                         <m:dPr>
                           <m:ctrlPr>
                             <a:rPr lang="en-US" b="0" i="1" smtClean="0">
-                              <a:latin typeface="Cambria Math"/>
+                              <a:latin typeface="Cambria Math" panose="02040503050406030204" pitchFamily="18" charset="0"/>
                               <a:ea typeface="Cambria Math"/>
                             </a:rPr>
                           </m:ctrlPr>
@@ -16371,7 +16411,7 @@
                             <m:sSubPr>
                               <m:ctrlPr>
                                 <a:rPr lang="en-US" b="0" i="1" smtClean="0">
-                                  <a:latin typeface="Cambria Math"/>
+                                  <a:latin typeface="Cambria Math" panose="02040503050406030204" pitchFamily="18" charset="0"/>
                                   <a:ea typeface="Cambria Math"/>
                                 </a:rPr>
                               </m:ctrlPr>
@@ -16408,7 +16448,7 @@
                         <m:dPr>
                           <m:ctrlPr>
                             <a:rPr lang="en-US" b="0" i="1" smtClean="0">
-                              <a:latin typeface="Cambria Math"/>
+                              <a:latin typeface="Cambria Math" panose="02040503050406030204" pitchFamily="18" charset="0"/>
                               <a:ea typeface="Cambria Math"/>
                             </a:rPr>
                           </m:ctrlPr>
@@ -16418,7 +16458,7 @@
                             <m:sSupPr>
                               <m:ctrlPr>
                                 <a:rPr lang="en-US" b="0" i="1" smtClean="0">
-                                  <a:latin typeface="Cambria Math"/>
+                                  <a:latin typeface="Cambria Math" panose="02040503050406030204" pitchFamily="18" charset="0"/>
                                   <a:ea typeface="Cambria Math"/>
                                 </a:rPr>
                               </m:ctrlPr>
@@ -16453,7 +16493,7 @@
                             <m:sSubPr>
                               <m:ctrlPr>
                                 <a:rPr lang="en-US" b="0" i="1" smtClean="0">
-                                  <a:latin typeface="Cambria Math"/>
+                                  <a:latin typeface="Cambria Math" panose="02040503050406030204" pitchFamily="18" charset="0"/>
                                   <a:ea typeface="Cambria Math"/>
                                 </a:rPr>
                               </m:ctrlPr>
@@ -16858,7 +16898,7 @@
                         <m:dPr>
                           <m:ctrlPr>
                             <a:rPr lang="en-US" i="1" smtClean="0">
-                              <a:latin typeface="Cambria Math"/>
+                              <a:latin typeface="Cambria Math" panose="02040503050406030204" pitchFamily="18" charset="0"/>
                             </a:rPr>
                           </m:ctrlPr>
                         </m:dPr>
@@ -16880,7 +16920,7 @@
                             <m:sSubPr>
                               <m:ctrlPr>
                                 <a:rPr lang="en-US" b="0" i="1" smtClean="0">
-                                  <a:latin typeface="Cambria Math"/>
+                                  <a:latin typeface="Cambria Math" panose="02040503050406030204" pitchFamily="18" charset="0"/>
                                   <a:ea typeface="Cambria Math"/>
                                 </a:rPr>
                               </m:ctrlPr>
@@ -16917,7 +16957,7 @@
                         <m:dPr>
                           <m:ctrlPr>
                             <a:rPr lang="en-US" i="1">
-                              <a:latin typeface="Cambria Math"/>
+                              <a:latin typeface="Cambria Math" panose="02040503050406030204" pitchFamily="18" charset="0"/>
                             </a:rPr>
                           </m:ctrlPr>
                         </m:dPr>
@@ -16939,7 +16979,7 @@
                             <m:sSubPr>
                               <m:ctrlPr>
                                 <a:rPr lang="en-US" i="1">
-                                  <a:latin typeface="Cambria Math"/>
+                                  <a:latin typeface="Cambria Math" panose="02040503050406030204" pitchFamily="18" charset="0"/>
                                   <a:ea typeface="Cambria Math"/>
                                 </a:rPr>
                               </m:ctrlPr>
@@ -16976,7 +17016,7 @@
                         <m:dPr>
                           <m:ctrlPr>
                             <a:rPr lang="en-US" i="1">
-                              <a:latin typeface="Cambria Math"/>
+                              <a:latin typeface="Cambria Math" panose="02040503050406030204" pitchFamily="18" charset="0"/>
                             </a:rPr>
                           </m:ctrlPr>
                         </m:dPr>
@@ -16998,7 +17038,7 @@
                             <m:sSubPr>
                               <m:ctrlPr>
                                 <a:rPr lang="en-US" i="1">
-                                  <a:latin typeface="Cambria Math"/>
+                                  <a:latin typeface="Cambria Math" panose="02040503050406030204" pitchFamily="18" charset="0"/>
                                   <a:ea typeface="Cambria Math"/>
                                 </a:rPr>
                               </m:ctrlPr>
@@ -17035,7 +17075,7 @@
                         <m:dPr>
                           <m:ctrlPr>
                             <a:rPr lang="en-US" i="1">
-                              <a:latin typeface="Cambria Math"/>
+                              <a:latin typeface="Cambria Math" panose="02040503050406030204" pitchFamily="18" charset="0"/>
                             </a:rPr>
                           </m:ctrlPr>
                         </m:dPr>
@@ -17057,7 +17097,7 @@
                             <m:sSubPr>
                               <m:ctrlPr>
                                 <a:rPr lang="en-US" i="1">
-                                  <a:latin typeface="Cambria Math"/>
+                                  <a:latin typeface="Cambria Math" panose="02040503050406030204" pitchFamily="18" charset="0"/>
                                   <a:ea typeface="Cambria Math"/>
                                 </a:rPr>
                               </m:ctrlPr>
@@ -17419,7 +17459,7 @@
                         <m:dPr>
                           <m:ctrlPr>
                             <a:rPr lang="en-US" b="0" i="1" smtClean="0">
-                              <a:latin typeface="Cambria Math"/>
+                              <a:latin typeface="Cambria Math" panose="02040503050406030204" pitchFamily="18" charset="0"/>
                               <a:ea typeface="Cambria Math"/>
                             </a:rPr>
                           </m:ctrlPr>
@@ -17626,8 +17666,8 @@
           </a:fontRef>
         </p:style>
       </p:cxnSp>
-      <mc:AlternateContent xmlns:mc="http://schemas.openxmlformats.org/markup-compatibility/2006">
-        <mc:Choice xmlns:a14="http://schemas.microsoft.com/office/drawing/2010/main" Requires="a14">
+      <mc:AlternateContent xmlns:mc="http://schemas.openxmlformats.org/markup-compatibility/2006" xmlns:a14="http://schemas.microsoft.com/office/drawing/2010/main">
+        <mc:Choice Requires="a14">
           <p:sp>
             <p:nvSpPr>
               <p:cNvPr id="16" name="TextBox 15"/>
@@ -17685,7 +17725,7 @@
             </p:txBody>
           </p:sp>
         </mc:Choice>
-        <mc:Fallback>
+        <mc:Fallback xmlns="">
           <p:sp>
             <p:nvSpPr>
               <p:cNvPr id="16" name="TextBox 15"/>
@@ -18258,7 +18298,7 @@
                         <m:dPr>
                           <m:ctrlPr>
                             <a:rPr lang="en-US" b="0" i="1" smtClean="0">
-                              <a:latin typeface="Cambria Math"/>
+                              <a:latin typeface="Cambria Math" panose="02040503050406030204" pitchFamily="18" charset="0"/>
                               <a:ea typeface="Cambria Math"/>
                             </a:rPr>
                           </m:ctrlPr>
@@ -18275,7 +18315,7 @@
                             <m:dPr>
                               <m:ctrlPr>
                                 <a:rPr lang="en-US" b="0" i="1" smtClean="0">
-                                  <a:latin typeface="Cambria Math"/>
+                                  <a:latin typeface="Cambria Math" panose="02040503050406030204" pitchFamily="18" charset="0"/>
                                   <a:ea typeface="Cambria Math"/>
                                 </a:rPr>
                               </m:ctrlPr>
@@ -18299,7 +18339,7 @@
                                 <m:sSubPr>
                                   <m:ctrlPr>
                                     <a:rPr lang="en-US" b="0" i="1" smtClean="0">
-                                      <a:latin typeface="Cambria Math"/>
+                                      <a:latin typeface="Cambria Math" panose="02040503050406030204" pitchFamily="18" charset="0"/>
                                       <a:ea typeface="Cambria Math"/>
                                     </a:rPr>
                                   </m:ctrlPr>
@@ -18336,7 +18376,7 @@
                             <m:sSubPr>
                               <m:ctrlPr>
                                 <a:rPr lang="en-US" b="0" i="1" smtClean="0">
-                                  <a:latin typeface="Cambria Math"/>
+                                  <a:latin typeface="Cambria Math" panose="02040503050406030204" pitchFamily="18" charset="0"/>
                                   <a:ea typeface="Cambria Math"/>
                                 </a:rPr>
                               </m:ctrlPr>
@@ -18373,7 +18413,7 @@
                         <m:sSubPr>
                           <m:ctrlPr>
                             <a:rPr lang="en-US" b="0" i="1" smtClean="0">
-                              <a:latin typeface="Cambria Math"/>
+                              <a:latin typeface="Cambria Math" panose="02040503050406030204" pitchFamily="18" charset="0"/>
                               <a:ea typeface="Cambria Math"/>
                             </a:rPr>
                           </m:ctrlPr>
@@ -18726,7 +18766,7 @@
                         <m:sSubPr>
                           <m:ctrlPr>
                             <a:rPr lang="en-US" i="1">
-                              <a:latin typeface="Cambria Math"/>
+                              <a:latin typeface="Cambria Math" panose="02040503050406030204" pitchFamily="18" charset="0"/>
                               <a:ea typeface="Cambria Math"/>
                             </a:rPr>
                           </m:ctrlPr>
@@ -18832,7 +18872,7 @@
                         <m:sSubPr>
                           <m:ctrlPr>
                             <a:rPr lang="en-US" i="1" smtClean="0">
-                              <a:latin typeface="Cambria Math"/>
+                              <a:latin typeface="Cambria Math" panose="02040503050406030204" pitchFamily="18" charset="0"/>
                               <a:ea typeface="Cambria Math"/>
                             </a:rPr>
                           </m:ctrlPr>
@@ -18867,7 +18907,7 @@
                         <m:sSubPr>
                           <m:ctrlPr>
                             <a:rPr lang="en-US" i="1">
-                              <a:latin typeface="Cambria Math"/>
+                              <a:latin typeface="Cambria Math" panose="02040503050406030204" pitchFamily="18" charset="0"/>
                               <a:ea typeface="Cambria Math"/>
                             </a:rPr>
                           </m:ctrlPr>
@@ -18980,7 +19020,7 @@
                         <m:dPr>
                           <m:ctrlPr>
                             <a:rPr lang="en-US" i="1">
-                              <a:latin typeface="Cambria Math"/>
+                              <a:latin typeface="Cambria Math" panose="02040503050406030204" pitchFamily="18" charset="0"/>
                               <a:ea typeface="Cambria Math"/>
                             </a:rPr>
                           </m:ctrlPr>
@@ -18997,7 +19037,7 @@
                             <m:dPr>
                               <m:ctrlPr>
                                 <a:rPr lang="en-US" i="1">
-                                  <a:latin typeface="Cambria Math"/>
+                                  <a:latin typeface="Cambria Math" panose="02040503050406030204" pitchFamily="18" charset="0"/>
                                   <a:ea typeface="Cambria Math"/>
                                 </a:rPr>
                               </m:ctrlPr>
@@ -19007,7 +19047,7 @@
                                 <m:sSubPr>
                                   <m:ctrlPr>
                                     <a:rPr lang="en-US" i="1" smtClean="0">
-                                      <a:latin typeface="Cambria Math"/>
+                                      <a:latin typeface="Cambria Math" panose="02040503050406030204" pitchFamily="18" charset="0"/>
                                       <a:ea typeface="Cambria Math"/>
                                     </a:rPr>
                                   </m:ctrlPr>
@@ -19042,7 +19082,7 @@
                                 <m:sSubPr>
                                   <m:ctrlPr>
                                     <a:rPr lang="en-US" i="1">
-                                      <a:latin typeface="Cambria Math"/>
+                                      <a:latin typeface="Cambria Math" panose="02040503050406030204" pitchFamily="18" charset="0"/>
                                       <a:ea typeface="Cambria Math"/>
                                     </a:rPr>
                                   </m:ctrlPr>
@@ -19079,7 +19119,7 @@
                             <m:sSubPr>
                               <m:ctrlPr>
                                 <a:rPr lang="en-US" i="1">
-                                  <a:latin typeface="Cambria Math"/>
+                                  <a:latin typeface="Cambria Math" panose="02040503050406030204" pitchFamily="18" charset="0"/>
                                   <a:ea typeface="Cambria Math"/>
                                 </a:rPr>
                               </m:ctrlPr>
@@ -19116,7 +19156,7 @@
                         <m:sSubPr>
                           <m:ctrlPr>
                             <a:rPr lang="en-US" i="1">
-                              <a:latin typeface="Cambria Math"/>
+                              <a:latin typeface="Cambria Math" panose="02040503050406030204" pitchFamily="18" charset="0"/>
                               <a:ea typeface="Cambria Math"/>
                             </a:rPr>
                           </m:ctrlPr>
@@ -19733,7 +19773,7 @@
                         <m:dPr>
                           <m:ctrlPr>
                             <a:rPr lang="en-US" i="1">
-                              <a:latin typeface="Cambria Math"/>
+                              <a:latin typeface="Cambria Math" panose="02040503050406030204" pitchFamily="18" charset="0"/>
                               <a:ea typeface="Cambria Math"/>
                             </a:rPr>
                           </m:ctrlPr>
@@ -19750,7 +19790,7 @@
                             <m:dPr>
                               <m:ctrlPr>
                                 <a:rPr lang="en-US" i="1">
-                                  <a:latin typeface="Cambria Math"/>
+                                  <a:latin typeface="Cambria Math" panose="02040503050406030204" pitchFamily="18" charset="0"/>
                                   <a:ea typeface="Cambria Math"/>
                                 </a:rPr>
                               </m:ctrlPr>
@@ -19774,7 +19814,7 @@
                                 <m:sSubPr>
                                   <m:ctrlPr>
                                     <a:rPr lang="en-US" i="1">
-                                      <a:latin typeface="Cambria Math"/>
+                                      <a:latin typeface="Cambria Math" panose="02040503050406030204" pitchFamily="18" charset="0"/>
                                       <a:ea typeface="Cambria Math"/>
                                     </a:rPr>
                                   </m:ctrlPr>
@@ -19811,7 +19851,7 @@
                             <m:sSubPr>
                               <m:ctrlPr>
                                 <a:rPr lang="en-US" i="1">
-                                  <a:latin typeface="Cambria Math"/>
+                                  <a:latin typeface="Cambria Math" panose="02040503050406030204" pitchFamily="18" charset="0"/>
                                   <a:ea typeface="Cambria Math"/>
                                 </a:rPr>
                               </m:ctrlPr>
@@ -19848,7 +19888,7 @@
                         <m:sSubPr>
                           <m:ctrlPr>
                             <a:rPr lang="en-US" i="1">
-                              <a:latin typeface="Cambria Math"/>
+                              <a:latin typeface="Cambria Math" panose="02040503050406030204" pitchFamily="18" charset="0"/>
                               <a:ea typeface="Cambria Math"/>
                             </a:rPr>
                           </m:ctrlPr>
@@ -20201,7 +20241,7 @@
                         <m:sSubPr>
                           <m:ctrlPr>
                             <a:rPr lang="en-US" i="1">
-                              <a:latin typeface="Cambria Math"/>
+                              <a:latin typeface="Cambria Math" panose="02040503050406030204" pitchFamily="18" charset="0"/>
                               <a:ea typeface="Cambria Math"/>
                             </a:rPr>
                           </m:ctrlPr>
@@ -20307,7 +20347,7 @@
                         <m:sSubPr>
                           <m:ctrlPr>
                             <a:rPr lang="en-US" i="1" smtClean="0">
-                              <a:latin typeface="Cambria Math"/>
+                              <a:latin typeface="Cambria Math" panose="02040503050406030204" pitchFamily="18" charset="0"/>
                               <a:ea typeface="Cambria Math"/>
                             </a:rPr>
                           </m:ctrlPr>
@@ -20342,7 +20382,7 @@
                         <m:sSubPr>
                           <m:ctrlPr>
                             <a:rPr lang="en-US" i="1">
-                              <a:latin typeface="Cambria Math"/>
+                              <a:latin typeface="Cambria Math" panose="02040503050406030204" pitchFamily="18" charset="0"/>
                               <a:ea typeface="Cambria Math"/>
                             </a:rPr>
                           </m:ctrlPr>
@@ -20455,7 +20495,7 @@
                         <m:dPr>
                           <m:ctrlPr>
                             <a:rPr lang="en-US" i="1">
-                              <a:latin typeface="Cambria Math"/>
+                              <a:latin typeface="Cambria Math" panose="02040503050406030204" pitchFamily="18" charset="0"/>
                               <a:ea typeface="Cambria Math"/>
                             </a:rPr>
                           </m:ctrlPr>
@@ -20472,7 +20512,7 @@
                             <m:dPr>
                               <m:ctrlPr>
                                 <a:rPr lang="en-US" i="1">
-                                  <a:latin typeface="Cambria Math"/>
+                                  <a:latin typeface="Cambria Math" panose="02040503050406030204" pitchFamily="18" charset="0"/>
                                   <a:ea typeface="Cambria Math"/>
                                 </a:rPr>
                               </m:ctrlPr>
@@ -20482,7 +20522,7 @@
                                 <m:sSubPr>
                                   <m:ctrlPr>
                                     <a:rPr lang="en-US" i="1" smtClean="0">
-                                      <a:latin typeface="Cambria Math"/>
+                                      <a:latin typeface="Cambria Math" panose="02040503050406030204" pitchFamily="18" charset="0"/>
                                       <a:ea typeface="Cambria Math"/>
                                     </a:rPr>
                                   </m:ctrlPr>
@@ -20517,7 +20557,7 @@
                                 <m:sSubPr>
                                   <m:ctrlPr>
                                     <a:rPr lang="en-US" i="1">
-                                      <a:latin typeface="Cambria Math"/>
+                                      <a:latin typeface="Cambria Math" panose="02040503050406030204" pitchFamily="18" charset="0"/>
                                       <a:ea typeface="Cambria Math"/>
                                     </a:rPr>
                                   </m:ctrlPr>
@@ -20554,7 +20594,7 @@
                             <m:sSubPr>
                               <m:ctrlPr>
                                 <a:rPr lang="en-US" i="1">
-                                  <a:latin typeface="Cambria Math"/>
+                                  <a:latin typeface="Cambria Math" panose="02040503050406030204" pitchFamily="18" charset="0"/>
                                   <a:ea typeface="Cambria Math"/>
                                 </a:rPr>
                               </m:ctrlPr>
@@ -20591,7 +20631,7 @@
                         <m:sSubPr>
                           <m:ctrlPr>
                             <a:rPr lang="en-US" i="1">
-                              <a:latin typeface="Cambria Math"/>
+                              <a:latin typeface="Cambria Math" panose="02040503050406030204" pitchFamily="18" charset="0"/>
                               <a:ea typeface="Cambria Math"/>
                             </a:rPr>
                           </m:ctrlPr>

--- a/Images/Presentation/ImageReconstruction.pptx
+++ b/Images/Presentation/ImageReconstruction.pptx
@@ -361,7 +361,7 @@
           <a:p>
             <a:fld id="{D02EB887-C900-4FB3-9D2F-381B31F1A1AF}" type="datetimeFigureOut">
               <a:rPr lang="en-US" smtClean="0"/>
-              <a:t>4/23/2017</a:t>
+              <a:t>4/24/17</a:t>
             </a:fld>
             <a:endParaRPr lang="en-US"/>
           </a:p>
@@ -531,7 +531,7 @@
           <a:p>
             <a:fld id="{D02EB887-C900-4FB3-9D2F-381B31F1A1AF}" type="datetimeFigureOut">
               <a:rPr lang="en-US" smtClean="0"/>
-              <a:t>4/23/2017</a:t>
+              <a:t>4/24/17</a:t>
             </a:fld>
             <a:endParaRPr lang="en-US"/>
           </a:p>
@@ -711,7 +711,7 @@
           <a:p>
             <a:fld id="{D02EB887-C900-4FB3-9D2F-381B31F1A1AF}" type="datetimeFigureOut">
               <a:rPr lang="en-US" smtClean="0"/>
-              <a:t>4/23/2017</a:t>
+              <a:t>4/24/17</a:t>
             </a:fld>
             <a:endParaRPr lang="en-US"/>
           </a:p>
@@ -881,7 +881,7 @@
           <a:p>
             <a:fld id="{D02EB887-C900-4FB3-9D2F-381B31F1A1AF}" type="datetimeFigureOut">
               <a:rPr lang="en-US" smtClean="0"/>
-              <a:t>4/23/2017</a:t>
+              <a:t>4/24/17</a:t>
             </a:fld>
             <a:endParaRPr lang="en-US"/>
           </a:p>
@@ -1127,7 +1127,7 @@
           <a:p>
             <a:fld id="{D02EB887-C900-4FB3-9D2F-381B31F1A1AF}" type="datetimeFigureOut">
               <a:rPr lang="en-US" smtClean="0"/>
-              <a:t>4/23/2017</a:t>
+              <a:t>4/24/17</a:t>
             </a:fld>
             <a:endParaRPr lang="en-US"/>
           </a:p>
@@ -1415,7 +1415,7 @@
           <a:p>
             <a:fld id="{D02EB887-C900-4FB3-9D2F-381B31F1A1AF}" type="datetimeFigureOut">
               <a:rPr lang="en-US" smtClean="0"/>
-              <a:t>4/23/2017</a:t>
+              <a:t>4/24/17</a:t>
             </a:fld>
             <a:endParaRPr lang="en-US"/>
           </a:p>
@@ -1837,7 +1837,7 @@
           <a:p>
             <a:fld id="{D02EB887-C900-4FB3-9D2F-381B31F1A1AF}" type="datetimeFigureOut">
               <a:rPr lang="en-US" smtClean="0"/>
-              <a:t>4/23/2017</a:t>
+              <a:t>4/24/17</a:t>
             </a:fld>
             <a:endParaRPr lang="en-US"/>
           </a:p>
@@ -1955,7 +1955,7 @@
           <a:p>
             <a:fld id="{D02EB887-C900-4FB3-9D2F-381B31F1A1AF}" type="datetimeFigureOut">
               <a:rPr lang="en-US" smtClean="0"/>
-              <a:t>4/23/2017</a:t>
+              <a:t>4/24/17</a:t>
             </a:fld>
             <a:endParaRPr lang="en-US"/>
           </a:p>
@@ -2050,7 +2050,7 @@
           <a:p>
             <a:fld id="{D02EB887-C900-4FB3-9D2F-381B31F1A1AF}" type="datetimeFigureOut">
               <a:rPr lang="en-US" smtClean="0"/>
-              <a:t>4/23/2017</a:t>
+              <a:t>4/24/17</a:t>
             </a:fld>
             <a:endParaRPr lang="en-US"/>
           </a:p>
@@ -2327,7 +2327,7 @@
           <a:p>
             <a:fld id="{D02EB887-C900-4FB3-9D2F-381B31F1A1AF}" type="datetimeFigureOut">
               <a:rPr lang="en-US" smtClean="0"/>
-              <a:t>4/23/2017</a:t>
+              <a:t>4/24/17</a:t>
             </a:fld>
             <a:endParaRPr lang="en-US"/>
           </a:p>
@@ -2580,7 +2580,7 @@
           <a:p>
             <a:fld id="{D02EB887-C900-4FB3-9D2F-381B31F1A1AF}" type="datetimeFigureOut">
               <a:rPr lang="en-US" smtClean="0"/>
-              <a:t>4/23/2017</a:t>
+              <a:t>4/24/17</a:t>
             </a:fld>
             <a:endParaRPr lang="en-US"/>
           </a:p>
@@ -2793,7 +2793,7 @@
           <a:p>
             <a:fld id="{D02EB887-C900-4FB3-9D2F-381B31F1A1AF}" type="datetimeFigureOut">
               <a:rPr lang="en-US" smtClean="0"/>
-              <a:t>4/23/2017</a:t>
+              <a:t>4/24/17</a:t>
             </a:fld>
             <a:endParaRPr lang="en-US"/>
           </a:p>
@@ -3507,7 +3507,15 @@
           <a:p>
             <a:r>
               <a:rPr lang="en-US" dirty="0" smtClean="0"/>
-              <a:t>Complement to the skeletonizing</a:t>
+              <a:t> Addition to </a:t>
+            </a:r>
+            <a:r>
+              <a:rPr lang="en-US" dirty="0" smtClean="0"/>
+              <a:t>the </a:t>
+            </a:r>
+            <a:r>
+              <a:rPr lang="en-US" dirty="0" smtClean="0"/>
+              <a:t>skeleton</a:t>
             </a:r>
             <a:endParaRPr lang="en-US" dirty="0"/>
           </a:p>
@@ -3550,7 +3558,7 @@
                               <a:solidFill>
                                 <a:prstClr val="black"/>
                               </a:solidFill>
-                              <a:latin typeface="Cambria Math" panose="02040503050406030204" pitchFamily="18" charset="0"/>
+                              <a:latin typeface="Cambria Math" charset="0"/>
                               <a:ea typeface="Cambria Math" charset="0"/>
                               <a:cs typeface="Cambria Math" charset="0"/>
                             </a:rPr>
@@ -3740,7 +3748,7 @@
                               <a:solidFill>
                                 <a:prstClr val="black"/>
                               </a:solidFill>
-                              <a:latin typeface="Cambria Math" panose="02040503050406030204" pitchFamily="18" charset="0"/>
+                              <a:latin typeface="Cambria Math" charset="0"/>
                               <a:ea typeface="Cambria Math" charset="0"/>
                               <a:cs typeface="Cambria Math" charset="0"/>
                             </a:rPr>
@@ -3792,7 +3800,7 @@
                               <a:solidFill>
                                 <a:prstClr val="black"/>
                               </a:solidFill>
-                              <a:latin typeface="Cambria Math" panose="02040503050406030204" pitchFamily="18" charset="0"/>
+                              <a:latin typeface="Cambria Math" charset="0"/>
                               <a:ea typeface="Cambria Math" charset="0"/>
                               <a:cs typeface="Cambria Math" charset="0"/>
                             </a:rPr>
@@ -3846,7 +3854,7 @@
                                   <a:solidFill>
                                     <a:prstClr val="black"/>
                                   </a:solidFill>
-                                  <a:latin typeface="Cambria Math" panose="02040503050406030204" pitchFamily="18" charset="0"/>
+                                  <a:latin typeface="Cambria Math" charset="0"/>
                                   <a:ea typeface="Cambria Math" charset="0"/>
                                   <a:cs typeface="Cambria Math" charset="0"/>
                                 </a:rPr>
@@ -3860,7 +3868,7 @@
                                       <a:solidFill>
                                         <a:prstClr val="black"/>
                                       </a:solidFill>
-                                      <a:latin typeface="Cambria Math" panose="02040503050406030204" pitchFamily="18" charset="0"/>
+                                      <a:latin typeface="Cambria Math" charset="0"/>
                                       <a:ea typeface="Cambria Math" charset="0"/>
                                       <a:cs typeface="Cambria Math" charset="0"/>
                                     </a:rPr>
@@ -3910,7 +3918,7 @@
                                       <a:solidFill>
                                         <a:prstClr val="black"/>
                                       </a:solidFill>
-                                      <a:latin typeface="Cambria Math" panose="02040503050406030204" pitchFamily="18" charset="0"/>
+                                      <a:latin typeface="Cambria Math" charset="0"/>
                                       <a:ea typeface="Cambria Math"/>
                                     </a:rPr>
                                   </m:ctrlPr>
@@ -4035,7 +4043,7 @@
                               <a:solidFill>
                                 <a:prstClr val="black"/>
                               </a:solidFill>
-                              <a:latin typeface="Cambria Math" panose="02040503050406030204" pitchFamily="18" charset="0"/>
+                              <a:latin typeface="Cambria Math" charset="0"/>
                               <a:ea typeface="Cambria Math" charset="0"/>
                               <a:cs typeface="Cambria Math" charset="0"/>
                             </a:rPr>
@@ -4086,7 +4094,7 @@
                               <a:solidFill>
                                 <a:prstClr val="black"/>
                               </a:solidFill>
-                              <a:latin typeface="Cambria Math" panose="02040503050406030204" pitchFamily="18" charset="0"/>
+                              <a:latin typeface="Cambria Math" charset="0"/>
                               <a:ea typeface="Cambria Math" charset="0"/>
                               <a:cs typeface="Cambria Math" charset="0"/>
                             </a:rPr>
@@ -4126,7 +4134,7 @@
                               <a:solidFill>
                                 <a:prstClr val="black"/>
                               </a:solidFill>
-                              <a:latin typeface="Cambria Math" panose="02040503050406030204" pitchFamily="18" charset="0"/>
+                              <a:latin typeface="Cambria Math" charset="0"/>
                               <a:ea typeface="Cambria Math" charset="0"/>
                               <a:cs typeface="Cambria Math" charset="0"/>
                             </a:rPr>
@@ -4261,7 +4269,7 @@
                               <a:solidFill>
                                 <a:prstClr val="black"/>
                               </a:solidFill>
-                              <a:latin typeface="Cambria Math" panose="02040503050406030204" pitchFamily="18" charset="0"/>
+                              <a:latin typeface="Cambria Math" charset="0"/>
                               <a:ea typeface="Cambria Math" charset="0"/>
                               <a:cs typeface="Cambria Math" charset="0"/>
                             </a:rPr>
@@ -4312,7 +4320,7 @@
                               <a:solidFill>
                                 <a:prstClr val="black"/>
                               </a:solidFill>
-                              <a:latin typeface="Cambria Math" panose="02040503050406030204" pitchFamily="18" charset="0"/>
+                              <a:latin typeface="Cambria Math" charset="0"/>
                               <a:ea typeface="Cambria Math" charset="0"/>
                               <a:cs typeface="Cambria Math" charset="0"/>
                             </a:rPr>
@@ -4326,7 +4334,7 @@
                                   <a:solidFill>
                                     <a:prstClr val="black"/>
                                   </a:solidFill>
-                                  <a:latin typeface="Cambria Math" panose="02040503050406030204" pitchFamily="18" charset="0"/>
+                                  <a:latin typeface="Cambria Math" charset="0"/>
                                   <a:ea typeface="Cambria Math" charset="0"/>
                                   <a:cs typeface="Cambria Math" charset="0"/>
                                 </a:rPr>
@@ -4457,7 +4465,7 @@
       </mc:AlternateContent>
       <p:pic>
         <p:nvPicPr>
-          <p:cNvPr id="12" name="Picture 11"/>
+          <p:cNvPr id="4" name="Picture 3"/>
           <p:cNvPicPr>
             <a:picLocks noChangeAspect="1"/>
           </p:cNvPicPr>
@@ -4477,8 +4485,38 @@
         </p:blipFill>
         <p:spPr>
           <a:xfrm>
-            <a:off x="7391400" y="3059668"/>
-            <a:ext cx="2709423" cy="2819400"/>
+            <a:off x="6108843" y="2275553"/>
+            <a:ext cx="2424834" cy="3149600"/>
+          </a:xfrm>
+          <a:prstGeom prst="rect">
+            <a:avLst/>
+          </a:prstGeom>
+        </p:spPr>
+      </p:pic>
+      <p:pic>
+        <p:nvPicPr>
+          <p:cNvPr id="5" name="Picture 4"/>
+          <p:cNvPicPr>
+            <a:picLocks noChangeAspect="1"/>
+          </p:cNvPicPr>
+          <p:nvPr/>
+        </p:nvPicPr>
+        <p:blipFill>
+          <a:blip r:embed="rId7">
+            <a:extLst>
+              <a:ext uri="{28A0092B-C50C-407E-A947-70E740481C1C}">
+                <a14:useLocalDpi xmlns:a14="http://schemas.microsoft.com/office/drawing/2010/main" val="0"/>
+              </a:ext>
+            </a:extLst>
+          </a:blip>
+          <a:stretch>
+            <a:fillRect/>
+          </a:stretch>
+        </p:blipFill>
+        <p:spPr>
+          <a:xfrm>
+            <a:off x="8763000" y="2275553"/>
+            <a:ext cx="1114495" cy="1400027"/>
           </a:xfrm>
           <a:prstGeom prst="rect">
             <a:avLst/>
@@ -4675,7 +4713,7 @@
                       <m:sSubSupPr>
                         <m:ctrlPr>
                           <a:rPr lang="en-US" sz="3600" i="1" smtClean="0">
-                            <a:latin typeface="Cambria Math" panose="02040503050406030204" pitchFamily="18" charset="0"/>
+                            <a:latin typeface="Cambria Math" charset="0"/>
                           </a:rPr>
                         </m:ctrlPr>
                       </m:sSubSupPr>
@@ -4708,7 +4746,7 @@
                       <m:dPr>
                         <m:ctrlPr>
                           <a:rPr lang="en-US" sz="3600" i="1" smtClean="0">
-                            <a:latin typeface="Cambria Math" panose="02040503050406030204" pitchFamily="18" charset="0"/>
+                            <a:latin typeface="Cambria Math" charset="0"/>
                           </a:rPr>
                         </m:ctrlPr>
                       </m:dPr>
@@ -4731,7 +4769,7 @@
                       <m:dPr>
                         <m:ctrlPr>
                           <a:rPr lang="en-US" sz="3600" b="0" i="1" smtClean="0">
-                            <a:latin typeface="Cambria Math" panose="02040503050406030204" pitchFamily="18" charset="0"/>
+                            <a:latin typeface="Cambria Math" charset="0"/>
                           </a:rPr>
                         </m:ctrlPr>
                       </m:dPr>
@@ -4755,7 +4793,7 @@
                             <m:supHide m:val="on"/>
                             <m:ctrlPr>
                               <a:rPr lang="en-US" sz="3600" b="0" i="1" smtClean="0">
-                                <a:latin typeface="Cambria Math" panose="02040503050406030204" pitchFamily="18" charset="0"/>
+                                <a:latin typeface="Cambria Math" charset="0"/>
                                 <a:ea typeface="Cambria Math" panose="02040503050406030204" pitchFamily="18" charset="0"/>
                               </a:rPr>
                             </m:ctrlPr>
@@ -5071,7 +5109,7 @@
                         <m:sSubSupPr>
                           <m:ctrlPr>
                             <a:rPr lang="en-US" i="1">
-                              <a:latin typeface="Cambria Math" panose="02040503050406030204" pitchFamily="18" charset="0"/>
+                              <a:latin typeface="Cambria Math" charset="0"/>
                             </a:rPr>
                           </m:ctrlPr>
                         </m:sSubSupPr>
@@ -5116,7 +5154,7 @@
                         <m:dPr>
                           <m:ctrlPr>
                             <a:rPr lang="en-US" i="1">
-                              <a:latin typeface="Cambria Math" panose="02040503050406030204" pitchFamily="18" charset="0"/>
+                              <a:latin typeface="Cambria Math" charset="0"/>
                             </a:rPr>
                           </m:ctrlPr>
                         </m:dPr>
@@ -5139,7 +5177,7 @@
                         <m:sSubSupPr>
                           <m:ctrlPr>
                             <a:rPr lang="en-US" i="1">
-                              <a:latin typeface="Cambria Math" panose="02040503050406030204" pitchFamily="18" charset="0"/>
+                              <a:latin typeface="Cambria Math" charset="0"/>
                             </a:rPr>
                           </m:ctrlPr>
                         </m:sSubSupPr>
@@ -5174,7 +5212,7 @@
                           <m:endChr m:val="]"/>
                           <m:ctrlPr>
                             <a:rPr lang="en-US" i="1">
-                              <a:latin typeface="Cambria Math" panose="02040503050406030204" pitchFamily="18" charset="0"/>
+                              <a:latin typeface="Cambria Math" charset="0"/>
                             </a:rPr>
                           </m:ctrlPr>
                         </m:dPr>
@@ -5183,7 +5221,7 @@
                             <m:sSubSupPr>
                               <m:ctrlPr>
                                 <a:rPr lang="en-US" i="1">
-                                  <a:latin typeface="Cambria Math" panose="02040503050406030204" pitchFamily="18" charset="0"/>
+                                  <a:latin typeface="Cambria Math" charset="0"/>
                                 </a:rPr>
                               </m:ctrlPr>
                             </m:sSubSupPr>
@@ -5228,7 +5266,7 @@
                             <m:dPr>
                               <m:ctrlPr>
                                 <a:rPr lang="en-US" i="1">
-                                  <a:latin typeface="Cambria Math" panose="02040503050406030204" pitchFamily="18" charset="0"/>
+                                  <a:latin typeface="Cambria Math" charset="0"/>
                                 </a:rPr>
                               </m:ctrlPr>
                             </m:dPr>
@@ -5629,7 +5667,7 @@
                           <m:sSubSupPr>
                             <m:ctrlPr>
                               <a:rPr lang="en-US" i="1" smtClean="0">
-                                <a:latin typeface="Cambria Math" panose="02040503050406030204" pitchFamily="18" charset="0"/>
+                                <a:latin typeface="Cambria Math" charset="0"/>
                               </a:rPr>
                             </m:ctrlPr>
                           </m:sSubSupPr>
@@ -5662,7 +5700,7 @@
                           <m:dPr>
                             <m:ctrlPr>
                               <a:rPr lang="en-US" i="1" smtClean="0">
-                                <a:latin typeface="Cambria Math" panose="02040503050406030204" pitchFamily="18" charset="0"/>
+                                <a:latin typeface="Cambria Math" charset="0"/>
                               </a:rPr>
                             </m:ctrlPr>
                           </m:dPr>
@@ -6342,7 +6380,7 @@
                       <m:sSubSupPr>
                         <m:ctrlPr>
                           <a:rPr lang="en-US" sz="4000" i="1" smtClean="0">
-                            <a:latin typeface="Cambria Math" panose="02040503050406030204" pitchFamily="18" charset="0"/>
+                            <a:latin typeface="Cambria Math" charset="0"/>
                           </a:rPr>
                         </m:ctrlPr>
                       </m:sSubSupPr>
@@ -6375,7 +6413,7 @@
                       <m:dPr>
                         <m:ctrlPr>
                           <a:rPr lang="en-US" sz="4000" i="1" smtClean="0">
-                            <a:latin typeface="Cambria Math" panose="02040503050406030204" pitchFamily="18" charset="0"/>
+                            <a:latin typeface="Cambria Math" charset="0"/>
                           </a:rPr>
                         </m:ctrlPr>
                       </m:dPr>
@@ -6398,7 +6436,7 @@
                       <m:sSubSupPr>
                         <m:ctrlPr>
                           <a:rPr lang="en-US" sz="4000" b="0" i="1" smtClean="0">
-                            <a:latin typeface="Cambria Math" panose="02040503050406030204" pitchFamily="18" charset="0"/>
+                            <a:latin typeface="Cambria Math" charset="0"/>
                           </a:rPr>
                         </m:ctrlPr>
                       </m:sSubSupPr>
@@ -6423,7 +6461,7 @@
                           <m:dPr>
                             <m:ctrlPr>
                               <a:rPr lang="en-US" sz="4000" b="0" i="1" smtClean="0">
-                                <a:latin typeface="Cambria Math" panose="02040503050406030204" pitchFamily="18" charset="0"/>
+                                <a:latin typeface="Cambria Math" charset="0"/>
                               </a:rPr>
                             </m:ctrlPr>
                           </m:dPr>
@@ -6442,7 +6480,7 @@
                       <m:dPr>
                         <m:ctrlPr>
                           <a:rPr lang="en-US" sz="4000" b="0" i="1" smtClean="0">
-                            <a:latin typeface="Cambria Math" panose="02040503050406030204" pitchFamily="18" charset="0"/>
+                            <a:latin typeface="Cambria Math" charset="0"/>
                           </a:rPr>
                         </m:ctrlPr>
                       </m:dPr>
@@ -6578,7 +6616,7 @@
                           <m:sSubSupPr>
                             <m:ctrlPr>
                               <a:rPr lang="en-US" i="1" smtClean="0">
-                                <a:latin typeface="Cambria Math" panose="02040503050406030204" pitchFamily="18" charset="0"/>
+                                <a:latin typeface="Cambria Math" charset="0"/>
                               </a:rPr>
                             </m:ctrlPr>
                           </m:sSubSupPr>
@@ -6611,7 +6649,7 @@
                           <m:dPr>
                             <m:ctrlPr>
                               <a:rPr lang="en-US" i="1" smtClean="0">
-                                <a:latin typeface="Cambria Math" panose="02040503050406030204" pitchFamily="18" charset="0"/>
+                                <a:latin typeface="Cambria Math" charset="0"/>
                               </a:rPr>
                             </m:ctrlPr>
                           </m:dPr>
@@ -6839,7 +6877,7 @@
                           <m:sSubSupPr>
                             <m:ctrlPr>
                               <a:rPr lang="en-US" i="1" smtClean="0">
-                                <a:latin typeface="Cambria Math" panose="02040503050406030204" pitchFamily="18" charset="0"/>
+                                <a:latin typeface="Cambria Math" charset="0"/>
                               </a:rPr>
                             </m:ctrlPr>
                           </m:sSubSupPr>
@@ -6884,7 +6922,7 @@
                           <m:dPr>
                             <m:ctrlPr>
                               <a:rPr lang="en-US" i="1" smtClean="0">
-                                <a:latin typeface="Cambria Math" panose="02040503050406030204" pitchFamily="18" charset="0"/>
+                                <a:latin typeface="Cambria Math" charset="0"/>
                               </a:rPr>
                             </m:ctrlPr>
                           </m:dPr>
@@ -7024,7 +7062,7 @@
                           <m:sSubSupPr>
                             <m:ctrlPr>
                               <a:rPr lang="en-US" i="1" smtClean="0">
-                                <a:latin typeface="Cambria Math" panose="02040503050406030204" pitchFamily="18" charset="0"/>
+                                <a:latin typeface="Cambria Math" charset="0"/>
                               </a:rPr>
                             </m:ctrlPr>
                           </m:sSubSupPr>
@@ -7069,7 +7107,7 @@
                           <m:dPr>
                             <m:ctrlPr>
                               <a:rPr lang="en-US" i="1" smtClean="0">
-                                <a:latin typeface="Cambria Math" panose="02040503050406030204" pitchFamily="18" charset="0"/>
+                                <a:latin typeface="Cambria Math" charset="0"/>
                               </a:rPr>
                             </m:ctrlPr>
                           </m:dPr>
@@ -7209,7 +7247,7 @@
                           <m:sSubSupPr>
                             <m:ctrlPr>
                               <a:rPr lang="en-US" i="1" smtClean="0">
-                                <a:latin typeface="Cambria Math" panose="02040503050406030204" pitchFamily="18" charset="0"/>
+                                <a:latin typeface="Cambria Math" charset="0"/>
                               </a:rPr>
                             </m:ctrlPr>
                           </m:sSubSupPr>
@@ -7254,7 +7292,7 @@
                           <m:dPr>
                             <m:ctrlPr>
                               <a:rPr lang="en-US" i="1" smtClean="0">
-                                <a:latin typeface="Cambria Math" panose="02040503050406030204" pitchFamily="18" charset="0"/>
+                                <a:latin typeface="Cambria Math" charset="0"/>
                               </a:rPr>
                             </m:ctrlPr>
                           </m:dPr>
@@ -7394,7 +7432,7 @@
                           <m:sSubSupPr>
                             <m:ctrlPr>
                               <a:rPr lang="en-US" i="1" smtClean="0">
-                                <a:latin typeface="Cambria Math" panose="02040503050406030204" pitchFamily="18" charset="0"/>
+                                <a:latin typeface="Cambria Math" charset="0"/>
                               </a:rPr>
                             </m:ctrlPr>
                           </m:sSubSupPr>
@@ -7439,7 +7477,7 @@
                           <m:dPr>
                             <m:ctrlPr>
                               <a:rPr lang="en-US" i="1" smtClean="0">
-                                <a:latin typeface="Cambria Math" panose="02040503050406030204" pitchFamily="18" charset="0"/>
+                                <a:latin typeface="Cambria Math" charset="0"/>
                               </a:rPr>
                             </m:ctrlPr>
                           </m:dPr>
@@ -7579,7 +7617,7 @@
                           <m:sSubSupPr>
                             <m:ctrlPr>
                               <a:rPr lang="en-US" i="1" smtClean="0">
-                                <a:latin typeface="Cambria Math" panose="02040503050406030204" pitchFamily="18" charset="0"/>
+                                <a:latin typeface="Cambria Math" charset="0"/>
                               </a:rPr>
                             </m:ctrlPr>
                           </m:sSubSupPr>
@@ -7624,7 +7662,7 @@
                           <m:dPr>
                             <m:ctrlPr>
                               <a:rPr lang="en-US" i="1" smtClean="0">
-                                <a:latin typeface="Cambria Math" panose="02040503050406030204" pitchFamily="18" charset="0"/>
+                                <a:latin typeface="Cambria Math" charset="0"/>
                               </a:rPr>
                             </m:ctrlPr>
                           </m:dPr>
@@ -8457,7 +8495,7 @@
                       <m:sSubSupPr>
                         <m:ctrlPr>
                           <a:rPr lang="en-US" sz="3600" i="1" smtClean="0">
-                            <a:latin typeface="Cambria Math" panose="02040503050406030204" pitchFamily="18" charset="0"/>
+                            <a:latin typeface="Cambria Math" charset="0"/>
                           </a:rPr>
                         </m:ctrlPr>
                       </m:sSubSupPr>
@@ -8490,7 +8528,7 @@
                       <m:dPr>
                         <m:ctrlPr>
                           <a:rPr lang="en-US" sz="3600" i="1" smtClean="0">
-                            <a:latin typeface="Cambria Math" panose="02040503050406030204" pitchFamily="18" charset="0"/>
+                            <a:latin typeface="Cambria Math" charset="0"/>
                           </a:rPr>
                         </m:ctrlPr>
                       </m:dPr>
@@ -8513,7 +8551,7 @@
                       <m:dPr>
                         <m:ctrlPr>
                           <a:rPr lang="en-US" sz="3600" b="0" i="1" smtClean="0">
-                            <a:latin typeface="Cambria Math" panose="02040503050406030204" pitchFamily="18" charset="0"/>
+                            <a:latin typeface="Cambria Math" charset="0"/>
                           </a:rPr>
                         </m:ctrlPr>
                       </m:dPr>
@@ -8827,7 +8865,7 @@
                         <m:sSubSupPr>
                           <m:ctrlPr>
                             <a:rPr lang="en-US" sz="3000" i="1" smtClean="0">
-                              <a:latin typeface="Cambria Math" panose="02040503050406030204" pitchFamily="18" charset="0"/>
+                              <a:latin typeface="Cambria Math" charset="0"/>
                             </a:rPr>
                           </m:ctrlPr>
                         </m:sSubSupPr>
@@ -8872,7 +8910,7 @@
                         <m:dPr>
                           <m:ctrlPr>
                             <a:rPr lang="en-US" sz="3000" i="1">
-                              <a:latin typeface="Cambria Math" panose="02040503050406030204" pitchFamily="18" charset="0"/>
+                              <a:latin typeface="Cambria Math" charset="0"/>
                             </a:rPr>
                           </m:ctrlPr>
                         </m:dPr>
@@ -8895,7 +8933,7 @@
                         <m:sSubSupPr>
                           <m:ctrlPr>
                             <a:rPr lang="en-US" sz="3000" i="1">
-                              <a:latin typeface="Cambria Math" panose="02040503050406030204" pitchFamily="18" charset="0"/>
+                              <a:latin typeface="Cambria Math" charset="0"/>
                             </a:rPr>
                           </m:ctrlPr>
                         </m:sSubSupPr>
@@ -8930,7 +8968,7 @@
                           <m:endChr m:val="]"/>
                           <m:ctrlPr>
                             <a:rPr lang="en-US" sz="3000" i="1">
-                              <a:latin typeface="Cambria Math" panose="02040503050406030204" pitchFamily="18" charset="0"/>
+                              <a:latin typeface="Cambria Math" charset="0"/>
                             </a:rPr>
                           </m:ctrlPr>
                         </m:dPr>
@@ -8939,7 +8977,7 @@
                             <m:sSubSupPr>
                               <m:ctrlPr>
                                 <a:rPr lang="en-US" sz="3000" i="1">
-                                  <a:latin typeface="Cambria Math" panose="02040503050406030204" pitchFamily="18" charset="0"/>
+                                  <a:latin typeface="Cambria Math" charset="0"/>
                                 </a:rPr>
                               </m:ctrlPr>
                             </m:sSubSupPr>
@@ -8984,7 +9022,7 @@
                             <m:dPr>
                               <m:ctrlPr>
                                 <a:rPr lang="en-US" sz="3000" i="1">
-                                  <a:latin typeface="Cambria Math" panose="02040503050406030204" pitchFamily="18" charset="0"/>
+                                  <a:latin typeface="Cambria Math" charset="0"/>
                                 </a:rPr>
                               </m:ctrlPr>
                             </m:dPr>
@@ -9385,7 +9423,7 @@
                           <m:sSubSupPr>
                             <m:ctrlPr>
                               <a:rPr lang="en-US" i="1" smtClean="0">
-                                <a:latin typeface="Cambria Math" panose="02040503050406030204" pitchFamily="18" charset="0"/>
+                                <a:latin typeface="Cambria Math" charset="0"/>
                               </a:rPr>
                             </m:ctrlPr>
                           </m:sSubSupPr>
@@ -9418,7 +9456,7 @@
                           <m:dPr>
                             <m:ctrlPr>
                               <a:rPr lang="en-US" i="1" smtClean="0">
-                                <a:latin typeface="Cambria Math" panose="02040503050406030204" pitchFamily="18" charset="0"/>
+                                <a:latin typeface="Cambria Math" charset="0"/>
                               </a:rPr>
                             </m:ctrlPr>
                           </m:dPr>
@@ -10095,7 +10133,7 @@
                       <m:sSubSupPr>
                         <m:ctrlPr>
                           <a:rPr lang="en-US" sz="4000" i="1" smtClean="0">
-                            <a:latin typeface="Cambria Math" panose="02040503050406030204" pitchFamily="18" charset="0"/>
+                            <a:latin typeface="Cambria Math" charset="0"/>
                           </a:rPr>
                         </m:ctrlPr>
                       </m:sSubSupPr>
@@ -10128,7 +10166,7 @@
                       <m:dPr>
                         <m:ctrlPr>
                           <a:rPr lang="en-US" sz="4000" i="1" smtClean="0">
-                            <a:latin typeface="Cambria Math" panose="02040503050406030204" pitchFamily="18" charset="0"/>
+                            <a:latin typeface="Cambria Math" charset="0"/>
                           </a:rPr>
                         </m:ctrlPr>
                       </m:dPr>
@@ -10151,7 +10189,7 @@
                       <m:sSubSupPr>
                         <m:ctrlPr>
                           <a:rPr lang="en-US" sz="4000" b="0" i="1" smtClean="0">
-                            <a:latin typeface="Cambria Math" panose="02040503050406030204" pitchFamily="18" charset="0"/>
+                            <a:latin typeface="Cambria Math" charset="0"/>
                           </a:rPr>
                         </m:ctrlPr>
                       </m:sSubSupPr>
@@ -10176,7 +10214,7 @@
                           <m:dPr>
                             <m:ctrlPr>
                               <a:rPr lang="en-US" sz="4000" b="0" i="1" smtClean="0">
-                                <a:latin typeface="Cambria Math" panose="02040503050406030204" pitchFamily="18" charset="0"/>
+                                <a:latin typeface="Cambria Math" charset="0"/>
                               </a:rPr>
                             </m:ctrlPr>
                           </m:dPr>
@@ -10195,7 +10233,7 @@
                       <m:dPr>
                         <m:ctrlPr>
                           <a:rPr lang="en-US" sz="4000" b="0" i="1" smtClean="0">
-                            <a:latin typeface="Cambria Math" panose="02040503050406030204" pitchFamily="18" charset="0"/>
+                            <a:latin typeface="Cambria Math" charset="0"/>
                           </a:rPr>
                         </m:ctrlPr>
                       </m:dPr>
@@ -10328,7 +10366,7 @@
                           <m:sSubSupPr>
                             <m:ctrlPr>
                               <a:rPr lang="en-US" i="1" smtClean="0">
-                                <a:latin typeface="Cambria Math" panose="02040503050406030204" pitchFamily="18" charset="0"/>
+                                <a:latin typeface="Cambria Math" charset="0"/>
                               </a:rPr>
                             </m:ctrlPr>
                           </m:sSubSupPr>
@@ -10361,7 +10399,7 @@
                           <m:dPr>
                             <m:ctrlPr>
                               <a:rPr lang="en-US" i="1" smtClean="0">
-                                <a:latin typeface="Cambria Math" panose="02040503050406030204" pitchFamily="18" charset="0"/>
+                                <a:latin typeface="Cambria Math" charset="0"/>
                               </a:rPr>
                             </m:ctrlPr>
                           </m:dPr>
@@ -10589,7 +10627,7 @@
                           <m:sSubSupPr>
                             <m:ctrlPr>
                               <a:rPr lang="en-US" i="1" smtClean="0">
-                                <a:latin typeface="Cambria Math" panose="02040503050406030204" pitchFamily="18" charset="0"/>
+                                <a:latin typeface="Cambria Math" charset="0"/>
                               </a:rPr>
                             </m:ctrlPr>
                           </m:sSubSupPr>
@@ -10634,7 +10672,7 @@
                           <m:dPr>
                             <m:ctrlPr>
                               <a:rPr lang="en-US" i="1" smtClean="0">
-                                <a:latin typeface="Cambria Math" panose="02040503050406030204" pitchFamily="18" charset="0"/>
+                                <a:latin typeface="Cambria Math" charset="0"/>
                               </a:rPr>
                             </m:ctrlPr>
                           </m:dPr>
@@ -10774,7 +10812,7 @@
                           <m:sSubSupPr>
                             <m:ctrlPr>
                               <a:rPr lang="en-US" i="1" smtClean="0">
-                                <a:latin typeface="Cambria Math" panose="02040503050406030204" pitchFamily="18" charset="0"/>
+                                <a:latin typeface="Cambria Math" charset="0"/>
                               </a:rPr>
                             </m:ctrlPr>
                           </m:sSubSupPr>
@@ -10819,7 +10857,7 @@
                           <m:dPr>
                             <m:ctrlPr>
                               <a:rPr lang="en-US" i="1" smtClean="0">
-                                <a:latin typeface="Cambria Math" panose="02040503050406030204" pitchFamily="18" charset="0"/>
+                                <a:latin typeface="Cambria Math" charset="0"/>
                               </a:rPr>
                             </m:ctrlPr>
                           </m:dPr>
@@ -11361,7 +11399,7 @@
                         <m:sSubSupPr>
                           <m:ctrlPr>
                             <a:rPr lang="en-US" sz="3600" i="1" smtClean="0">
-                              <a:latin typeface="Cambria Math" panose="02040503050406030204" pitchFamily="18" charset="0"/>
+                              <a:latin typeface="Cambria Math" charset="0"/>
                             </a:rPr>
                           </m:ctrlPr>
                         </m:sSubSupPr>
@@ -11406,7 +11444,7 @@
                         <m:dPr>
                           <m:ctrlPr>
                             <a:rPr lang="en-US" sz="3600" i="1" smtClean="0">
-                              <a:latin typeface="Cambria Math" panose="02040503050406030204" pitchFamily="18" charset="0"/>
+                              <a:latin typeface="Cambria Math" charset="0"/>
                             </a:rPr>
                           </m:ctrlPr>
                         </m:dPr>
@@ -11429,7 +11467,7 @@
                         <m:sSubSupPr>
                           <m:ctrlPr>
                             <a:rPr lang="en-US" sz="3600" b="0" i="1" smtClean="0">
-                              <a:latin typeface="Cambria Math" panose="02040503050406030204" pitchFamily="18" charset="0"/>
+                              <a:latin typeface="Cambria Math" charset="0"/>
                             </a:rPr>
                           </m:ctrlPr>
                         </m:sSubSupPr>
@@ -11464,7 +11502,7 @@
                           <m:endChr m:val="]"/>
                           <m:ctrlPr>
                             <a:rPr lang="en-US" sz="3600" b="0" i="1" smtClean="0">
-                              <a:latin typeface="Cambria Math" panose="02040503050406030204" pitchFamily="18" charset="0"/>
+                              <a:latin typeface="Cambria Math" charset="0"/>
                             </a:rPr>
                           </m:ctrlPr>
                         </m:dPr>
@@ -11473,7 +11511,7 @@
                             <m:dPr>
                               <m:ctrlPr>
                                 <a:rPr lang="en-US" sz="3600" b="0" i="1" smtClean="0">
-                                  <a:latin typeface="Cambria Math" panose="02040503050406030204" pitchFamily="18" charset="0"/>
+                                  <a:latin typeface="Cambria Math" charset="0"/>
                                 </a:rPr>
                               </m:ctrlPr>
                             </m:dPr>
@@ -12279,7 +12317,7 @@
                         <m:dPr>
                           <m:ctrlPr>
                             <a:rPr lang="en-US" b="0" i="1" smtClean="0">
-                              <a:latin typeface="Cambria Math" panose="02040503050406030204" pitchFamily="18" charset="0"/>
+                              <a:latin typeface="Cambria Math" charset="0"/>
                             </a:rPr>
                           </m:ctrlPr>
                         </m:dPr>
@@ -12316,7 +12354,7 @@
                           <m:endChr m:val=""/>
                           <m:ctrlPr>
                             <a:rPr lang="en-US" b="0" i="1" smtClean="0">
-                              <a:latin typeface="Cambria Math" panose="02040503050406030204" pitchFamily="18" charset="0"/>
+                              <a:latin typeface="Cambria Math" charset="0"/>
                             </a:rPr>
                           </m:ctrlPr>
                         </m:dPr>
@@ -12325,7 +12363,7 @@
                             <m:eqArrPr>
                               <m:ctrlPr>
                                 <a:rPr lang="en-US" b="0" i="1" smtClean="0">
-                                  <a:latin typeface="Cambria Math" panose="02040503050406030204" pitchFamily="18" charset="0"/>
+                                  <a:latin typeface="Cambria Math" charset="0"/>
                                 </a:rPr>
                               </m:ctrlPr>
                             </m:eqArrPr>
@@ -12346,7 +12384,7 @@
                                 <m:dPr>
                                   <m:ctrlPr>
                                     <a:rPr lang="en-US" b="0" i="1" smtClean="0">
-                                      <a:latin typeface="Cambria Math" panose="02040503050406030204" pitchFamily="18" charset="0"/>
+                                      <a:latin typeface="Cambria Math" charset="0"/>
                                     </a:rPr>
                                   </m:ctrlPr>
                                 </m:dPr>
@@ -12491,7 +12529,7 @@
                       <m:sSupPr>
                         <m:ctrlPr>
                           <a:rPr lang="en-US" b="0" i="1" smtClean="0">
-                            <a:latin typeface="Cambria Math" panose="02040503050406030204" pitchFamily="18" charset="0"/>
+                            <a:latin typeface="Cambria Math" charset="0"/>
                           </a:rPr>
                         </m:ctrlPr>
                       </m:sSupPr>
@@ -12502,7 +12540,7 @@
                             <m:endChr m:val="]"/>
                             <m:ctrlPr>
                               <a:rPr lang="en-US" b="0" i="1" smtClean="0">
-                                <a:latin typeface="Cambria Math" panose="02040503050406030204" pitchFamily="18" charset="0"/>
+                                <a:latin typeface="Cambria Math" charset="0"/>
                               </a:rPr>
                             </m:ctrlPr>
                           </m:dPr>
@@ -12511,7 +12549,7 @@
                               <m:sSubSupPr>
                                 <m:ctrlPr>
                                   <a:rPr lang="en-US" b="0" i="1" smtClean="0">
-                                    <a:latin typeface="Cambria Math" panose="02040503050406030204" pitchFamily="18" charset="0"/>
+                                    <a:latin typeface="Cambria Math" charset="0"/>
                                   </a:rPr>
                                 </m:ctrlPr>
                               </m:sSubSupPr>
@@ -12528,7 +12566,7 @@
                                   <m:sSupPr>
                                     <m:ctrlPr>
                                       <a:rPr lang="en-US" b="0" i="1" smtClean="0">
-                                        <a:latin typeface="Cambria Math" panose="02040503050406030204" pitchFamily="18" charset="0"/>
+                                        <a:latin typeface="Cambria Math" charset="0"/>
                                       </a:rPr>
                                     </m:ctrlPr>
                                   </m:sSupPr>
@@ -12563,7 +12601,7 @@
                               <m:dPr>
                                 <m:ctrlPr>
                                   <a:rPr lang="en-US" b="0" i="1" smtClean="0">
-                                    <a:latin typeface="Cambria Math" panose="02040503050406030204" pitchFamily="18" charset="0"/>
+                                    <a:latin typeface="Cambria Math" charset="0"/>
                                   </a:rPr>
                                 </m:ctrlPr>
                               </m:dPr>
@@ -12981,7 +13019,7 @@
                           <m:sSupPr>
                             <m:ctrlPr>
                               <a:rPr lang="en-US" i="1" smtClean="0">
-                                <a:latin typeface="Cambria Math" panose="02040503050406030204" pitchFamily="18" charset="0"/>
+                                <a:latin typeface="Cambria Math" charset="0"/>
                               </a:rPr>
                             </m:ctrlPr>
                           </m:sSupPr>
@@ -13295,7 +13333,7 @@
                           <m:sSupPr>
                             <m:ctrlPr>
                               <a:rPr lang="en-US" i="1" smtClean="0">
-                                <a:latin typeface="Cambria Math" panose="02040503050406030204" pitchFamily="18" charset="0"/>
+                                <a:latin typeface="Cambria Math" charset="0"/>
                               </a:rPr>
                             </m:ctrlPr>
                           </m:sSupPr>
@@ -14357,7 +14395,7 @@
                         <m:dPr>
                           <m:ctrlPr>
                             <a:rPr lang="en-US" b="0" i="1" smtClean="0">
-                              <a:latin typeface="Cambria Math" panose="02040503050406030204" pitchFamily="18" charset="0"/>
+                              <a:latin typeface="Cambria Math" charset="0"/>
                             </a:rPr>
                           </m:ctrlPr>
                         </m:dPr>
@@ -14394,7 +14432,7 @@
                           <m:endChr m:val=""/>
                           <m:ctrlPr>
                             <a:rPr lang="en-US" b="0" i="1" smtClean="0">
-                              <a:latin typeface="Cambria Math" panose="02040503050406030204" pitchFamily="18" charset="0"/>
+                              <a:latin typeface="Cambria Math" charset="0"/>
                             </a:rPr>
                           </m:ctrlPr>
                         </m:dPr>
@@ -14403,7 +14441,7 @@
                             <m:eqArrPr>
                               <m:ctrlPr>
                                 <a:rPr lang="en-US" b="0" i="1" smtClean="0">
-                                  <a:latin typeface="Cambria Math" panose="02040503050406030204" pitchFamily="18" charset="0"/>
+                                  <a:latin typeface="Cambria Math" charset="0"/>
                                 </a:rPr>
                               </m:ctrlPr>
                             </m:eqArrPr>
@@ -14418,7 +14456,7 @@
                                 <m:dPr>
                                   <m:ctrlPr>
                                     <a:rPr lang="en-US" b="0" i="1" smtClean="0">
-                                      <a:latin typeface="Cambria Math" panose="02040503050406030204" pitchFamily="18" charset="0"/>
+                                      <a:latin typeface="Cambria Math" charset="0"/>
                                     </a:rPr>
                                   </m:ctrlPr>
                                 </m:dPr>
@@ -14583,7 +14621,7 @@
                       <m:sSubSupPr>
                         <m:ctrlPr>
                           <a:rPr lang="en-US" b="0" i="1" smtClean="0">
-                            <a:latin typeface="Cambria Math" panose="02040503050406030204" pitchFamily="18" charset="0"/>
+                            <a:latin typeface="Cambria Math" charset="0"/>
                           </a:rPr>
                         </m:ctrlPr>
                       </m:sSubSupPr>
@@ -14616,7 +14654,7 @@
                       <m:dPr>
                         <m:ctrlPr>
                           <a:rPr lang="en-US" b="0" i="1" smtClean="0">
-                            <a:latin typeface="Cambria Math" panose="02040503050406030204" pitchFamily="18" charset="0"/>
+                            <a:latin typeface="Cambria Math" charset="0"/>
                           </a:rPr>
                         </m:ctrlPr>
                       </m:dPr>
@@ -14865,7 +14903,7 @@
                             <m:sSubSupPr>
                               <m:ctrlPr>
                                 <a:rPr lang="en-US" sz="2400" i="1" smtClean="0">
-                                  <a:latin typeface="Cambria Math" panose="02040503050406030204" pitchFamily="18" charset="0"/>
+                                  <a:latin typeface="Cambria Math" charset="0"/>
                                 </a:rPr>
                               </m:ctrlPr>
                             </m:sSubSupPr>
@@ -14898,7 +14936,7 @@
                             <m:dPr>
                               <m:ctrlPr>
                                 <a:rPr lang="en-US" sz="2400" i="1" smtClean="0">
-                                  <a:latin typeface="Cambria Math" panose="02040503050406030204" pitchFamily="18" charset="0"/>
+                                  <a:latin typeface="Cambria Math" charset="0"/>
                                 </a:rPr>
                               </m:ctrlPr>
                             </m:dPr>
@@ -15098,7 +15136,7 @@
                             <m:sSubSupPr>
                               <m:ctrlPr>
                                 <a:rPr lang="en-US" sz="2400" i="1" smtClean="0">
-                                  <a:latin typeface="Cambria Math" panose="02040503050406030204" pitchFamily="18" charset="0"/>
+                                  <a:latin typeface="Cambria Math" charset="0"/>
                                 </a:rPr>
                               </m:ctrlPr>
                             </m:sSubSupPr>
@@ -15131,7 +15169,7 @@
                             <m:dPr>
                               <m:ctrlPr>
                                 <a:rPr lang="en-US" sz="2400" i="1" smtClean="0">
-                                  <a:latin typeface="Cambria Math" panose="02040503050406030204" pitchFamily="18" charset="0"/>
+                                  <a:latin typeface="Cambria Math" charset="0"/>
                                 </a:rPr>
                               </m:ctrlPr>
                             </m:dPr>
@@ -16387,7 +16425,7 @@
                         <m:dPr>
                           <m:ctrlPr>
                             <a:rPr lang="en-US" b="0" i="1" smtClean="0">
-                              <a:latin typeface="Cambria Math" panose="02040503050406030204" pitchFamily="18" charset="0"/>
+                              <a:latin typeface="Cambria Math" charset="0"/>
                               <a:ea typeface="Cambria Math"/>
                             </a:rPr>
                           </m:ctrlPr>
@@ -16411,7 +16449,7 @@
                             <m:sSubPr>
                               <m:ctrlPr>
                                 <a:rPr lang="en-US" b="0" i="1" smtClean="0">
-                                  <a:latin typeface="Cambria Math" panose="02040503050406030204" pitchFamily="18" charset="0"/>
+                                  <a:latin typeface="Cambria Math" charset="0"/>
                                   <a:ea typeface="Cambria Math"/>
                                 </a:rPr>
                               </m:ctrlPr>
@@ -16448,7 +16486,7 @@
                         <m:dPr>
                           <m:ctrlPr>
                             <a:rPr lang="en-US" b="0" i="1" smtClean="0">
-                              <a:latin typeface="Cambria Math" panose="02040503050406030204" pitchFamily="18" charset="0"/>
+                              <a:latin typeface="Cambria Math" charset="0"/>
                               <a:ea typeface="Cambria Math"/>
                             </a:rPr>
                           </m:ctrlPr>
@@ -16458,7 +16496,7 @@
                             <m:sSupPr>
                               <m:ctrlPr>
                                 <a:rPr lang="en-US" b="0" i="1" smtClean="0">
-                                  <a:latin typeface="Cambria Math" panose="02040503050406030204" pitchFamily="18" charset="0"/>
+                                  <a:latin typeface="Cambria Math" charset="0"/>
                                   <a:ea typeface="Cambria Math"/>
                                 </a:rPr>
                               </m:ctrlPr>
@@ -16493,7 +16531,7 @@
                             <m:sSubPr>
                               <m:ctrlPr>
                                 <a:rPr lang="en-US" b="0" i="1" smtClean="0">
-                                  <a:latin typeface="Cambria Math" panose="02040503050406030204" pitchFamily="18" charset="0"/>
+                                  <a:latin typeface="Cambria Math" charset="0"/>
                                   <a:ea typeface="Cambria Math"/>
                                 </a:rPr>
                               </m:ctrlPr>
@@ -16898,7 +16936,7 @@
                         <m:dPr>
                           <m:ctrlPr>
                             <a:rPr lang="en-US" i="1" smtClean="0">
-                              <a:latin typeface="Cambria Math" panose="02040503050406030204" pitchFamily="18" charset="0"/>
+                              <a:latin typeface="Cambria Math" charset="0"/>
                             </a:rPr>
                           </m:ctrlPr>
                         </m:dPr>
@@ -16920,7 +16958,7 @@
                             <m:sSubPr>
                               <m:ctrlPr>
                                 <a:rPr lang="en-US" b="0" i="1" smtClean="0">
-                                  <a:latin typeface="Cambria Math" panose="02040503050406030204" pitchFamily="18" charset="0"/>
+                                  <a:latin typeface="Cambria Math" charset="0"/>
                                   <a:ea typeface="Cambria Math"/>
                                 </a:rPr>
                               </m:ctrlPr>
@@ -16957,7 +16995,7 @@
                         <m:dPr>
                           <m:ctrlPr>
                             <a:rPr lang="en-US" i="1">
-                              <a:latin typeface="Cambria Math" panose="02040503050406030204" pitchFamily="18" charset="0"/>
+                              <a:latin typeface="Cambria Math" charset="0"/>
                             </a:rPr>
                           </m:ctrlPr>
                         </m:dPr>
@@ -16979,7 +17017,7 @@
                             <m:sSubPr>
                               <m:ctrlPr>
                                 <a:rPr lang="en-US" i="1">
-                                  <a:latin typeface="Cambria Math" panose="02040503050406030204" pitchFamily="18" charset="0"/>
+                                  <a:latin typeface="Cambria Math" charset="0"/>
                                   <a:ea typeface="Cambria Math"/>
                                 </a:rPr>
                               </m:ctrlPr>
@@ -17016,7 +17054,7 @@
                         <m:dPr>
                           <m:ctrlPr>
                             <a:rPr lang="en-US" i="1">
-                              <a:latin typeface="Cambria Math" panose="02040503050406030204" pitchFamily="18" charset="0"/>
+                              <a:latin typeface="Cambria Math" charset="0"/>
                             </a:rPr>
                           </m:ctrlPr>
                         </m:dPr>
@@ -17038,7 +17076,7 @@
                             <m:sSubPr>
                               <m:ctrlPr>
                                 <a:rPr lang="en-US" i="1">
-                                  <a:latin typeface="Cambria Math" panose="02040503050406030204" pitchFamily="18" charset="0"/>
+                                  <a:latin typeface="Cambria Math" charset="0"/>
                                   <a:ea typeface="Cambria Math"/>
                                 </a:rPr>
                               </m:ctrlPr>
@@ -17075,7 +17113,7 @@
                         <m:dPr>
                           <m:ctrlPr>
                             <a:rPr lang="en-US" i="1">
-                              <a:latin typeface="Cambria Math" panose="02040503050406030204" pitchFamily="18" charset="0"/>
+                              <a:latin typeface="Cambria Math" charset="0"/>
                             </a:rPr>
                           </m:ctrlPr>
                         </m:dPr>
@@ -17097,7 +17135,7 @@
                             <m:sSubPr>
                               <m:ctrlPr>
                                 <a:rPr lang="en-US" i="1">
-                                  <a:latin typeface="Cambria Math" panose="02040503050406030204" pitchFamily="18" charset="0"/>
+                                  <a:latin typeface="Cambria Math" charset="0"/>
                                   <a:ea typeface="Cambria Math"/>
                                 </a:rPr>
                               </m:ctrlPr>
@@ -17459,7 +17497,7 @@
                         <m:dPr>
                           <m:ctrlPr>
                             <a:rPr lang="en-US" b="0" i="1" smtClean="0">
-                              <a:latin typeface="Cambria Math" panose="02040503050406030204" pitchFamily="18" charset="0"/>
+                              <a:latin typeface="Cambria Math" charset="0"/>
                               <a:ea typeface="Cambria Math"/>
                             </a:rPr>
                           </m:ctrlPr>
@@ -18298,7 +18336,7 @@
                         <m:dPr>
                           <m:ctrlPr>
                             <a:rPr lang="en-US" b="0" i="1" smtClean="0">
-                              <a:latin typeface="Cambria Math" panose="02040503050406030204" pitchFamily="18" charset="0"/>
+                              <a:latin typeface="Cambria Math" charset="0"/>
                               <a:ea typeface="Cambria Math"/>
                             </a:rPr>
                           </m:ctrlPr>
@@ -18315,7 +18353,7 @@
                             <m:dPr>
                               <m:ctrlPr>
                                 <a:rPr lang="en-US" b="0" i="1" smtClean="0">
-                                  <a:latin typeface="Cambria Math" panose="02040503050406030204" pitchFamily="18" charset="0"/>
+                                  <a:latin typeface="Cambria Math" charset="0"/>
                                   <a:ea typeface="Cambria Math"/>
                                 </a:rPr>
                               </m:ctrlPr>
@@ -18339,7 +18377,7 @@
                                 <m:sSubPr>
                                   <m:ctrlPr>
                                     <a:rPr lang="en-US" b="0" i="1" smtClean="0">
-                                      <a:latin typeface="Cambria Math" panose="02040503050406030204" pitchFamily="18" charset="0"/>
+                                      <a:latin typeface="Cambria Math" charset="0"/>
                                       <a:ea typeface="Cambria Math"/>
                                     </a:rPr>
                                   </m:ctrlPr>
@@ -18376,7 +18414,7 @@
                             <m:sSubPr>
                               <m:ctrlPr>
                                 <a:rPr lang="en-US" b="0" i="1" smtClean="0">
-                                  <a:latin typeface="Cambria Math" panose="02040503050406030204" pitchFamily="18" charset="0"/>
+                                  <a:latin typeface="Cambria Math" charset="0"/>
                                   <a:ea typeface="Cambria Math"/>
                                 </a:rPr>
                               </m:ctrlPr>
@@ -18413,7 +18451,7 @@
                         <m:sSubPr>
                           <m:ctrlPr>
                             <a:rPr lang="en-US" b="0" i="1" smtClean="0">
-                              <a:latin typeface="Cambria Math" panose="02040503050406030204" pitchFamily="18" charset="0"/>
+                              <a:latin typeface="Cambria Math" charset="0"/>
                               <a:ea typeface="Cambria Math"/>
                             </a:rPr>
                           </m:ctrlPr>
@@ -18766,7 +18804,7 @@
                         <m:sSubPr>
                           <m:ctrlPr>
                             <a:rPr lang="en-US" i="1">
-                              <a:latin typeface="Cambria Math" panose="02040503050406030204" pitchFamily="18" charset="0"/>
+                              <a:latin typeface="Cambria Math" charset="0"/>
                               <a:ea typeface="Cambria Math"/>
                             </a:rPr>
                           </m:ctrlPr>
@@ -18872,7 +18910,7 @@
                         <m:sSubPr>
                           <m:ctrlPr>
                             <a:rPr lang="en-US" i="1" smtClean="0">
-                              <a:latin typeface="Cambria Math" panose="02040503050406030204" pitchFamily="18" charset="0"/>
+                              <a:latin typeface="Cambria Math" charset="0"/>
                               <a:ea typeface="Cambria Math"/>
                             </a:rPr>
                           </m:ctrlPr>
@@ -18907,7 +18945,7 @@
                         <m:sSubPr>
                           <m:ctrlPr>
                             <a:rPr lang="en-US" i="1">
-                              <a:latin typeface="Cambria Math" panose="02040503050406030204" pitchFamily="18" charset="0"/>
+                              <a:latin typeface="Cambria Math" charset="0"/>
                               <a:ea typeface="Cambria Math"/>
                             </a:rPr>
                           </m:ctrlPr>
@@ -19020,7 +19058,7 @@
                         <m:dPr>
                           <m:ctrlPr>
                             <a:rPr lang="en-US" i="1">
-                              <a:latin typeface="Cambria Math" panose="02040503050406030204" pitchFamily="18" charset="0"/>
+                              <a:latin typeface="Cambria Math" charset="0"/>
                               <a:ea typeface="Cambria Math"/>
                             </a:rPr>
                           </m:ctrlPr>
@@ -19037,7 +19075,7 @@
                             <m:dPr>
                               <m:ctrlPr>
                                 <a:rPr lang="en-US" i="1">
-                                  <a:latin typeface="Cambria Math" panose="02040503050406030204" pitchFamily="18" charset="0"/>
+                                  <a:latin typeface="Cambria Math" charset="0"/>
                                   <a:ea typeface="Cambria Math"/>
                                 </a:rPr>
                               </m:ctrlPr>
@@ -19047,7 +19085,7 @@
                                 <m:sSubPr>
                                   <m:ctrlPr>
                                     <a:rPr lang="en-US" i="1" smtClean="0">
-                                      <a:latin typeface="Cambria Math" panose="02040503050406030204" pitchFamily="18" charset="0"/>
+                                      <a:latin typeface="Cambria Math" charset="0"/>
                                       <a:ea typeface="Cambria Math"/>
                                     </a:rPr>
                                   </m:ctrlPr>
@@ -19082,7 +19120,7 @@
                                 <m:sSubPr>
                                   <m:ctrlPr>
                                     <a:rPr lang="en-US" i="1">
-                                      <a:latin typeface="Cambria Math" panose="02040503050406030204" pitchFamily="18" charset="0"/>
+                                      <a:latin typeface="Cambria Math" charset="0"/>
                                       <a:ea typeface="Cambria Math"/>
                                     </a:rPr>
                                   </m:ctrlPr>
@@ -19119,7 +19157,7 @@
                             <m:sSubPr>
                               <m:ctrlPr>
                                 <a:rPr lang="en-US" i="1">
-                                  <a:latin typeface="Cambria Math" panose="02040503050406030204" pitchFamily="18" charset="0"/>
+                                  <a:latin typeface="Cambria Math" charset="0"/>
                                   <a:ea typeface="Cambria Math"/>
                                 </a:rPr>
                               </m:ctrlPr>
@@ -19156,7 +19194,7 @@
                         <m:sSubPr>
                           <m:ctrlPr>
                             <a:rPr lang="en-US" i="1">
-                              <a:latin typeface="Cambria Math" panose="02040503050406030204" pitchFamily="18" charset="0"/>
+                              <a:latin typeface="Cambria Math" charset="0"/>
                               <a:ea typeface="Cambria Math"/>
                             </a:rPr>
                           </m:ctrlPr>
@@ -19773,7 +19811,7 @@
                         <m:dPr>
                           <m:ctrlPr>
                             <a:rPr lang="en-US" i="1">
-                              <a:latin typeface="Cambria Math" panose="02040503050406030204" pitchFamily="18" charset="0"/>
+                              <a:latin typeface="Cambria Math" charset="0"/>
                               <a:ea typeface="Cambria Math"/>
                             </a:rPr>
                           </m:ctrlPr>
@@ -19790,7 +19828,7 @@
                             <m:dPr>
                               <m:ctrlPr>
                                 <a:rPr lang="en-US" i="1">
-                                  <a:latin typeface="Cambria Math" panose="02040503050406030204" pitchFamily="18" charset="0"/>
+                                  <a:latin typeface="Cambria Math" charset="0"/>
                                   <a:ea typeface="Cambria Math"/>
                                 </a:rPr>
                               </m:ctrlPr>
@@ -19814,7 +19852,7 @@
                                 <m:sSubPr>
                                   <m:ctrlPr>
                                     <a:rPr lang="en-US" i="1">
-                                      <a:latin typeface="Cambria Math" panose="02040503050406030204" pitchFamily="18" charset="0"/>
+                                      <a:latin typeface="Cambria Math" charset="0"/>
                                       <a:ea typeface="Cambria Math"/>
                                     </a:rPr>
                                   </m:ctrlPr>
@@ -19851,7 +19889,7 @@
                             <m:sSubPr>
                               <m:ctrlPr>
                                 <a:rPr lang="en-US" i="1">
-                                  <a:latin typeface="Cambria Math" panose="02040503050406030204" pitchFamily="18" charset="0"/>
+                                  <a:latin typeface="Cambria Math" charset="0"/>
                                   <a:ea typeface="Cambria Math"/>
                                 </a:rPr>
                               </m:ctrlPr>
@@ -19888,7 +19926,7 @@
                         <m:sSubPr>
                           <m:ctrlPr>
                             <a:rPr lang="en-US" i="1">
-                              <a:latin typeface="Cambria Math" panose="02040503050406030204" pitchFamily="18" charset="0"/>
+                              <a:latin typeface="Cambria Math" charset="0"/>
                               <a:ea typeface="Cambria Math"/>
                             </a:rPr>
                           </m:ctrlPr>
@@ -20241,7 +20279,7 @@
                         <m:sSubPr>
                           <m:ctrlPr>
                             <a:rPr lang="en-US" i="1">
-                              <a:latin typeface="Cambria Math" panose="02040503050406030204" pitchFamily="18" charset="0"/>
+                              <a:latin typeface="Cambria Math" charset="0"/>
                               <a:ea typeface="Cambria Math"/>
                             </a:rPr>
                           </m:ctrlPr>
@@ -20347,7 +20385,7 @@
                         <m:sSubPr>
                           <m:ctrlPr>
                             <a:rPr lang="en-US" i="1" smtClean="0">
-                              <a:latin typeface="Cambria Math" panose="02040503050406030204" pitchFamily="18" charset="0"/>
+                              <a:latin typeface="Cambria Math" charset="0"/>
                               <a:ea typeface="Cambria Math"/>
                             </a:rPr>
                           </m:ctrlPr>
@@ -20382,7 +20420,7 @@
                         <m:sSubPr>
                           <m:ctrlPr>
                             <a:rPr lang="en-US" i="1">
-                              <a:latin typeface="Cambria Math" panose="02040503050406030204" pitchFamily="18" charset="0"/>
+                              <a:latin typeface="Cambria Math" charset="0"/>
                               <a:ea typeface="Cambria Math"/>
                             </a:rPr>
                           </m:ctrlPr>
@@ -20495,7 +20533,7 @@
                         <m:dPr>
                           <m:ctrlPr>
                             <a:rPr lang="en-US" i="1">
-                              <a:latin typeface="Cambria Math" panose="02040503050406030204" pitchFamily="18" charset="0"/>
+                              <a:latin typeface="Cambria Math" charset="0"/>
                               <a:ea typeface="Cambria Math"/>
                             </a:rPr>
                           </m:ctrlPr>
@@ -20512,7 +20550,7 @@
                             <m:dPr>
                               <m:ctrlPr>
                                 <a:rPr lang="en-US" i="1">
-                                  <a:latin typeface="Cambria Math" panose="02040503050406030204" pitchFamily="18" charset="0"/>
+                                  <a:latin typeface="Cambria Math" charset="0"/>
                                   <a:ea typeface="Cambria Math"/>
                                 </a:rPr>
                               </m:ctrlPr>
@@ -20522,7 +20560,7 @@
                                 <m:sSubPr>
                                   <m:ctrlPr>
                                     <a:rPr lang="en-US" i="1" smtClean="0">
-                                      <a:latin typeface="Cambria Math" panose="02040503050406030204" pitchFamily="18" charset="0"/>
+                                      <a:latin typeface="Cambria Math" charset="0"/>
                                       <a:ea typeface="Cambria Math"/>
                                     </a:rPr>
                                   </m:ctrlPr>
@@ -20557,7 +20595,7 @@
                                 <m:sSubPr>
                                   <m:ctrlPr>
                                     <a:rPr lang="en-US" i="1">
-                                      <a:latin typeface="Cambria Math" panose="02040503050406030204" pitchFamily="18" charset="0"/>
+                                      <a:latin typeface="Cambria Math" charset="0"/>
                                       <a:ea typeface="Cambria Math"/>
                                     </a:rPr>
                                   </m:ctrlPr>
@@ -20594,7 +20632,7 @@
                             <m:sSubPr>
                               <m:ctrlPr>
                                 <a:rPr lang="en-US" i="1">
-                                  <a:latin typeface="Cambria Math" panose="02040503050406030204" pitchFamily="18" charset="0"/>
+                                  <a:latin typeface="Cambria Math" charset="0"/>
                                   <a:ea typeface="Cambria Math"/>
                                 </a:rPr>
                               </m:ctrlPr>
@@ -20631,7 +20669,7 @@
                         <m:sSubPr>
                           <m:ctrlPr>
                             <a:rPr lang="en-US" i="1">
-                              <a:latin typeface="Cambria Math" panose="02040503050406030204" pitchFamily="18" charset="0"/>
+                              <a:latin typeface="Cambria Math" charset="0"/>
                               <a:ea typeface="Cambria Math"/>
                             </a:rPr>
                           </m:ctrlPr>

--- a/Images/Presentation/ImageReconstruction.pptx
+++ b/Images/Presentation/ImageReconstruction.pptx
@@ -361,7 +361,7 @@
           <a:p>
             <a:fld id="{D02EB887-C900-4FB3-9D2F-381B31F1A1AF}" type="datetimeFigureOut">
               <a:rPr lang="en-US" smtClean="0"/>
-              <a:t>4/24/17</a:t>
+              <a:t>4/24/2017</a:t>
             </a:fld>
             <a:endParaRPr lang="en-US"/>
           </a:p>
@@ -531,7 +531,7 @@
           <a:p>
             <a:fld id="{D02EB887-C900-4FB3-9D2F-381B31F1A1AF}" type="datetimeFigureOut">
               <a:rPr lang="en-US" smtClean="0"/>
-              <a:t>4/24/17</a:t>
+              <a:t>4/24/2017</a:t>
             </a:fld>
             <a:endParaRPr lang="en-US"/>
           </a:p>
@@ -711,7 +711,7 @@
           <a:p>
             <a:fld id="{D02EB887-C900-4FB3-9D2F-381B31F1A1AF}" type="datetimeFigureOut">
               <a:rPr lang="en-US" smtClean="0"/>
-              <a:t>4/24/17</a:t>
+              <a:t>4/24/2017</a:t>
             </a:fld>
             <a:endParaRPr lang="en-US"/>
           </a:p>
@@ -881,7 +881,7 @@
           <a:p>
             <a:fld id="{D02EB887-C900-4FB3-9D2F-381B31F1A1AF}" type="datetimeFigureOut">
               <a:rPr lang="en-US" smtClean="0"/>
-              <a:t>4/24/17</a:t>
+              <a:t>4/24/2017</a:t>
             </a:fld>
             <a:endParaRPr lang="en-US"/>
           </a:p>
@@ -1127,7 +1127,7 @@
           <a:p>
             <a:fld id="{D02EB887-C900-4FB3-9D2F-381B31F1A1AF}" type="datetimeFigureOut">
               <a:rPr lang="en-US" smtClean="0"/>
-              <a:t>4/24/17</a:t>
+              <a:t>4/24/2017</a:t>
             </a:fld>
             <a:endParaRPr lang="en-US"/>
           </a:p>
@@ -1415,7 +1415,7 @@
           <a:p>
             <a:fld id="{D02EB887-C900-4FB3-9D2F-381B31F1A1AF}" type="datetimeFigureOut">
               <a:rPr lang="en-US" smtClean="0"/>
-              <a:t>4/24/17</a:t>
+              <a:t>4/24/2017</a:t>
             </a:fld>
             <a:endParaRPr lang="en-US"/>
           </a:p>
@@ -1837,7 +1837,7 @@
           <a:p>
             <a:fld id="{D02EB887-C900-4FB3-9D2F-381B31F1A1AF}" type="datetimeFigureOut">
               <a:rPr lang="en-US" smtClean="0"/>
-              <a:t>4/24/17</a:t>
+              <a:t>4/24/2017</a:t>
             </a:fld>
             <a:endParaRPr lang="en-US"/>
           </a:p>
@@ -1955,7 +1955,7 @@
           <a:p>
             <a:fld id="{D02EB887-C900-4FB3-9D2F-381B31F1A1AF}" type="datetimeFigureOut">
               <a:rPr lang="en-US" smtClean="0"/>
-              <a:t>4/24/17</a:t>
+              <a:t>4/24/2017</a:t>
             </a:fld>
             <a:endParaRPr lang="en-US"/>
           </a:p>
@@ -2050,7 +2050,7 @@
           <a:p>
             <a:fld id="{D02EB887-C900-4FB3-9D2F-381B31F1A1AF}" type="datetimeFigureOut">
               <a:rPr lang="en-US" smtClean="0"/>
-              <a:t>4/24/17</a:t>
+              <a:t>4/24/2017</a:t>
             </a:fld>
             <a:endParaRPr lang="en-US"/>
           </a:p>
@@ -2327,7 +2327,7 @@
           <a:p>
             <a:fld id="{D02EB887-C900-4FB3-9D2F-381B31F1A1AF}" type="datetimeFigureOut">
               <a:rPr lang="en-US" smtClean="0"/>
-              <a:t>4/24/17</a:t>
+              <a:t>4/24/2017</a:t>
             </a:fld>
             <a:endParaRPr lang="en-US"/>
           </a:p>
@@ -2580,7 +2580,7 @@
           <a:p>
             <a:fld id="{D02EB887-C900-4FB3-9D2F-381B31F1A1AF}" type="datetimeFigureOut">
               <a:rPr lang="en-US" smtClean="0"/>
-              <a:t>4/24/17</a:t>
+              <a:t>4/24/2017</a:t>
             </a:fld>
             <a:endParaRPr lang="en-US"/>
           </a:p>
@@ -2793,7 +2793,7 @@
           <a:p>
             <a:fld id="{D02EB887-C900-4FB3-9D2F-381B31F1A1AF}" type="datetimeFigureOut">
               <a:rPr lang="en-US" smtClean="0"/>
-              <a:t>4/24/17</a:t>
+              <a:t>4/24/2017</a:t>
             </a:fld>
             <a:endParaRPr lang="en-US"/>
           </a:p>
@@ -3507,15 +3507,7 @@
           <a:p>
             <a:r>
               <a:rPr lang="en-US" dirty="0" smtClean="0"/>
-              <a:t> Addition to </a:t>
-            </a:r>
-            <a:r>
-              <a:rPr lang="en-US" dirty="0" smtClean="0"/>
-              <a:t>the </a:t>
-            </a:r>
-            <a:r>
-              <a:rPr lang="en-US" dirty="0" smtClean="0"/>
-              <a:t>skeleton</a:t>
+              <a:t> Addition to the skeleton</a:t>
             </a:r>
             <a:endParaRPr lang="en-US" dirty="0"/>
           </a:p>
@@ -3558,7 +3550,7 @@
                               <a:solidFill>
                                 <a:prstClr val="black"/>
                               </a:solidFill>
-                              <a:latin typeface="Cambria Math" charset="0"/>
+                              <a:latin typeface="Cambria Math" panose="02040503050406030204" pitchFamily="18" charset="0"/>
                               <a:ea typeface="Cambria Math" charset="0"/>
                               <a:cs typeface="Cambria Math" charset="0"/>
                             </a:rPr>
@@ -3748,7 +3740,7 @@
                               <a:solidFill>
                                 <a:prstClr val="black"/>
                               </a:solidFill>
-                              <a:latin typeface="Cambria Math" charset="0"/>
+                              <a:latin typeface="Cambria Math" panose="02040503050406030204" pitchFamily="18" charset="0"/>
                               <a:ea typeface="Cambria Math" charset="0"/>
                               <a:cs typeface="Cambria Math" charset="0"/>
                             </a:rPr>
@@ -3800,7 +3792,7 @@
                               <a:solidFill>
                                 <a:prstClr val="black"/>
                               </a:solidFill>
-                              <a:latin typeface="Cambria Math" charset="0"/>
+                              <a:latin typeface="Cambria Math" panose="02040503050406030204" pitchFamily="18" charset="0"/>
                               <a:ea typeface="Cambria Math" charset="0"/>
                               <a:cs typeface="Cambria Math" charset="0"/>
                             </a:rPr>
@@ -3854,7 +3846,7 @@
                                   <a:solidFill>
                                     <a:prstClr val="black"/>
                                   </a:solidFill>
-                                  <a:latin typeface="Cambria Math" charset="0"/>
+                                  <a:latin typeface="Cambria Math" panose="02040503050406030204" pitchFamily="18" charset="0"/>
                                   <a:ea typeface="Cambria Math" charset="0"/>
                                   <a:cs typeface="Cambria Math" charset="0"/>
                                 </a:rPr>
@@ -3868,7 +3860,7 @@
                                       <a:solidFill>
                                         <a:prstClr val="black"/>
                                       </a:solidFill>
-                                      <a:latin typeface="Cambria Math" charset="0"/>
+                                      <a:latin typeface="Cambria Math" panose="02040503050406030204" pitchFamily="18" charset="0"/>
                                       <a:ea typeface="Cambria Math" charset="0"/>
                                       <a:cs typeface="Cambria Math" charset="0"/>
                                     </a:rPr>
@@ -3918,7 +3910,7 @@
                                       <a:solidFill>
                                         <a:prstClr val="black"/>
                                       </a:solidFill>
-                                      <a:latin typeface="Cambria Math" charset="0"/>
+                                      <a:latin typeface="Cambria Math" panose="02040503050406030204" pitchFamily="18" charset="0"/>
                                       <a:ea typeface="Cambria Math"/>
                                     </a:rPr>
                                   </m:ctrlPr>
@@ -4043,7 +4035,7 @@
                               <a:solidFill>
                                 <a:prstClr val="black"/>
                               </a:solidFill>
-                              <a:latin typeface="Cambria Math" charset="0"/>
+                              <a:latin typeface="Cambria Math" panose="02040503050406030204" pitchFamily="18" charset="0"/>
                               <a:ea typeface="Cambria Math" charset="0"/>
                               <a:cs typeface="Cambria Math" charset="0"/>
                             </a:rPr>
@@ -4094,7 +4086,7 @@
                               <a:solidFill>
                                 <a:prstClr val="black"/>
                               </a:solidFill>
-                              <a:latin typeface="Cambria Math" charset="0"/>
+                              <a:latin typeface="Cambria Math" panose="02040503050406030204" pitchFamily="18" charset="0"/>
                               <a:ea typeface="Cambria Math" charset="0"/>
                               <a:cs typeface="Cambria Math" charset="0"/>
                             </a:rPr>
@@ -4134,7 +4126,7 @@
                               <a:solidFill>
                                 <a:prstClr val="black"/>
                               </a:solidFill>
-                              <a:latin typeface="Cambria Math" charset="0"/>
+                              <a:latin typeface="Cambria Math" panose="02040503050406030204" pitchFamily="18" charset="0"/>
                               <a:ea typeface="Cambria Math" charset="0"/>
                               <a:cs typeface="Cambria Math" charset="0"/>
                             </a:rPr>
@@ -4269,7 +4261,7 @@
                               <a:solidFill>
                                 <a:prstClr val="black"/>
                               </a:solidFill>
-                              <a:latin typeface="Cambria Math" charset="0"/>
+                              <a:latin typeface="Cambria Math" panose="02040503050406030204" pitchFamily="18" charset="0"/>
                               <a:ea typeface="Cambria Math" charset="0"/>
                               <a:cs typeface="Cambria Math" charset="0"/>
                             </a:rPr>
@@ -4320,7 +4312,7 @@
                               <a:solidFill>
                                 <a:prstClr val="black"/>
                               </a:solidFill>
-                              <a:latin typeface="Cambria Math" charset="0"/>
+                              <a:latin typeface="Cambria Math" panose="02040503050406030204" pitchFamily="18" charset="0"/>
                               <a:ea typeface="Cambria Math" charset="0"/>
                               <a:cs typeface="Cambria Math" charset="0"/>
                             </a:rPr>
@@ -4334,7 +4326,7 @@
                                   <a:solidFill>
                                     <a:prstClr val="black"/>
                                   </a:solidFill>
-                                  <a:latin typeface="Cambria Math" charset="0"/>
+                                  <a:latin typeface="Cambria Math" panose="02040503050406030204" pitchFamily="18" charset="0"/>
                                   <a:ea typeface="Cambria Math" charset="0"/>
                                   <a:cs typeface="Cambria Math" charset="0"/>
                                 </a:rPr>
@@ -4713,7 +4705,7 @@
                       <m:sSubSupPr>
                         <m:ctrlPr>
                           <a:rPr lang="en-US" sz="3600" i="1" smtClean="0">
-                            <a:latin typeface="Cambria Math" charset="0"/>
+                            <a:latin typeface="Cambria Math" panose="02040503050406030204" pitchFamily="18" charset="0"/>
                           </a:rPr>
                         </m:ctrlPr>
                       </m:sSubSupPr>
@@ -4746,7 +4738,7 @@
                       <m:dPr>
                         <m:ctrlPr>
                           <a:rPr lang="en-US" sz="3600" i="1" smtClean="0">
-                            <a:latin typeface="Cambria Math" charset="0"/>
+                            <a:latin typeface="Cambria Math" panose="02040503050406030204" pitchFamily="18" charset="0"/>
                           </a:rPr>
                         </m:ctrlPr>
                       </m:dPr>
@@ -4769,7 +4761,7 @@
                       <m:dPr>
                         <m:ctrlPr>
                           <a:rPr lang="en-US" sz="3600" b="0" i="1" smtClean="0">
-                            <a:latin typeface="Cambria Math" charset="0"/>
+                            <a:latin typeface="Cambria Math" panose="02040503050406030204" pitchFamily="18" charset="0"/>
                           </a:rPr>
                         </m:ctrlPr>
                       </m:dPr>
@@ -4793,7 +4785,7 @@
                             <m:supHide m:val="on"/>
                             <m:ctrlPr>
                               <a:rPr lang="en-US" sz="3600" b="0" i="1" smtClean="0">
-                                <a:latin typeface="Cambria Math" charset="0"/>
+                                <a:latin typeface="Cambria Math" panose="02040503050406030204" pitchFamily="18" charset="0"/>
                                 <a:ea typeface="Cambria Math" panose="02040503050406030204" pitchFamily="18" charset="0"/>
                               </a:rPr>
                             </m:ctrlPr>
@@ -4907,427 +4899,6 @@
           </a:prstGeom>
         </p:spPr>
       </p:pic>
-      <mc:AlternateContent xmlns:mc="http://schemas.openxmlformats.org/markup-compatibility/2006" xmlns:a14="http://schemas.microsoft.com/office/drawing/2010/main">
-        <mc:Choice Requires="a14">
-          <p:sp>
-            <p:nvSpPr>
-              <p:cNvPr id="8" name="Content Placeholder 2"/>
-              <p:cNvSpPr txBox="1">
-                <a:spLocks/>
-              </p:cNvSpPr>
-              <p:nvPr/>
-            </p:nvSpPr>
-            <p:spPr>
-              <a:xfrm>
-                <a:off x="7518390" y="5732373"/>
-                <a:ext cx="4341254" cy="739417"/>
-              </a:xfrm>
-              <a:prstGeom prst="rect">
-                <a:avLst/>
-              </a:prstGeom>
-            </p:spPr>
-            <p:txBody>
-              <a:bodyPr vert="horz" lIns="91440" tIns="45720" rIns="91440" bIns="45720" rtlCol="0">
-                <a:normAutofit/>
-              </a:bodyPr>
-              <a:lstStyle>
-                <a:lvl1pPr marL="228600" indent="-228600" algn="l" defTabSz="914400" rtl="0" eaLnBrk="1" latinLnBrk="0" hangingPunct="1">
-                  <a:lnSpc>
-                    <a:spcPct val="90000"/>
-                  </a:lnSpc>
-                  <a:spcBef>
-                    <a:spcPts val="1000"/>
-                  </a:spcBef>
-                  <a:buFont typeface="Arial" panose="020B0604020202020204" pitchFamily="34" charset="0"/>
-                  <a:buChar char="•"/>
-                  <a:defRPr sz="2800" kern="1200">
-                    <a:solidFill>
-                      <a:schemeClr val="tx1"/>
-                    </a:solidFill>
-                    <a:latin typeface="+mn-lt"/>
-                    <a:ea typeface="+mn-ea"/>
-                    <a:cs typeface="+mn-cs"/>
-                  </a:defRPr>
-                </a:lvl1pPr>
-                <a:lvl2pPr marL="685800" indent="-228600" algn="l" defTabSz="914400" rtl="0" eaLnBrk="1" latinLnBrk="0" hangingPunct="1">
-                  <a:lnSpc>
-                    <a:spcPct val="90000"/>
-                  </a:lnSpc>
-                  <a:spcBef>
-                    <a:spcPts val="500"/>
-                  </a:spcBef>
-                  <a:buFont typeface="Arial" panose="020B0604020202020204" pitchFamily="34" charset="0"/>
-                  <a:buChar char="•"/>
-                  <a:defRPr sz="2400" kern="1200">
-                    <a:solidFill>
-                      <a:schemeClr val="tx1"/>
-                    </a:solidFill>
-                    <a:latin typeface="+mn-lt"/>
-                    <a:ea typeface="+mn-ea"/>
-                    <a:cs typeface="+mn-cs"/>
-                  </a:defRPr>
-                </a:lvl2pPr>
-                <a:lvl3pPr marL="1143000" indent="-228600" algn="l" defTabSz="914400" rtl="0" eaLnBrk="1" latinLnBrk="0" hangingPunct="1">
-                  <a:lnSpc>
-                    <a:spcPct val="90000"/>
-                  </a:lnSpc>
-                  <a:spcBef>
-                    <a:spcPts val="500"/>
-                  </a:spcBef>
-                  <a:buFont typeface="Arial" panose="020B0604020202020204" pitchFamily="34" charset="0"/>
-                  <a:buChar char="•"/>
-                  <a:defRPr sz="2000" kern="1200">
-                    <a:solidFill>
-                      <a:schemeClr val="tx1"/>
-                    </a:solidFill>
-                    <a:latin typeface="+mn-lt"/>
-                    <a:ea typeface="+mn-ea"/>
-                    <a:cs typeface="+mn-cs"/>
-                  </a:defRPr>
-                </a:lvl3pPr>
-                <a:lvl4pPr marL="1600200" indent="-228600" algn="l" defTabSz="914400" rtl="0" eaLnBrk="1" latinLnBrk="0" hangingPunct="1">
-                  <a:lnSpc>
-                    <a:spcPct val="90000"/>
-                  </a:lnSpc>
-                  <a:spcBef>
-                    <a:spcPts val="500"/>
-                  </a:spcBef>
-                  <a:buFont typeface="Arial" panose="020B0604020202020204" pitchFamily="34" charset="0"/>
-                  <a:buChar char="•"/>
-                  <a:defRPr sz="1800" kern="1200">
-                    <a:solidFill>
-                      <a:schemeClr val="tx1"/>
-                    </a:solidFill>
-                    <a:latin typeface="+mn-lt"/>
-                    <a:ea typeface="+mn-ea"/>
-                    <a:cs typeface="+mn-cs"/>
-                  </a:defRPr>
-                </a:lvl4pPr>
-                <a:lvl5pPr marL="2057400" indent="-228600" algn="l" defTabSz="914400" rtl="0" eaLnBrk="1" latinLnBrk="0" hangingPunct="1">
-                  <a:lnSpc>
-                    <a:spcPct val="90000"/>
-                  </a:lnSpc>
-                  <a:spcBef>
-                    <a:spcPts val="500"/>
-                  </a:spcBef>
-                  <a:buFont typeface="Arial" panose="020B0604020202020204" pitchFamily="34" charset="0"/>
-                  <a:buChar char="•"/>
-                  <a:defRPr sz="1800" kern="1200">
-                    <a:solidFill>
-                      <a:schemeClr val="tx1"/>
-                    </a:solidFill>
-                    <a:latin typeface="+mn-lt"/>
-                    <a:ea typeface="+mn-ea"/>
-                    <a:cs typeface="+mn-cs"/>
-                  </a:defRPr>
-                </a:lvl5pPr>
-                <a:lvl6pPr marL="2514600" indent="-228600" algn="l" defTabSz="914400" rtl="0" eaLnBrk="1" latinLnBrk="0" hangingPunct="1">
-                  <a:lnSpc>
-                    <a:spcPct val="90000"/>
-                  </a:lnSpc>
-                  <a:spcBef>
-                    <a:spcPts val="500"/>
-                  </a:spcBef>
-                  <a:buFont typeface="Arial" panose="020B0604020202020204" pitchFamily="34" charset="0"/>
-                  <a:buChar char="•"/>
-                  <a:defRPr sz="1800" kern="1200">
-                    <a:solidFill>
-                      <a:schemeClr val="tx1"/>
-                    </a:solidFill>
-                    <a:latin typeface="+mn-lt"/>
-                    <a:ea typeface="+mn-ea"/>
-                    <a:cs typeface="+mn-cs"/>
-                  </a:defRPr>
-                </a:lvl6pPr>
-                <a:lvl7pPr marL="2971800" indent="-228600" algn="l" defTabSz="914400" rtl="0" eaLnBrk="1" latinLnBrk="0" hangingPunct="1">
-                  <a:lnSpc>
-                    <a:spcPct val="90000"/>
-                  </a:lnSpc>
-                  <a:spcBef>
-                    <a:spcPts val="500"/>
-                  </a:spcBef>
-                  <a:buFont typeface="Arial" panose="020B0604020202020204" pitchFamily="34" charset="0"/>
-                  <a:buChar char="•"/>
-                  <a:defRPr sz="1800" kern="1200">
-                    <a:solidFill>
-                      <a:schemeClr val="tx1"/>
-                    </a:solidFill>
-                    <a:latin typeface="+mn-lt"/>
-                    <a:ea typeface="+mn-ea"/>
-                    <a:cs typeface="+mn-cs"/>
-                  </a:defRPr>
-                </a:lvl7pPr>
-                <a:lvl8pPr marL="3429000" indent="-228600" algn="l" defTabSz="914400" rtl="0" eaLnBrk="1" latinLnBrk="0" hangingPunct="1">
-                  <a:lnSpc>
-                    <a:spcPct val="90000"/>
-                  </a:lnSpc>
-                  <a:spcBef>
-                    <a:spcPts val="500"/>
-                  </a:spcBef>
-                  <a:buFont typeface="Arial" panose="020B0604020202020204" pitchFamily="34" charset="0"/>
-                  <a:buChar char="•"/>
-                  <a:defRPr sz="1800" kern="1200">
-                    <a:solidFill>
-                      <a:schemeClr val="tx1"/>
-                    </a:solidFill>
-                    <a:latin typeface="+mn-lt"/>
-                    <a:ea typeface="+mn-ea"/>
-                    <a:cs typeface="+mn-cs"/>
-                  </a:defRPr>
-                </a:lvl8pPr>
-                <a:lvl9pPr marL="3886200" indent="-228600" algn="l" defTabSz="914400" rtl="0" eaLnBrk="1" latinLnBrk="0" hangingPunct="1">
-                  <a:lnSpc>
-                    <a:spcPct val="90000"/>
-                  </a:lnSpc>
-                  <a:spcBef>
-                    <a:spcPts val="500"/>
-                  </a:spcBef>
-                  <a:buFont typeface="Arial" panose="020B0604020202020204" pitchFamily="34" charset="0"/>
-                  <a:buChar char="•"/>
-                  <a:defRPr sz="1800" kern="1200">
-                    <a:solidFill>
-                      <a:schemeClr val="tx1"/>
-                    </a:solidFill>
-                    <a:latin typeface="+mn-lt"/>
-                    <a:ea typeface="+mn-ea"/>
-                    <a:cs typeface="+mn-cs"/>
-                  </a:defRPr>
-                </a:lvl9pPr>
-              </a:lstStyle>
-              <a:p>
-                <a:pPr marL="0" indent="0">
-                  <a:buFont typeface="Arial" panose="020B0604020202020204" pitchFamily="34" charset="0"/>
-                  <a:buNone/>
-                </a:pPr>
-                <a14:m>
-                  <m:oMathPara xmlns:m="http://schemas.openxmlformats.org/officeDocument/2006/math">
-                    <m:oMathParaPr>
-                      <m:jc m:val="centerGroup"/>
-                    </m:oMathParaPr>
-                    <m:oMath xmlns:m="http://schemas.openxmlformats.org/officeDocument/2006/math">
-                      <m:sSubSup>
-                        <m:sSubSupPr>
-                          <m:ctrlPr>
-                            <a:rPr lang="en-US" i="1">
-                              <a:latin typeface="Cambria Math" charset="0"/>
-                            </a:rPr>
-                          </m:ctrlPr>
-                        </m:sSubSupPr>
-                        <m:e>
-                          <m:r>
-                            <a:rPr lang="en-US" i="1">
-                              <a:latin typeface="Cambria Math" panose="02040503050406030204" pitchFamily="18" charset="0"/>
-                            </a:rPr>
-                            <m:t>𝐷</m:t>
-                          </m:r>
-                        </m:e>
-                        <m:sub>
-                          <m:r>
-                            <a:rPr lang="en-US" i="1">
-                              <a:latin typeface="Cambria Math" panose="02040503050406030204" pitchFamily="18" charset="0"/>
-                            </a:rPr>
-                            <m:t>𝐺</m:t>
-                          </m:r>
-                        </m:sub>
-                        <m:sup>
-                          <m:r>
-                            <a:rPr lang="en-US" i="1">
-                              <a:latin typeface="Cambria Math" panose="02040503050406030204" pitchFamily="18" charset="0"/>
-                            </a:rPr>
-                            <m:t>(</m:t>
-                          </m:r>
-                          <m:r>
-                            <a:rPr lang="en-US" i="1">
-                              <a:latin typeface="Cambria Math" panose="02040503050406030204" pitchFamily="18" charset="0"/>
-                            </a:rPr>
-                            <m:t>𝑛</m:t>
-                          </m:r>
-                          <m:r>
-                            <a:rPr lang="en-US" i="1">
-                              <a:latin typeface="Cambria Math" panose="02040503050406030204" pitchFamily="18" charset="0"/>
-                            </a:rPr>
-                            <m:t>)</m:t>
-                          </m:r>
-                        </m:sup>
-                      </m:sSubSup>
-                      <m:d>
-                        <m:dPr>
-                          <m:ctrlPr>
-                            <a:rPr lang="en-US" i="1">
-                              <a:latin typeface="Cambria Math" charset="0"/>
-                            </a:rPr>
-                          </m:ctrlPr>
-                        </m:dPr>
-                        <m:e>
-                          <m:r>
-                            <a:rPr lang="en-US" i="1">
-                              <a:latin typeface="Cambria Math" panose="02040503050406030204" pitchFamily="18" charset="0"/>
-                            </a:rPr>
-                            <m:t>𝐹</m:t>
-                          </m:r>
-                        </m:e>
-                      </m:d>
-                      <m:r>
-                        <a:rPr lang="en-US" i="1">
-                          <a:latin typeface="Cambria Math" panose="02040503050406030204" pitchFamily="18" charset="0"/>
-                        </a:rPr>
-                        <m:t>=</m:t>
-                      </m:r>
-                      <m:sSubSup>
-                        <m:sSubSupPr>
-                          <m:ctrlPr>
-                            <a:rPr lang="en-US" i="1">
-                              <a:latin typeface="Cambria Math" charset="0"/>
-                            </a:rPr>
-                          </m:ctrlPr>
-                        </m:sSubSupPr>
-                        <m:e>
-                          <m:r>
-                            <a:rPr lang="en-US" i="1">
-                              <a:latin typeface="Cambria Math" panose="02040503050406030204" pitchFamily="18" charset="0"/>
-                            </a:rPr>
-                            <m:t>𝐷</m:t>
-                          </m:r>
-                        </m:e>
-                        <m:sub>
-                          <m:r>
-                            <a:rPr lang="en-US" i="1">
-                              <a:latin typeface="Cambria Math" panose="02040503050406030204" pitchFamily="18" charset="0"/>
-                            </a:rPr>
-                            <m:t>𝐺</m:t>
-                          </m:r>
-                        </m:sub>
-                        <m:sup>
-                          <m:r>
-                            <a:rPr lang="en-US" i="1">
-                              <a:latin typeface="Cambria Math" panose="02040503050406030204" pitchFamily="18" charset="0"/>
-                            </a:rPr>
-                            <m:t>(1)</m:t>
-                          </m:r>
-                        </m:sup>
-                      </m:sSubSup>
-                      <m:d>
-                        <m:dPr>
-                          <m:begChr m:val="["/>
-                          <m:endChr m:val="]"/>
-                          <m:ctrlPr>
-                            <a:rPr lang="en-US" i="1">
-                              <a:latin typeface="Cambria Math" charset="0"/>
-                            </a:rPr>
-                          </m:ctrlPr>
-                        </m:dPr>
-                        <m:e>
-                          <m:sSubSup>
-                            <m:sSubSupPr>
-                              <m:ctrlPr>
-                                <a:rPr lang="en-US" i="1">
-                                  <a:latin typeface="Cambria Math" charset="0"/>
-                                </a:rPr>
-                              </m:ctrlPr>
-                            </m:sSubSupPr>
-                            <m:e>
-                              <m:r>
-                                <a:rPr lang="en-US" i="1">
-                                  <a:latin typeface="Cambria Math" panose="02040503050406030204" pitchFamily="18" charset="0"/>
-                                </a:rPr>
-                                <m:t>𝐷</m:t>
-                              </m:r>
-                            </m:e>
-                            <m:sub>
-                              <m:r>
-                                <a:rPr lang="en-US" i="1">
-                                  <a:latin typeface="Cambria Math" panose="02040503050406030204" pitchFamily="18" charset="0"/>
-                                </a:rPr>
-                                <m:t>𝐺</m:t>
-                              </m:r>
-                            </m:sub>
-                            <m:sup>
-                              <m:r>
-                                <a:rPr lang="en-US" i="1">
-                                  <a:latin typeface="Cambria Math" panose="02040503050406030204" pitchFamily="18" charset="0"/>
-                                </a:rPr>
-                                <m:t>(</m:t>
-                              </m:r>
-                              <m:r>
-                                <a:rPr lang="en-US" i="1">
-                                  <a:latin typeface="Cambria Math" panose="02040503050406030204" pitchFamily="18" charset="0"/>
-                                </a:rPr>
-                                <m:t>𝑛</m:t>
-                              </m:r>
-                              <m:r>
-                                <a:rPr lang="en-US" i="1">
-                                  <a:latin typeface="Cambria Math" panose="02040503050406030204" pitchFamily="18" charset="0"/>
-                                </a:rPr>
-                                <m:t>−1)</m:t>
-                              </m:r>
-                            </m:sup>
-                          </m:sSubSup>
-                          <m:d>
-                            <m:dPr>
-                              <m:ctrlPr>
-                                <a:rPr lang="en-US" i="1">
-                                  <a:latin typeface="Cambria Math" charset="0"/>
-                                </a:rPr>
-                              </m:ctrlPr>
-                            </m:dPr>
-                            <m:e>
-                              <m:r>
-                                <a:rPr lang="en-US" i="1">
-                                  <a:latin typeface="Cambria Math" panose="02040503050406030204" pitchFamily="18" charset="0"/>
-                                </a:rPr>
-                                <m:t>𝐹</m:t>
-                              </m:r>
-                            </m:e>
-                          </m:d>
-                        </m:e>
-                      </m:d>
-                    </m:oMath>
-                  </m:oMathPara>
-                </a14:m>
-                <a:endParaRPr lang="en-US" dirty="0"/>
-              </a:p>
-            </p:txBody>
-          </p:sp>
-        </mc:Choice>
-        <mc:Fallback xmlns="">
-          <p:sp>
-            <p:nvSpPr>
-              <p:cNvPr id="8" name="Content Placeholder 2"/>
-              <p:cNvSpPr txBox="1">
-                <a:spLocks noRot="1" noChangeAspect="1" noMove="1" noResize="1" noEditPoints="1" noAdjustHandles="1" noChangeArrowheads="1" noChangeShapeType="1" noTextEdit="1"/>
-              </p:cNvSpPr>
-              <p:nvPr/>
-            </p:nvSpPr>
-            <p:spPr>
-              <a:xfrm>
-                <a:off x="7518390" y="5732373"/>
-                <a:ext cx="4341254" cy="739417"/>
-              </a:xfrm>
-              <a:prstGeom prst="rect">
-                <a:avLst/>
-              </a:prstGeom>
-              <a:blipFill rotWithShape="0">
-                <a:blip r:embed="rId4"/>
-                <a:stretch>
-                  <a:fillRect/>
-                </a:stretch>
-              </a:blipFill>
-            </p:spPr>
-            <p:txBody>
-              <a:bodyPr/>
-              <a:lstStyle/>
-              <a:p>
-                <a:r>
-                  <a:rPr lang="en-US">
-                    <a:noFill/>
-                  </a:rPr>
-                  <a:t> </a:t>
-                </a:r>
-              </a:p>
-            </p:txBody>
-          </p:sp>
-        </mc:Fallback>
-      </mc:AlternateContent>
       <p:grpSp>
         <p:nvGrpSpPr>
           <p:cNvPr id="31" name="Group 30"/>
@@ -5351,7 +4922,7 @@
             <p:nvPr/>
           </p:nvPicPr>
           <p:blipFill>
-            <a:blip r:embed="rId5" cstate="print">
+            <a:blip r:embed="rId4" cstate="print">
               <a:extLst>
                 <a:ext uri="{28A0092B-C50C-407E-A947-70E740481C1C}">
                   <a14:useLocalDpi xmlns:a14="http://schemas.microsoft.com/office/drawing/2010/main" val="0"/>
@@ -5439,7 +5010,7 @@
             <p:nvPr/>
           </p:nvPicPr>
           <p:blipFill>
-            <a:blip r:embed="rId6" cstate="print">
+            <a:blip r:embed="rId5" cstate="print">
               <a:extLst>
                 <a:ext uri="{28A0092B-C50C-407E-A947-70E740481C1C}">
                   <a14:useLocalDpi xmlns:a14="http://schemas.microsoft.com/office/drawing/2010/main" val="0"/>
@@ -5611,7 +5182,7 @@
             <p:nvPr/>
           </p:nvPicPr>
           <p:blipFill>
-            <a:blip r:embed="rId7" cstate="print">
+            <a:blip r:embed="rId6" cstate="print">
               <a:extLst>
                 <a:ext uri="{28A0092B-C50C-407E-A947-70E740481C1C}">
                   <a14:useLocalDpi xmlns:a14="http://schemas.microsoft.com/office/drawing/2010/main" val="0"/>
@@ -5667,7 +5238,7 @@
                           <m:sSubSupPr>
                             <m:ctrlPr>
                               <a:rPr lang="en-US" i="1" smtClean="0">
-                                <a:latin typeface="Cambria Math" charset="0"/>
+                                <a:latin typeface="Cambria Math" panose="02040503050406030204" pitchFamily="18" charset="0"/>
                               </a:rPr>
                             </m:ctrlPr>
                           </m:sSubSupPr>
@@ -5700,7 +5271,7 @@
                           <m:dPr>
                             <m:ctrlPr>
                               <a:rPr lang="en-US" i="1" smtClean="0">
-                                <a:latin typeface="Cambria Math" charset="0"/>
+                                <a:latin typeface="Cambria Math" panose="02040503050406030204" pitchFamily="18" charset="0"/>
                               </a:rPr>
                             </m:ctrlPr>
                           </m:dPr>
@@ -6250,51 +5821,6 @@
                       </p:childTnLst>
                     </p:cTn>
                   </p:par>
-                  <p:par>
-                    <p:cTn id="25" fill="hold">
-                      <p:stCondLst>
-                        <p:cond delay="indefinite"/>
-                      </p:stCondLst>
-                      <p:childTnLst>
-                        <p:par>
-                          <p:cTn id="26" fill="hold">
-                            <p:stCondLst>
-                              <p:cond delay="0"/>
-                            </p:stCondLst>
-                            <p:childTnLst>
-                              <p:par>
-                                <p:cTn id="27" presetID="1" presetClass="entr" presetSubtype="0" fill="hold" grpId="0" nodeType="clickEffect">
-                                  <p:stCondLst>
-                                    <p:cond delay="0"/>
-                                  </p:stCondLst>
-                                  <p:childTnLst>
-                                    <p:set>
-                                      <p:cBhvr>
-                                        <p:cTn id="28" dur="1" fill="hold">
-                                          <p:stCondLst>
-                                            <p:cond delay="0"/>
-                                          </p:stCondLst>
-                                        </p:cTn>
-                                        <p:tgtEl>
-                                          <p:spTgt spid="8"/>
-                                        </p:tgtEl>
-                                        <p:attrNameLst>
-                                          <p:attrName>style.visibility</p:attrName>
-                                        </p:attrNameLst>
-                                      </p:cBhvr>
-                                      <p:to>
-                                        <p:strVal val="visible"/>
-                                      </p:to>
-                                    </p:set>
-                                  </p:childTnLst>
-                                </p:cTn>
-                              </p:par>
-                            </p:childTnLst>
-                          </p:cTn>
-                        </p:par>
-                      </p:childTnLst>
-                    </p:cTn>
-                  </p:par>
                 </p:childTnLst>
               </p:cTn>
               <p:prevCondLst>
@@ -6316,9 +5842,6 @@
         </p:cTn>
       </p:par>
     </p:tnLst>
-    <p:bldLst>
-      <p:bldP spid="8" grpId="0"/>
-    </p:bldLst>
   </p:timing>
 </p:sld>
 </file>
@@ -6380,7 +5903,7 @@
                       <m:sSubSupPr>
                         <m:ctrlPr>
                           <a:rPr lang="en-US" sz="4000" i="1" smtClean="0">
-                            <a:latin typeface="Cambria Math" charset="0"/>
+                            <a:latin typeface="Cambria Math" panose="02040503050406030204" pitchFamily="18" charset="0"/>
                           </a:rPr>
                         </m:ctrlPr>
                       </m:sSubSupPr>
@@ -6413,7 +5936,7 @@
                       <m:dPr>
                         <m:ctrlPr>
                           <a:rPr lang="en-US" sz="4000" i="1" smtClean="0">
-                            <a:latin typeface="Cambria Math" charset="0"/>
+                            <a:latin typeface="Cambria Math" panose="02040503050406030204" pitchFamily="18" charset="0"/>
                           </a:rPr>
                         </m:ctrlPr>
                       </m:dPr>
@@ -6436,7 +5959,7 @@
                       <m:sSubSupPr>
                         <m:ctrlPr>
                           <a:rPr lang="en-US" sz="4000" b="0" i="1" smtClean="0">
-                            <a:latin typeface="Cambria Math" charset="0"/>
+                            <a:latin typeface="Cambria Math" panose="02040503050406030204" pitchFamily="18" charset="0"/>
                           </a:rPr>
                         </m:ctrlPr>
                       </m:sSubSupPr>
@@ -6461,7 +5984,7 @@
                           <m:dPr>
                             <m:ctrlPr>
                               <a:rPr lang="en-US" sz="4000" b="0" i="1" smtClean="0">
-                                <a:latin typeface="Cambria Math" charset="0"/>
+                                <a:latin typeface="Cambria Math" panose="02040503050406030204" pitchFamily="18" charset="0"/>
                               </a:rPr>
                             </m:ctrlPr>
                           </m:dPr>
@@ -6480,7 +6003,7 @@
                       <m:dPr>
                         <m:ctrlPr>
                           <a:rPr lang="en-US" sz="4000" b="0" i="1" smtClean="0">
-                            <a:latin typeface="Cambria Math" charset="0"/>
+                            <a:latin typeface="Cambria Math" panose="02040503050406030204" pitchFamily="18" charset="0"/>
                           </a:rPr>
                         </m:ctrlPr>
                       </m:dPr>
@@ -6616,7 +6139,7 @@
                           <m:sSubSupPr>
                             <m:ctrlPr>
                               <a:rPr lang="en-US" i="1" smtClean="0">
-                                <a:latin typeface="Cambria Math" charset="0"/>
+                                <a:latin typeface="Cambria Math" panose="02040503050406030204" pitchFamily="18" charset="0"/>
                               </a:rPr>
                             </m:ctrlPr>
                           </m:sSubSupPr>
@@ -6649,7 +6172,7 @@
                           <m:dPr>
                             <m:ctrlPr>
                               <a:rPr lang="en-US" i="1" smtClean="0">
-                                <a:latin typeface="Cambria Math" charset="0"/>
+                                <a:latin typeface="Cambria Math" panose="02040503050406030204" pitchFamily="18" charset="0"/>
                               </a:rPr>
                             </m:ctrlPr>
                           </m:dPr>
@@ -6877,7 +6400,7 @@
                           <m:sSubSupPr>
                             <m:ctrlPr>
                               <a:rPr lang="en-US" i="1" smtClean="0">
-                                <a:latin typeface="Cambria Math" charset="0"/>
+                                <a:latin typeface="Cambria Math" panose="02040503050406030204" pitchFamily="18" charset="0"/>
                               </a:rPr>
                             </m:ctrlPr>
                           </m:sSubSupPr>
@@ -6922,7 +6445,7 @@
                           <m:dPr>
                             <m:ctrlPr>
                               <a:rPr lang="en-US" i="1" smtClean="0">
-                                <a:latin typeface="Cambria Math" charset="0"/>
+                                <a:latin typeface="Cambria Math" panose="02040503050406030204" pitchFamily="18" charset="0"/>
                               </a:rPr>
                             </m:ctrlPr>
                           </m:dPr>
@@ -7062,7 +6585,7 @@
                           <m:sSubSupPr>
                             <m:ctrlPr>
                               <a:rPr lang="en-US" i="1" smtClean="0">
-                                <a:latin typeface="Cambria Math" charset="0"/>
+                                <a:latin typeface="Cambria Math" panose="02040503050406030204" pitchFamily="18" charset="0"/>
                               </a:rPr>
                             </m:ctrlPr>
                           </m:sSubSupPr>
@@ -7107,7 +6630,7 @@
                           <m:dPr>
                             <m:ctrlPr>
                               <a:rPr lang="en-US" i="1" smtClean="0">
-                                <a:latin typeface="Cambria Math" charset="0"/>
+                                <a:latin typeface="Cambria Math" panose="02040503050406030204" pitchFamily="18" charset="0"/>
                               </a:rPr>
                             </m:ctrlPr>
                           </m:dPr>
@@ -7247,7 +6770,7 @@
                           <m:sSubSupPr>
                             <m:ctrlPr>
                               <a:rPr lang="en-US" i="1" smtClean="0">
-                                <a:latin typeface="Cambria Math" charset="0"/>
+                                <a:latin typeface="Cambria Math" panose="02040503050406030204" pitchFamily="18" charset="0"/>
                               </a:rPr>
                             </m:ctrlPr>
                           </m:sSubSupPr>
@@ -7292,7 +6815,7 @@
                           <m:dPr>
                             <m:ctrlPr>
                               <a:rPr lang="en-US" i="1" smtClean="0">
-                                <a:latin typeface="Cambria Math" charset="0"/>
+                                <a:latin typeface="Cambria Math" panose="02040503050406030204" pitchFamily="18" charset="0"/>
                               </a:rPr>
                             </m:ctrlPr>
                           </m:dPr>
@@ -7432,7 +6955,7 @@
                           <m:sSubSupPr>
                             <m:ctrlPr>
                               <a:rPr lang="en-US" i="1" smtClean="0">
-                                <a:latin typeface="Cambria Math" charset="0"/>
+                                <a:latin typeface="Cambria Math" panose="02040503050406030204" pitchFamily="18" charset="0"/>
                               </a:rPr>
                             </m:ctrlPr>
                           </m:sSubSupPr>
@@ -7477,7 +7000,7 @@
                           <m:dPr>
                             <m:ctrlPr>
                               <a:rPr lang="en-US" i="1" smtClean="0">
-                                <a:latin typeface="Cambria Math" charset="0"/>
+                                <a:latin typeface="Cambria Math" panose="02040503050406030204" pitchFamily="18" charset="0"/>
                               </a:rPr>
                             </m:ctrlPr>
                           </m:dPr>
@@ -7617,7 +7140,7 @@
                           <m:sSubSupPr>
                             <m:ctrlPr>
                               <a:rPr lang="en-US" i="1" smtClean="0">
-                                <a:latin typeface="Cambria Math" charset="0"/>
+                                <a:latin typeface="Cambria Math" panose="02040503050406030204" pitchFamily="18" charset="0"/>
                               </a:rPr>
                             </m:ctrlPr>
                           </m:sSubSupPr>
@@ -7662,7 +7185,7 @@
                           <m:dPr>
                             <m:ctrlPr>
                               <a:rPr lang="en-US" i="1" smtClean="0">
-                                <a:latin typeface="Cambria Math" charset="0"/>
+                                <a:latin typeface="Cambria Math" panose="02040503050406030204" pitchFamily="18" charset="0"/>
                               </a:rPr>
                             </m:ctrlPr>
                           </m:dPr>
@@ -8495,7 +8018,7 @@
                       <m:sSubSupPr>
                         <m:ctrlPr>
                           <a:rPr lang="en-US" sz="3600" i="1" smtClean="0">
-                            <a:latin typeface="Cambria Math" charset="0"/>
+                            <a:latin typeface="Cambria Math" panose="02040503050406030204" pitchFamily="18" charset="0"/>
                           </a:rPr>
                         </m:ctrlPr>
                       </m:sSubSupPr>
@@ -8528,7 +8051,7 @@
                       <m:dPr>
                         <m:ctrlPr>
                           <a:rPr lang="en-US" sz="3600" i="1" smtClean="0">
-                            <a:latin typeface="Cambria Math" charset="0"/>
+                            <a:latin typeface="Cambria Math" panose="02040503050406030204" pitchFamily="18" charset="0"/>
                           </a:rPr>
                         </m:ctrlPr>
                       </m:dPr>
@@ -8551,7 +8074,7 @@
                       <m:dPr>
                         <m:ctrlPr>
                           <a:rPr lang="en-US" sz="3600" b="0" i="1" smtClean="0">
-                            <a:latin typeface="Cambria Math" charset="0"/>
+                            <a:latin typeface="Cambria Math" panose="02040503050406030204" pitchFamily="18" charset="0"/>
                           </a:rPr>
                         </m:ctrlPr>
                       </m:dPr>
@@ -8663,427 +8186,6 @@
           </a:prstGeom>
         </p:spPr>
       </p:pic>
-      <mc:AlternateContent xmlns:mc="http://schemas.openxmlformats.org/markup-compatibility/2006" xmlns:a14="http://schemas.microsoft.com/office/drawing/2010/main">
-        <mc:Choice Requires="a14">
-          <p:sp>
-            <p:nvSpPr>
-              <p:cNvPr id="8" name="Content Placeholder 2"/>
-              <p:cNvSpPr txBox="1">
-                <a:spLocks/>
-              </p:cNvSpPr>
-              <p:nvPr/>
-            </p:nvSpPr>
-            <p:spPr>
-              <a:xfrm>
-                <a:off x="7518390" y="5732373"/>
-                <a:ext cx="4341254" cy="739417"/>
-              </a:xfrm>
-              <a:prstGeom prst="rect">
-                <a:avLst/>
-              </a:prstGeom>
-            </p:spPr>
-            <p:txBody>
-              <a:bodyPr vert="horz" lIns="91440" tIns="45720" rIns="91440" bIns="45720" rtlCol="0">
-                <a:normAutofit fontScale="92500"/>
-              </a:bodyPr>
-              <a:lstStyle>
-                <a:lvl1pPr marL="228600" indent="-228600" algn="l" defTabSz="914400" rtl="0" eaLnBrk="1" latinLnBrk="0" hangingPunct="1">
-                  <a:lnSpc>
-                    <a:spcPct val="90000"/>
-                  </a:lnSpc>
-                  <a:spcBef>
-                    <a:spcPts val="1000"/>
-                  </a:spcBef>
-                  <a:buFont typeface="Arial" panose="020B0604020202020204" pitchFamily="34" charset="0"/>
-                  <a:buChar char="•"/>
-                  <a:defRPr sz="2800" kern="1200">
-                    <a:solidFill>
-                      <a:schemeClr val="tx1"/>
-                    </a:solidFill>
-                    <a:latin typeface="+mn-lt"/>
-                    <a:ea typeface="+mn-ea"/>
-                    <a:cs typeface="+mn-cs"/>
-                  </a:defRPr>
-                </a:lvl1pPr>
-                <a:lvl2pPr marL="685800" indent="-228600" algn="l" defTabSz="914400" rtl="0" eaLnBrk="1" latinLnBrk="0" hangingPunct="1">
-                  <a:lnSpc>
-                    <a:spcPct val="90000"/>
-                  </a:lnSpc>
-                  <a:spcBef>
-                    <a:spcPts val="500"/>
-                  </a:spcBef>
-                  <a:buFont typeface="Arial" panose="020B0604020202020204" pitchFamily="34" charset="0"/>
-                  <a:buChar char="•"/>
-                  <a:defRPr sz="2400" kern="1200">
-                    <a:solidFill>
-                      <a:schemeClr val="tx1"/>
-                    </a:solidFill>
-                    <a:latin typeface="+mn-lt"/>
-                    <a:ea typeface="+mn-ea"/>
-                    <a:cs typeface="+mn-cs"/>
-                  </a:defRPr>
-                </a:lvl2pPr>
-                <a:lvl3pPr marL="1143000" indent="-228600" algn="l" defTabSz="914400" rtl="0" eaLnBrk="1" latinLnBrk="0" hangingPunct="1">
-                  <a:lnSpc>
-                    <a:spcPct val="90000"/>
-                  </a:lnSpc>
-                  <a:spcBef>
-                    <a:spcPts val="500"/>
-                  </a:spcBef>
-                  <a:buFont typeface="Arial" panose="020B0604020202020204" pitchFamily="34" charset="0"/>
-                  <a:buChar char="•"/>
-                  <a:defRPr sz="2000" kern="1200">
-                    <a:solidFill>
-                      <a:schemeClr val="tx1"/>
-                    </a:solidFill>
-                    <a:latin typeface="+mn-lt"/>
-                    <a:ea typeface="+mn-ea"/>
-                    <a:cs typeface="+mn-cs"/>
-                  </a:defRPr>
-                </a:lvl3pPr>
-                <a:lvl4pPr marL="1600200" indent="-228600" algn="l" defTabSz="914400" rtl="0" eaLnBrk="1" latinLnBrk="0" hangingPunct="1">
-                  <a:lnSpc>
-                    <a:spcPct val="90000"/>
-                  </a:lnSpc>
-                  <a:spcBef>
-                    <a:spcPts val="500"/>
-                  </a:spcBef>
-                  <a:buFont typeface="Arial" panose="020B0604020202020204" pitchFamily="34" charset="0"/>
-                  <a:buChar char="•"/>
-                  <a:defRPr sz="1800" kern="1200">
-                    <a:solidFill>
-                      <a:schemeClr val="tx1"/>
-                    </a:solidFill>
-                    <a:latin typeface="+mn-lt"/>
-                    <a:ea typeface="+mn-ea"/>
-                    <a:cs typeface="+mn-cs"/>
-                  </a:defRPr>
-                </a:lvl4pPr>
-                <a:lvl5pPr marL="2057400" indent="-228600" algn="l" defTabSz="914400" rtl="0" eaLnBrk="1" latinLnBrk="0" hangingPunct="1">
-                  <a:lnSpc>
-                    <a:spcPct val="90000"/>
-                  </a:lnSpc>
-                  <a:spcBef>
-                    <a:spcPts val="500"/>
-                  </a:spcBef>
-                  <a:buFont typeface="Arial" panose="020B0604020202020204" pitchFamily="34" charset="0"/>
-                  <a:buChar char="•"/>
-                  <a:defRPr sz="1800" kern="1200">
-                    <a:solidFill>
-                      <a:schemeClr val="tx1"/>
-                    </a:solidFill>
-                    <a:latin typeface="+mn-lt"/>
-                    <a:ea typeface="+mn-ea"/>
-                    <a:cs typeface="+mn-cs"/>
-                  </a:defRPr>
-                </a:lvl5pPr>
-                <a:lvl6pPr marL="2514600" indent="-228600" algn="l" defTabSz="914400" rtl="0" eaLnBrk="1" latinLnBrk="0" hangingPunct="1">
-                  <a:lnSpc>
-                    <a:spcPct val="90000"/>
-                  </a:lnSpc>
-                  <a:spcBef>
-                    <a:spcPts val="500"/>
-                  </a:spcBef>
-                  <a:buFont typeface="Arial" panose="020B0604020202020204" pitchFamily="34" charset="0"/>
-                  <a:buChar char="•"/>
-                  <a:defRPr sz="1800" kern="1200">
-                    <a:solidFill>
-                      <a:schemeClr val="tx1"/>
-                    </a:solidFill>
-                    <a:latin typeface="+mn-lt"/>
-                    <a:ea typeface="+mn-ea"/>
-                    <a:cs typeface="+mn-cs"/>
-                  </a:defRPr>
-                </a:lvl6pPr>
-                <a:lvl7pPr marL="2971800" indent="-228600" algn="l" defTabSz="914400" rtl="0" eaLnBrk="1" latinLnBrk="0" hangingPunct="1">
-                  <a:lnSpc>
-                    <a:spcPct val="90000"/>
-                  </a:lnSpc>
-                  <a:spcBef>
-                    <a:spcPts val="500"/>
-                  </a:spcBef>
-                  <a:buFont typeface="Arial" panose="020B0604020202020204" pitchFamily="34" charset="0"/>
-                  <a:buChar char="•"/>
-                  <a:defRPr sz="1800" kern="1200">
-                    <a:solidFill>
-                      <a:schemeClr val="tx1"/>
-                    </a:solidFill>
-                    <a:latin typeface="+mn-lt"/>
-                    <a:ea typeface="+mn-ea"/>
-                    <a:cs typeface="+mn-cs"/>
-                  </a:defRPr>
-                </a:lvl7pPr>
-                <a:lvl8pPr marL="3429000" indent="-228600" algn="l" defTabSz="914400" rtl="0" eaLnBrk="1" latinLnBrk="0" hangingPunct="1">
-                  <a:lnSpc>
-                    <a:spcPct val="90000"/>
-                  </a:lnSpc>
-                  <a:spcBef>
-                    <a:spcPts val="500"/>
-                  </a:spcBef>
-                  <a:buFont typeface="Arial" panose="020B0604020202020204" pitchFamily="34" charset="0"/>
-                  <a:buChar char="•"/>
-                  <a:defRPr sz="1800" kern="1200">
-                    <a:solidFill>
-                      <a:schemeClr val="tx1"/>
-                    </a:solidFill>
-                    <a:latin typeface="+mn-lt"/>
-                    <a:ea typeface="+mn-ea"/>
-                    <a:cs typeface="+mn-cs"/>
-                  </a:defRPr>
-                </a:lvl8pPr>
-                <a:lvl9pPr marL="3886200" indent="-228600" algn="l" defTabSz="914400" rtl="0" eaLnBrk="1" latinLnBrk="0" hangingPunct="1">
-                  <a:lnSpc>
-                    <a:spcPct val="90000"/>
-                  </a:lnSpc>
-                  <a:spcBef>
-                    <a:spcPts val="500"/>
-                  </a:spcBef>
-                  <a:buFont typeface="Arial" panose="020B0604020202020204" pitchFamily="34" charset="0"/>
-                  <a:buChar char="•"/>
-                  <a:defRPr sz="1800" kern="1200">
-                    <a:solidFill>
-                      <a:schemeClr val="tx1"/>
-                    </a:solidFill>
-                    <a:latin typeface="+mn-lt"/>
-                    <a:ea typeface="+mn-ea"/>
-                    <a:cs typeface="+mn-cs"/>
-                  </a:defRPr>
-                </a:lvl9pPr>
-              </a:lstStyle>
-              <a:p>
-                <a:pPr marL="0" indent="0">
-                  <a:buFont typeface="Arial" panose="020B0604020202020204" pitchFamily="34" charset="0"/>
-                  <a:buNone/>
-                </a:pPr>
-                <a14:m>
-                  <m:oMathPara xmlns:m="http://schemas.openxmlformats.org/officeDocument/2006/math">
-                    <m:oMathParaPr>
-                      <m:jc m:val="centerGroup"/>
-                    </m:oMathParaPr>
-                    <m:oMath xmlns:m="http://schemas.openxmlformats.org/officeDocument/2006/math">
-                      <m:sSubSup>
-                        <m:sSubSupPr>
-                          <m:ctrlPr>
-                            <a:rPr lang="en-US" sz="3000" i="1" smtClean="0">
-                              <a:latin typeface="Cambria Math" charset="0"/>
-                            </a:rPr>
-                          </m:ctrlPr>
-                        </m:sSubSupPr>
-                        <m:e>
-                          <m:r>
-                            <a:rPr lang="en-US" sz="3000" b="0" i="1" smtClean="0">
-                              <a:latin typeface="Cambria Math" panose="02040503050406030204" pitchFamily="18" charset="0"/>
-                            </a:rPr>
-                            <m:t>𝐸</m:t>
-                          </m:r>
-                        </m:e>
-                        <m:sub>
-                          <m:r>
-                            <a:rPr lang="en-US" sz="3000" i="1">
-                              <a:latin typeface="Cambria Math" panose="02040503050406030204" pitchFamily="18" charset="0"/>
-                            </a:rPr>
-                            <m:t>𝐺</m:t>
-                          </m:r>
-                        </m:sub>
-                        <m:sup>
-                          <m:r>
-                            <a:rPr lang="en-US" sz="3000" i="1">
-                              <a:latin typeface="Cambria Math" panose="02040503050406030204" pitchFamily="18" charset="0"/>
-                            </a:rPr>
-                            <m:t>(</m:t>
-                          </m:r>
-                          <m:r>
-                            <a:rPr lang="en-US" sz="3000" i="1">
-                              <a:latin typeface="Cambria Math" panose="02040503050406030204" pitchFamily="18" charset="0"/>
-                            </a:rPr>
-                            <m:t>𝑛</m:t>
-                          </m:r>
-                          <m:r>
-                            <a:rPr lang="en-US" sz="3000" i="1">
-                              <a:latin typeface="Cambria Math" panose="02040503050406030204" pitchFamily="18" charset="0"/>
-                            </a:rPr>
-                            <m:t>)</m:t>
-                          </m:r>
-                        </m:sup>
-                      </m:sSubSup>
-                      <m:d>
-                        <m:dPr>
-                          <m:ctrlPr>
-                            <a:rPr lang="en-US" sz="3000" i="1">
-                              <a:latin typeface="Cambria Math" charset="0"/>
-                            </a:rPr>
-                          </m:ctrlPr>
-                        </m:dPr>
-                        <m:e>
-                          <m:r>
-                            <a:rPr lang="en-US" sz="3000" i="1">
-                              <a:latin typeface="Cambria Math" panose="02040503050406030204" pitchFamily="18" charset="0"/>
-                            </a:rPr>
-                            <m:t>𝐹</m:t>
-                          </m:r>
-                        </m:e>
-                      </m:d>
-                      <m:r>
-                        <a:rPr lang="en-US" sz="3000" i="1">
-                          <a:latin typeface="Cambria Math" panose="02040503050406030204" pitchFamily="18" charset="0"/>
-                        </a:rPr>
-                        <m:t>=</m:t>
-                      </m:r>
-                      <m:sSubSup>
-                        <m:sSubSupPr>
-                          <m:ctrlPr>
-                            <a:rPr lang="en-US" sz="3000" i="1">
-                              <a:latin typeface="Cambria Math" charset="0"/>
-                            </a:rPr>
-                          </m:ctrlPr>
-                        </m:sSubSupPr>
-                        <m:e>
-                          <m:r>
-                            <a:rPr lang="en-US" sz="3000" b="0" i="1" smtClean="0">
-                              <a:latin typeface="Cambria Math" panose="02040503050406030204" pitchFamily="18" charset="0"/>
-                            </a:rPr>
-                            <m:t>𝐸</m:t>
-                          </m:r>
-                        </m:e>
-                        <m:sub>
-                          <m:r>
-                            <a:rPr lang="en-US" sz="3000" i="1">
-                              <a:latin typeface="Cambria Math" panose="02040503050406030204" pitchFamily="18" charset="0"/>
-                            </a:rPr>
-                            <m:t>𝐺</m:t>
-                          </m:r>
-                        </m:sub>
-                        <m:sup>
-                          <m:r>
-                            <a:rPr lang="en-US" sz="3000" i="1">
-                              <a:latin typeface="Cambria Math" panose="02040503050406030204" pitchFamily="18" charset="0"/>
-                            </a:rPr>
-                            <m:t>(1)</m:t>
-                          </m:r>
-                        </m:sup>
-                      </m:sSubSup>
-                      <m:d>
-                        <m:dPr>
-                          <m:begChr m:val="["/>
-                          <m:endChr m:val="]"/>
-                          <m:ctrlPr>
-                            <a:rPr lang="en-US" sz="3000" i="1">
-                              <a:latin typeface="Cambria Math" charset="0"/>
-                            </a:rPr>
-                          </m:ctrlPr>
-                        </m:dPr>
-                        <m:e>
-                          <m:sSubSup>
-                            <m:sSubSupPr>
-                              <m:ctrlPr>
-                                <a:rPr lang="en-US" sz="3000" i="1">
-                                  <a:latin typeface="Cambria Math" charset="0"/>
-                                </a:rPr>
-                              </m:ctrlPr>
-                            </m:sSubSupPr>
-                            <m:e>
-                              <m:r>
-                                <a:rPr lang="en-US" sz="3000" b="0" i="1" smtClean="0">
-                                  <a:latin typeface="Cambria Math" panose="02040503050406030204" pitchFamily="18" charset="0"/>
-                                </a:rPr>
-                                <m:t>𝐸</m:t>
-                              </m:r>
-                            </m:e>
-                            <m:sub>
-                              <m:r>
-                                <a:rPr lang="en-US" sz="3000" i="1">
-                                  <a:latin typeface="Cambria Math" panose="02040503050406030204" pitchFamily="18" charset="0"/>
-                                </a:rPr>
-                                <m:t>𝐺</m:t>
-                              </m:r>
-                            </m:sub>
-                            <m:sup>
-                              <m:r>
-                                <a:rPr lang="en-US" sz="3000" i="1">
-                                  <a:latin typeface="Cambria Math" panose="02040503050406030204" pitchFamily="18" charset="0"/>
-                                </a:rPr>
-                                <m:t>(</m:t>
-                              </m:r>
-                              <m:r>
-                                <a:rPr lang="en-US" sz="3000" i="1">
-                                  <a:latin typeface="Cambria Math" panose="02040503050406030204" pitchFamily="18" charset="0"/>
-                                </a:rPr>
-                                <m:t>𝑛</m:t>
-                              </m:r>
-                              <m:r>
-                                <a:rPr lang="en-US" sz="3000" i="1">
-                                  <a:latin typeface="Cambria Math" panose="02040503050406030204" pitchFamily="18" charset="0"/>
-                                </a:rPr>
-                                <m:t>−1)</m:t>
-                              </m:r>
-                            </m:sup>
-                          </m:sSubSup>
-                          <m:d>
-                            <m:dPr>
-                              <m:ctrlPr>
-                                <a:rPr lang="en-US" sz="3000" i="1">
-                                  <a:latin typeface="Cambria Math" charset="0"/>
-                                </a:rPr>
-                              </m:ctrlPr>
-                            </m:dPr>
-                            <m:e>
-                              <m:r>
-                                <a:rPr lang="en-US" sz="3000" i="1">
-                                  <a:latin typeface="Cambria Math" panose="02040503050406030204" pitchFamily="18" charset="0"/>
-                                </a:rPr>
-                                <m:t>𝐹</m:t>
-                              </m:r>
-                            </m:e>
-                          </m:d>
-                        </m:e>
-                      </m:d>
-                    </m:oMath>
-                  </m:oMathPara>
-                </a14:m>
-                <a:endParaRPr lang="en-US" dirty="0"/>
-              </a:p>
-            </p:txBody>
-          </p:sp>
-        </mc:Choice>
-        <mc:Fallback xmlns="">
-          <p:sp>
-            <p:nvSpPr>
-              <p:cNvPr id="8" name="Content Placeholder 2"/>
-              <p:cNvSpPr txBox="1">
-                <a:spLocks noRot="1" noChangeAspect="1" noMove="1" noResize="1" noEditPoints="1" noAdjustHandles="1" noChangeArrowheads="1" noChangeShapeType="1" noTextEdit="1"/>
-              </p:cNvSpPr>
-              <p:nvPr/>
-            </p:nvSpPr>
-            <p:spPr>
-              <a:xfrm>
-                <a:off x="7518390" y="5732373"/>
-                <a:ext cx="4341254" cy="739417"/>
-              </a:xfrm>
-              <a:prstGeom prst="rect">
-                <a:avLst/>
-              </a:prstGeom>
-              <a:blipFill rotWithShape="0">
-                <a:blip r:embed="rId4"/>
-                <a:stretch>
-                  <a:fillRect/>
-                </a:stretch>
-              </a:blipFill>
-            </p:spPr>
-            <p:txBody>
-              <a:bodyPr/>
-              <a:lstStyle/>
-              <a:p>
-                <a:r>
-                  <a:rPr lang="en-US">
-                    <a:noFill/>
-                  </a:rPr>
-                  <a:t> </a:t>
-                </a:r>
-              </a:p>
-            </p:txBody>
-          </p:sp>
-        </mc:Fallback>
-      </mc:AlternateContent>
       <p:grpSp>
         <p:nvGrpSpPr>
           <p:cNvPr id="31" name="Group 30"/>
@@ -9107,7 +8209,7 @@
             <p:nvPr/>
           </p:nvPicPr>
           <p:blipFill>
-            <a:blip r:embed="rId5" cstate="print">
+            <a:blip r:embed="rId4" cstate="print">
               <a:extLst>
                 <a:ext uri="{28A0092B-C50C-407E-A947-70E740481C1C}">
                   <a14:useLocalDpi xmlns:a14="http://schemas.microsoft.com/office/drawing/2010/main" val="0"/>
@@ -9195,7 +8297,7 @@
             <p:nvPr/>
           </p:nvPicPr>
           <p:blipFill>
-            <a:blip r:embed="rId6" cstate="print">
+            <a:blip r:embed="rId5" cstate="print">
               <a:extLst>
                 <a:ext uri="{28A0092B-C50C-407E-A947-70E740481C1C}">
                   <a14:useLocalDpi xmlns:a14="http://schemas.microsoft.com/office/drawing/2010/main" val="0"/>
@@ -9367,7 +8469,7 @@
             <p:nvPr/>
           </p:nvPicPr>
           <p:blipFill>
-            <a:blip r:embed="rId7" cstate="print">
+            <a:blip r:embed="rId6" cstate="print">
               <a:extLst>
                 <a:ext uri="{28A0092B-C50C-407E-A947-70E740481C1C}">
                   <a14:useLocalDpi xmlns:a14="http://schemas.microsoft.com/office/drawing/2010/main" val="0"/>
@@ -9423,7 +8525,7 @@
                           <m:sSubSupPr>
                             <m:ctrlPr>
                               <a:rPr lang="en-US" i="1" smtClean="0">
-                                <a:latin typeface="Cambria Math" charset="0"/>
+                                <a:latin typeface="Cambria Math" panose="02040503050406030204" pitchFamily="18" charset="0"/>
                               </a:rPr>
                             </m:ctrlPr>
                           </m:sSubSupPr>
@@ -9456,7 +8558,7 @@
                           <m:dPr>
                             <m:ctrlPr>
                               <a:rPr lang="en-US" i="1" smtClean="0">
-                                <a:latin typeface="Cambria Math" charset="0"/>
+                                <a:latin typeface="Cambria Math" panose="02040503050406030204" pitchFamily="18" charset="0"/>
                               </a:rPr>
                             </m:ctrlPr>
                           </m:dPr>
@@ -10006,51 +9108,6 @@
                       </p:childTnLst>
                     </p:cTn>
                   </p:par>
-                  <p:par>
-                    <p:cTn id="25" fill="hold">
-                      <p:stCondLst>
-                        <p:cond delay="indefinite"/>
-                      </p:stCondLst>
-                      <p:childTnLst>
-                        <p:par>
-                          <p:cTn id="26" fill="hold">
-                            <p:stCondLst>
-                              <p:cond delay="0"/>
-                            </p:stCondLst>
-                            <p:childTnLst>
-                              <p:par>
-                                <p:cTn id="27" presetID="1" presetClass="entr" presetSubtype="0" fill="hold" grpId="0" nodeType="clickEffect">
-                                  <p:stCondLst>
-                                    <p:cond delay="0"/>
-                                  </p:stCondLst>
-                                  <p:childTnLst>
-                                    <p:set>
-                                      <p:cBhvr>
-                                        <p:cTn id="28" dur="1" fill="hold">
-                                          <p:stCondLst>
-                                            <p:cond delay="0"/>
-                                          </p:stCondLst>
-                                        </p:cTn>
-                                        <p:tgtEl>
-                                          <p:spTgt spid="8"/>
-                                        </p:tgtEl>
-                                        <p:attrNameLst>
-                                          <p:attrName>style.visibility</p:attrName>
-                                        </p:attrNameLst>
-                                      </p:cBhvr>
-                                      <p:to>
-                                        <p:strVal val="visible"/>
-                                      </p:to>
-                                    </p:set>
-                                  </p:childTnLst>
-                                </p:cTn>
-                              </p:par>
-                            </p:childTnLst>
-                          </p:cTn>
-                        </p:par>
-                      </p:childTnLst>
-                    </p:cTn>
-                  </p:par>
                 </p:childTnLst>
               </p:cTn>
               <p:prevCondLst>
@@ -10072,9 +9129,6 @@
         </p:cTn>
       </p:par>
     </p:tnLst>
-    <p:bldLst>
-      <p:bldP spid="8" grpId="0"/>
-    </p:bldLst>
   </p:timing>
 </p:sld>
 </file>
@@ -10133,7 +9187,7 @@
                       <m:sSubSupPr>
                         <m:ctrlPr>
                           <a:rPr lang="en-US" sz="4000" i="1" smtClean="0">
-                            <a:latin typeface="Cambria Math" charset="0"/>
+                            <a:latin typeface="Cambria Math" panose="02040503050406030204" pitchFamily="18" charset="0"/>
                           </a:rPr>
                         </m:ctrlPr>
                       </m:sSubSupPr>
@@ -10166,7 +9220,7 @@
                       <m:dPr>
                         <m:ctrlPr>
                           <a:rPr lang="en-US" sz="4000" i="1" smtClean="0">
-                            <a:latin typeface="Cambria Math" charset="0"/>
+                            <a:latin typeface="Cambria Math" panose="02040503050406030204" pitchFamily="18" charset="0"/>
                           </a:rPr>
                         </m:ctrlPr>
                       </m:dPr>
@@ -10189,7 +9243,7 @@
                       <m:sSubSupPr>
                         <m:ctrlPr>
                           <a:rPr lang="en-US" sz="4000" b="0" i="1" smtClean="0">
-                            <a:latin typeface="Cambria Math" charset="0"/>
+                            <a:latin typeface="Cambria Math" panose="02040503050406030204" pitchFamily="18" charset="0"/>
                           </a:rPr>
                         </m:ctrlPr>
                       </m:sSubSupPr>
@@ -10214,7 +9268,7 @@
                           <m:dPr>
                             <m:ctrlPr>
                               <a:rPr lang="en-US" sz="4000" b="0" i="1" smtClean="0">
-                                <a:latin typeface="Cambria Math" charset="0"/>
+                                <a:latin typeface="Cambria Math" panose="02040503050406030204" pitchFamily="18" charset="0"/>
                               </a:rPr>
                             </m:ctrlPr>
                           </m:dPr>
@@ -10233,7 +9287,7 @@
                       <m:dPr>
                         <m:ctrlPr>
                           <a:rPr lang="en-US" sz="4000" b="0" i="1" smtClean="0">
-                            <a:latin typeface="Cambria Math" charset="0"/>
+                            <a:latin typeface="Cambria Math" panose="02040503050406030204" pitchFamily="18" charset="0"/>
                           </a:rPr>
                         </m:ctrlPr>
                       </m:dPr>
@@ -10366,7 +9420,7 @@
                           <m:sSubSupPr>
                             <m:ctrlPr>
                               <a:rPr lang="en-US" i="1" smtClean="0">
-                                <a:latin typeface="Cambria Math" charset="0"/>
+                                <a:latin typeface="Cambria Math" panose="02040503050406030204" pitchFamily="18" charset="0"/>
                               </a:rPr>
                             </m:ctrlPr>
                           </m:sSubSupPr>
@@ -10399,7 +9453,7 @@
                           <m:dPr>
                             <m:ctrlPr>
                               <a:rPr lang="en-US" i="1" smtClean="0">
-                                <a:latin typeface="Cambria Math" charset="0"/>
+                                <a:latin typeface="Cambria Math" panose="02040503050406030204" pitchFamily="18" charset="0"/>
                               </a:rPr>
                             </m:ctrlPr>
                           </m:dPr>
@@ -10627,7 +9681,7 @@
                           <m:sSubSupPr>
                             <m:ctrlPr>
                               <a:rPr lang="en-US" i="1" smtClean="0">
-                                <a:latin typeface="Cambria Math" charset="0"/>
+                                <a:latin typeface="Cambria Math" panose="02040503050406030204" pitchFamily="18" charset="0"/>
                               </a:rPr>
                             </m:ctrlPr>
                           </m:sSubSupPr>
@@ -10672,7 +9726,7 @@
                           <m:dPr>
                             <m:ctrlPr>
                               <a:rPr lang="en-US" i="1" smtClean="0">
-                                <a:latin typeface="Cambria Math" charset="0"/>
+                                <a:latin typeface="Cambria Math" panose="02040503050406030204" pitchFamily="18" charset="0"/>
                               </a:rPr>
                             </m:ctrlPr>
                           </m:dPr>
@@ -10812,7 +9866,7 @@
                           <m:sSubSupPr>
                             <m:ctrlPr>
                               <a:rPr lang="en-US" i="1" smtClean="0">
-                                <a:latin typeface="Cambria Math" charset="0"/>
+                                <a:latin typeface="Cambria Math" panose="02040503050406030204" pitchFamily="18" charset="0"/>
                               </a:rPr>
                             </m:ctrlPr>
                           </m:sSubSupPr>
@@ -10857,7 +9911,7 @@
                           <m:dPr>
                             <m:ctrlPr>
                               <a:rPr lang="en-US" i="1" smtClean="0">
-                                <a:latin typeface="Cambria Math" charset="0"/>
+                                <a:latin typeface="Cambria Math" panose="02040503050406030204" pitchFamily="18" charset="0"/>
                               </a:rPr>
                             </m:ctrlPr>
                           </m:dPr>
@@ -11399,7 +10453,7 @@
                         <m:sSubSupPr>
                           <m:ctrlPr>
                             <a:rPr lang="en-US" sz="3600" i="1" smtClean="0">
-                              <a:latin typeface="Cambria Math" charset="0"/>
+                              <a:latin typeface="Cambria Math" panose="02040503050406030204" pitchFamily="18" charset="0"/>
                             </a:rPr>
                           </m:ctrlPr>
                         </m:sSubSupPr>
@@ -11444,7 +10498,7 @@
                         <m:dPr>
                           <m:ctrlPr>
                             <a:rPr lang="en-US" sz="3600" i="1" smtClean="0">
-                              <a:latin typeface="Cambria Math" charset="0"/>
+                              <a:latin typeface="Cambria Math" panose="02040503050406030204" pitchFamily="18" charset="0"/>
                             </a:rPr>
                           </m:ctrlPr>
                         </m:dPr>
@@ -11467,7 +10521,7 @@
                         <m:sSubSupPr>
                           <m:ctrlPr>
                             <a:rPr lang="en-US" sz="3600" b="0" i="1" smtClean="0">
-                              <a:latin typeface="Cambria Math" charset="0"/>
+                              <a:latin typeface="Cambria Math" panose="02040503050406030204" pitchFamily="18" charset="0"/>
                             </a:rPr>
                           </m:ctrlPr>
                         </m:sSubSupPr>
@@ -11502,7 +10556,7 @@
                           <m:endChr m:val="]"/>
                           <m:ctrlPr>
                             <a:rPr lang="en-US" sz="3600" b="0" i="1" smtClean="0">
-                              <a:latin typeface="Cambria Math" charset="0"/>
+                              <a:latin typeface="Cambria Math" panose="02040503050406030204" pitchFamily="18" charset="0"/>
                             </a:rPr>
                           </m:ctrlPr>
                         </m:dPr>
@@ -11511,7 +10565,7 @@
                             <m:dPr>
                               <m:ctrlPr>
                                 <a:rPr lang="en-US" sz="3600" b="0" i="1" smtClean="0">
-                                  <a:latin typeface="Cambria Math" charset="0"/>
+                                  <a:latin typeface="Cambria Math" panose="02040503050406030204" pitchFamily="18" charset="0"/>
                                 </a:rPr>
                               </m:ctrlPr>
                             </m:dPr>
@@ -12317,7 +11371,7 @@
                         <m:dPr>
                           <m:ctrlPr>
                             <a:rPr lang="en-US" b="0" i="1" smtClean="0">
-                              <a:latin typeface="Cambria Math" charset="0"/>
+                              <a:latin typeface="Cambria Math" panose="02040503050406030204" pitchFamily="18" charset="0"/>
                             </a:rPr>
                           </m:ctrlPr>
                         </m:dPr>
@@ -12354,7 +11408,7 @@
                           <m:endChr m:val=""/>
                           <m:ctrlPr>
                             <a:rPr lang="en-US" b="0" i="1" smtClean="0">
-                              <a:latin typeface="Cambria Math" charset="0"/>
+                              <a:latin typeface="Cambria Math" panose="02040503050406030204" pitchFamily="18" charset="0"/>
                             </a:rPr>
                           </m:ctrlPr>
                         </m:dPr>
@@ -12363,7 +11417,7 @@
                             <m:eqArrPr>
                               <m:ctrlPr>
                                 <a:rPr lang="en-US" b="0" i="1" smtClean="0">
-                                  <a:latin typeface="Cambria Math" charset="0"/>
+                                  <a:latin typeface="Cambria Math" panose="02040503050406030204" pitchFamily="18" charset="0"/>
                                 </a:rPr>
                               </m:ctrlPr>
                             </m:eqArrPr>
@@ -12384,7 +11438,7 @@
                                 <m:dPr>
                                   <m:ctrlPr>
                                     <a:rPr lang="en-US" b="0" i="1" smtClean="0">
-                                      <a:latin typeface="Cambria Math" charset="0"/>
+                                      <a:latin typeface="Cambria Math" panose="02040503050406030204" pitchFamily="18" charset="0"/>
                                     </a:rPr>
                                   </m:ctrlPr>
                                 </m:dPr>
@@ -12529,7 +11583,7 @@
                       <m:sSupPr>
                         <m:ctrlPr>
                           <a:rPr lang="en-US" b="0" i="1" smtClean="0">
-                            <a:latin typeface="Cambria Math" charset="0"/>
+                            <a:latin typeface="Cambria Math" panose="02040503050406030204" pitchFamily="18" charset="0"/>
                           </a:rPr>
                         </m:ctrlPr>
                       </m:sSupPr>
@@ -12540,7 +11594,7 @@
                             <m:endChr m:val="]"/>
                             <m:ctrlPr>
                               <a:rPr lang="en-US" b="0" i="1" smtClean="0">
-                                <a:latin typeface="Cambria Math" charset="0"/>
+                                <a:latin typeface="Cambria Math" panose="02040503050406030204" pitchFamily="18" charset="0"/>
                               </a:rPr>
                             </m:ctrlPr>
                           </m:dPr>
@@ -12549,7 +11603,7 @@
                               <m:sSubSupPr>
                                 <m:ctrlPr>
                                   <a:rPr lang="en-US" b="0" i="1" smtClean="0">
-                                    <a:latin typeface="Cambria Math" charset="0"/>
+                                    <a:latin typeface="Cambria Math" panose="02040503050406030204" pitchFamily="18" charset="0"/>
                                   </a:rPr>
                                 </m:ctrlPr>
                               </m:sSubSupPr>
@@ -12566,7 +11620,7 @@
                                   <m:sSupPr>
                                     <m:ctrlPr>
                                       <a:rPr lang="en-US" b="0" i="1" smtClean="0">
-                                        <a:latin typeface="Cambria Math" charset="0"/>
+                                        <a:latin typeface="Cambria Math" panose="02040503050406030204" pitchFamily="18" charset="0"/>
                                       </a:rPr>
                                     </m:ctrlPr>
                                   </m:sSupPr>
@@ -12601,7 +11655,7 @@
                               <m:dPr>
                                 <m:ctrlPr>
                                   <a:rPr lang="en-US" b="0" i="1" smtClean="0">
-                                    <a:latin typeface="Cambria Math" charset="0"/>
+                                    <a:latin typeface="Cambria Math" panose="02040503050406030204" pitchFamily="18" charset="0"/>
                                   </a:rPr>
                                 </m:ctrlPr>
                               </m:dPr>
@@ -13019,7 +12073,7 @@
                           <m:sSupPr>
                             <m:ctrlPr>
                               <a:rPr lang="en-US" i="1" smtClean="0">
-                                <a:latin typeface="Cambria Math" charset="0"/>
+                                <a:latin typeface="Cambria Math" panose="02040503050406030204" pitchFamily="18" charset="0"/>
                               </a:rPr>
                             </m:ctrlPr>
                           </m:sSupPr>
@@ -13333,7 +12387,7 @@
                           <m:sSupPr>
                             <m:ctrlPr>
                               <a:rPr lang="en-US" i="1" smtClean="0">
-                                <a:latin typeface="Cambria Math" charset="0"/>
+                                <a:latin typeface="Cambria Math" panose="02040503050406030204" pitchFamily="18" charset="0"/>
                               </a:rPr>
                             </m:ctrlPr>
                           </m:sSupPr>
@@ -13446,11 +12500,7 @@
                                           </p:stCondLst>
                                         </p:cTn>
                                         <p:tgtEl>
-                                          <p:spTgt spid="24">
-                                            <p:txEl>
-                                              <p:pRg st="2" end="2"/>
-                                            </p:txEl>
-                                          </p:spTgt>
+                                          <p:spTgt spid="41"/>
                                         </p:tgtEl>
                                         <p:attrNameLst>
                                           <p:attrName>style.visibility</p:attrName>
@@ -13495,7 +12545,7 @@
                                           </p:stCondLst>
                                         </p:cTn>
                                         <p:tgtEl>
-                                          <p:spTgt spid="28"/>
+                                          <p:spTgt spid="44"/>
                                         </p:tgtEl>
                                         <p:attrNameLst>
                                           <p:attrName>style.visibility</p:attrName>
@@ -13540,7 +12590,7 @@
                                           </p:stCondLst>
                                         </p:cTn>
                                         <p:tgtEl>
-                                          <p:spTgt spid="41"/>
+                                          <p:spTgt spid="47"/>
                                         </p:tgtEl>
                                         <p:attrNameLst>
                                           <p:attrName>style.visibility</p:attrName>
@@ -13580,96 +12630,6 @@
                                     <p:set>
                                       <p:cBhvr>
                                         <p:cTn id="18" dur="1" fill="hold">
-                                          <p:stCondLst>
-                                            <p:cond delay="0"/>
-                                          </p:stCondLst>
-                                        </p:cTn>
-                                        <p:tgtEl>
-                                          <p:spTgt spid="44"/>
-                                        </p:tgtEl>
-                                        <p:attrNameLst>
-                                          <p:attrName>style.visibility</p:attrName>
-                                        </p:attrNameLst>
-                                      </p:cBhvr>
-                                      <p:to>
-                                        <p:strVal val="visible"/>
-                                      </p:to>
-                                    </p:set>
-                                  </p:childTnLst>
-                                </p:cTn>
-                              </p:par>
-                            </p:childTnLst>
-                          </p:cTn>
-                        </p:par>
-                      </p:childTnLst>
-                    </p:cTn>
-                  </p:par>
-                  <p:par>
-                    <p:cTn id="19" fill="hold">
-                      <p:stCondLst>
-                        <p:cond delay="indefinite"/>
-                      </p:stCondLst>
-                      <p:childTnLst>
-                        <p:par>
-                          <p:cTn id="20" fill="hold">
-                            <p:stCondLst>
-                              <p:cond delay="0"/>
-                            </p:stCondLst>
-                            <p:childTnLst>
-                              <p:par>
-                                <p:cTn id="21" presetID="1" presetClass="entr" presetSubtype="0" fill="hold" nodeType="clickEffect">
-                                  <p:stCondLst>
-                                    <p:cond delay="0"/>
-                                  </p:stCondLst>
-                                  <p:childTnLst>
-                                    <p:set>
-                                      <p:cBhvr>
-                                        <p:cTn id="22" dur="1" fill="hold">
-                                          <p:stCondLst>
-                                            <p:cond delay="0"/>
-                                          </p:stCondLst>
-                                        </p:cTn>
-                                        <p:tgtEl>
-                                          <p:spTgt spid="47"/>
-                                        </p:tgtEl>
-                                        <p:attrNameLst>
-                                          <p:attrName>style.visibility</p:attrName>
-                                        </p:attrNameLst>
-                                      </p:cBhvr>
-                                      <p:to>
-                                        <p:strVal val="visible"/>
-                                      </p:to>
-                                    </p:set>
-                                  </p:childTnLst>
-                                </p:cTn>
-                              </p:par>
-                            </p:childTnLst>
-                          </p:cTn>
-                        </p:par>
-                      </p:childTnLst>
-                    </p:cTn>
-                  </p:par>
-                  <p:par>
-                    <p:cTn id="23" fill="hold">
-                      <p:stCondLst>
-                        <p:cond delay="indefinite"/>
-                      </p:stCondLst>
-                      <p:childTnLst>
-                        <p:par>
-                          <p:cTn id="24" fill="hold">
-                            <p:stCondLst>
-                              <p:cond delay="0"/>
-                            </p:stCondLst>
-                            <p:childTnLst>
-                              <p:par>
-                                <p:cTn id="25" presetID="1" presetClass="entr" presetSubtype="0" fill="hold" nodeType="clickEffect">
-                                  <p:stCondLst>
-                                    <p:cond delay="0"/>
-                                  </p:stCondLst>
-                                  <p:childTnLst>
-                                    <p:set>
-                                      <p:cBhvr>
-                                        <p:cTn id="26" dur="1" fill="hold">
                                           <p:stCondLst>
                                             <p:cond delay="0"/>
                                           </p:stCondLst>
@@ -14395,7 +13355,7 @@
                         <m:dPr>
                           <m:ctrlPr>
                             <a:rPr lang="en-US" b="0" i="1" smtClean="0">
-                              <a:latin typeface="Cambria Math" charset="0"/>
+                              <a:latin typeface="Cambria Math" panose="02040503050406030204" pitchFamily="18" charset="0"/>
                             </a:rPr>
                           </m:ctrlPr>
                         </m:dPr>
@@ -14432,7 +13392,7 @@
                           <m:endChr m:val=""/>
                           <m:ctrlPr>
                             <a:rPr lang="en-US" b="0" i="1" smtClean="0">
-                              <a:latin typeface="Cambria Math" charset="0"/>
+                              <a:latin typeface="Cambria Math" panose="02040503050406030204" pitchFamily="18" charset="0"/>
                             </a:rPr>
                           </m:ctrlPr>
                         </m:dPr>
@@ -14441,7 +13401,7 @@
                             <m:eqArrPr>
                               <m:ctrlPr>
                                 <a:rPr lang="en-US" b="0" i="1" smtClean="0">
-                                  <a:latin typeface="Cambria Math" charset="0"/>
+                                  <a:latin typeface="Cambria Math" panose="02040503050406030204" pitchFamily="18" charset="0"/>
                                 </a:rPr>
                               </m:ctrlPr>
                             </m:eqArrPr>
@@ -14456,7 +13416,7 @@
                                 <m:dPr>
                                   <m:ctrlPr>
                                     <a:rPr lang="en-US" b="0" i="1" smtClean="0">
-                                      <a:latin typeface="Cambria Math" charset="0"/>
+                                      <a:latin typeface="Cambria Math" panose="02040503050406030204" pitchFamily="18" charset="0"/>
                                     </a:rPr>
                                   </m:ctrlPr>
                                 </m:dPr>
@@ -14621,7 +13581,7 @@
                       <m:sSubSupPr>
                         <m:ctrlPr>
                           <a:rPr lang="en-US" b="0" i="1" smtClean="0">
-                            <a:latin typeface="Cambria Math" charset="0"/>
+                            <a:latin typeface="Cambria Math" panose="02040503050406030204" pitchFamily="18" charset="0"/>
                           </a:rPr>
                         </m:ctrlPr>
                       </m:sSubSupPr>
@@ -14654,7 +13614,7 @@
                       <m:dPr>
                         <m:ctrlPr>
                           <a:rPr lang="en-US" b="0" i="1" smtClean="0">
-                            <a:latin typeface="Cambria Math" charset="0"/>
+                            <a:latin typeface="Cambria Math" panose="02040503050406030204" pitchFamily="18" charset="0"/>
                           </a:rPr>
                         </m:ctrlPr>
                       </m:dPr>
@@ -14903,7 +13863,7 @@
                             <m:sSubSupPr>
                               <m:ctrlPr>
                                 <a:rPr lang="en-US" sz="2400" i="1" smtClean="0">
-                                  <a:latin typeface="Cambria Math" charset="0"/>
+                                  <a:latin typeface="Cambria Math" panose="02040503050406030204" pitchFamily="18" charset="0"/>
                                 </a:rPr>
                               </m:ctrlPr>
                             </m:sSubSupPr>
@@ -14936,7 +13896,7 @@
                             <m:dPr>
                               <m:ctrlPr>
                                 <a:rPr lang="en-US" sz="2400" i="1" smtClean="0">
-                                  <a:latin typeface="Cambria Math" charset="0"/>
+                                  <a:latin typeface="Cambria Math" panose="02040503050406030204" pitchFamily="18" charset="0"/>
                                 </a:rPr>
                               </m:ctrlPr>
                             </m:dPr>
@@ -15136,7 +14096,7 @@
                             <m:sSubSupPr>
                               <m:ctrlPr>
                                 <a:rPr lang="en-US" sz="2400" i="1" smtClean="0">
-                                  <a:latin typeface="Cambria Math" charset="0"/>
+                                  <a:latin typeface="Cambria Math" panose="02040503050406030204" pitchFamily="18" charset="0"/>
                                 </a:rPr>
                               </m:ctrlPr>
                             </m:sSubSupPr>
@@ -15169,7 +14129,7 @@
                             <m:dPr>
                               <m:ctrlPr>
                                 <a:rPr lang="en-US" sz="2400" i="1" smtClean="0">
-                                  <a:latin typeface="Cambria Math" charset="0"/>
+                                  <a:latin typeface="Cambria Math" panose="02040503050406030204" pitchFamily="18" charset="0"/>
                                 </a:rPr>
                               </m:ctrlPr>
                             </m:dPr>
@@ -16425,7 +15385,7 @@
                         <m:dPr>
                           <m:ctrlPr>
                             <a:rPr lang="en-US" b="0" i="1" smtClean="0">
-                              <a:latin typeface="Cambria Math" charset="0"/>
+                              <a:latin typeface="Cambria Math" panose="02040503050406030204" pitchFamily="18" charset="0"/>
                               <a:ea typeface="Cambria Math"/>
                             </a:rPr>
                           </m:ctrlPr>
@@ -16449,7 +15409,7 @@
                             <m:sSubPr>
                               <m:ctrlPr>
                                 <a:rPr lang="en-US" b="0" i="1" smtClean="0">
-                                  <a:latin typeface="Cambria Math" charset="0"/>
+                                  <a:latin typeface="Cambria Math" panose="02040503050406030204" pitchFamily="18" charset="0"/>
                                   <a:ea typeface="Cambria Math"/>
                                 </a:rPr>
                               </m:ctrlPr>
@@ -16486,7 +15446,7 @@
                         <m:dPr>
                           <m:ctrlPr>
                             <a:rPr lang="en-US" b="0" i="1" smtClean="0">
-                              <a:latin typeface="Cambria Math" charset="0"/>
+                              <a:latin typeface="Cambria Math" panose="02040503050406030204" pitchFamily="18" charset="0"/>
                               <a:ea typeface="Cambria Math"/>
                             </a:rPr>
                           </m:ctrlPr>
@@ -16496,7 +15456,7 @@
                             <m:sSupPr>
                               <m:ctrlPr>
                                 <a:rPr lang="en-US" b="0" i="1" smtClean="0">
-                                  <a:latin typeface="Cambria Math" charset="0"/>
+                                  <a:latin typeface="Cambria Math" panose="02040503050406030204" pitchFamily="18" charset="0"/>
                                   <a:ea typeface="Cambria Math"/>
                                 </a:rPr>
                               </m:ctrlPr>
@@ -16531,7 +15491,7 @@
                             <m:sSubPr>
                               <m:ctrlPr>
                                 <a:rPr lang="en-US" b="0" i="1" smtClean="0">
-                                  <a:latin typeface="Cambria Math" charset="0"/>
+                                  <a:latin typeface="Cambria Math" panose="02040503050406030204" pitchFamily="18" charset="0"/>
                                   <a:ea typeface="Cambria Math"/>
                                 </a:rPr>
                               </m:ctrlPr>
@@ -16936,7 +15896,7 @@
                         <m:dPr>
                           <m:ctrlPr>
                             <a:rPr lang="en-US" i="1" smtClean="0">
-                              <a:latin typeface="Cambria Math" charset="0"/>
+                              <a:latin typeface="Cambria Math" panose="02040503050406030204" pitchFamily="18" charset="0"/>
                             </a:rPr>
                           </m:ctrlPr>
                         </m:dPr>
@@ -16958,7 +15918,7 @@
                             <m:sSubPr>
                               <m:ctrlPr>
                                 <a:rPr lang="en-US" b="0" i="1" smtClean="0">
-                                  <a:latin typeface="Cambria Math" charset="0"/>
+                                  <a:latin typeface="Cambria Math" panose="02040503050406030204" pitchFamily="18" charset="0"/>
                                   <a:ea typeface="Cambria Math"/>
                                 </a:rPr>
                               </m:ctrlPr>
@@ -16995,7 +15955,7 @@
                         <m:dPr>
                           <m:ctrlPr>
                             <a:rPr lang="en-US" i="1">
-                              <a:latin typeface="Cambria Math" charset="0"/>
+                              <a:latin typeface="Cambria Math" panose="02040503050406030204" pitchFamily="18" charset="0"/>
                             </a:rPr>
                           </m:ctrlPr>
                         </m:dPr>
@@ -17017,7 +15977,7 @@
                             <m:sSubPr>
                               <m:ctrlPr>
                                 <a:rPr lang="en-US" i="1">
-                                  <a:latin typeface="Cambria Math" charset="0"/>
+                                  <a:latin typeface="Cambria Math" panose="02040503050406030204" pitchFamily="18" charset="0"/>
                                   <a:ea typeface="Cambria Math"/>
                                 </a:rPr>
                               </m:ctrlPr>
@@ -17054,7 +16014,7 @@
                         <m:dPr>
                           <m:ctrlPr>
                             <a:rPr lang="en-US" i="1">
-                              <a:latin typeface="Cambria Math" charset="0"/>
+                              <a:latin typeface="Cambria Math" panose="02040503050406030204" pitchFamily="18" charset="0"/>
                             </a:rPr>
                           </m:ctrlPr>
                         </m:dPr>
@@ -17076,7 +16036,7 @@
                             <m:sSubPr>
                               <m:ctrlPr>
                                 <a:rPr lang="en-US" i="1">
-                                  <a:latin typeface="Cambria Math" charset="0"/>
+                                  <a:latin typeface="Cambria Math" panose="02040503050406030204" pitchFamily="18" charset="0"/>
                                   <a:ea typeface="Cambria Math"/>
                                 </a:rPr>
                               </m:ctrlPr>
@@ -17113,7 +16073,7 @@
                         <m:dPr>
                           <m:ctrlPr>
                             <a:rPr lang="en-US" i="1">
-                              <a:latin typeface="Cambria Math" charset="0"/>
+                              <a:latin typeface="Cambria Math" panose="02040503050406030204" pitchFamily="18" charset="0"/>
                             </a:rPr>
                           </m:ctrlPr>
                         </m:dPr>
@@ -17135,7 +16095,7 @@
                             <m:sSubPr>
                               <m:ctrlPr>
                                 <a:rPr lang="en-US" i="1">
-                                  <a:latin typeface="Cambria Math" charset="0"/>
+                                  <a:latin typeface="Cambria Math" panose="02040503050406030204" pitchFamily="18" charset="0"/>
                                   <a:ea typeface="Cambria Math"/>
                                 </a:rPr>
                               </m:ctrlPr>
@@ -17497,7 +16457,7 @@
                         <m:dPr>
                           <m:ctrlPr>
                             <a:rPr lang="en-US" b="0" i="1" smtClean="0">
-                              <a:latin typeface="Cambria Math" charset="0"/>
+                              <a:latin typeface="Cambria Math" panose="02040503050406030204" pitchFamily="18" charset="0"/>
                               <a:ea typeface="Cambria Math"/>
                             </a:rPr>
                           </m:ctrlPr>
@@ -18336,7 +17296,7 @@
                         <m:dPr>
                           <m:ctrlPr>
                             <a:rPr lang="en-US" b="0" i="1" smtClean="0">
-                              <a:latin typeface="Cambria Math" charset="0"/>
+                              <a:latin typeface="Cambria Math" panose="02040503050406030204" pitchFamily="18" charset="0"/>
                               <a:ea typeface="Cambria Math"/>
                             </a:rPr>
                           </m:ctrlPr>
@@ -18353,7 +17313,7 @@
                             <m:dPr>
                               <m:ctrlPr>
                                 <a:rPr lang="en-US" b="0" i="1" smtClean="0">
-                                  <a:latin typeface="Cambria Math" charset="0"/>
+                                  <a:latin typeface="Cambria Math" panose="02040503050406030204" pitchFamily="18" charset="0"/>
                                   <a:ea typeface="Cambria Math"/>
                                 </a:rPr>
                               </m:ctrlPr>
@@ -18377,7 +17337,7 @@
                                 <m:sSubPr>
                                   <m:ctrlPr>
                                     <a:rPr lang="en-US" b="0" i="1" smtClean="0">
-                                      <a:latin typeface="Cambria Math" charset="0"/>
+                                      <a:latin typeface="Cambria Math" panose="02040503050406030204" pitchFamily="18" charset="0"/>
                                       <a:ea typeface="Cambria Math"/>
                                     </a:rPr>
                                   </m:ctrlPr>
@@ -18414,7 +17374,7 @@
                             <m:sSubPr>
                               <m:ctrlPr>
                                 <a:rPr lang="en-US" b="0" i="1" smtClean="0">
-                                  <a:latin typeface="Cambria Math" charset="0"/>
+                                  <a:latin typeface="Cambria Math" panose="02040503050406030204" pitchFamily="18" charset="0"/>
                                   <a:ea typeface="Cambria Math"/>
                                 </a:rPr>
                               </m:ctrlPr>
@@ -18451,7 +17411,7 @@
                         <m:sSubPr>
                           <m:ctrlPr>
                             <a:rPr lang="en-US" b="0" i="1" smtClean="0">
-                              <a:latin typeface="Cambria Math" charset="0"/>
+                              <a:latin typeface="Cambria Math" panose="02040503050406030204" pitchFamily="18" charset="0"/>
                               <a:ea typeface="Cambria Math"/>
                             </a:rPr>
                           </m:ctrlPr>
@@ -18804,7 +17764,7 @@
                         <m:sSubPr>
                           <m:ctrlPr>
                             <a:rPr lang="en-US" i="1">
-                              <a:latin typeface="Cambria Math" charset="0"/>
+                              <a:latin typeface="Cambria Math" panose="02040503050406030204" pitchFamily="18" charset="0"/>
                               <a:ea typeface="Cambria Math"/>
                             </a:rPr>
                           </m:ctrlPr>
@@ -18910,7 +17870,7 @@
                         <m:sSubPr>
                           <m:ctrlPr>
                             <a:rPr lang="en-US" i="1" smtClean="0">
-                              <a:latin typeface="Cambria Math" charset="0"/>
+                              <a:latin typeface="Cambria Math" panose="02040503050406030204" pitchFamily="18" charset="0"/>
                               <a:ea typeface="Cambria Math"/>
                             </a:rPr>
                           </m:ctrlPr>
@@ -18945,7 +17905,7 @@
                         <m:sSubPr>
                           <m:ctrlPr>
                             <a:rPr lang="en-US" i="1">
-                              <a:latin typeface="Cambria Math" charset="0"/>
+                              <a:latin typeface="Cambria Math" panose="02040503050406030204" pitchFamily="18" charset="0"/>
                               <a:ea typeface="Cambria Math"/>
                             </a:rPr>
                           </m:ctrlPr>
@@ -19058,7 +18018,7 @@
                         <m:dPr>
                           <m:ctrlPr>
                             <a:rPr lang="en-US" i="1">
-                              <a:latin typeface="Cambria Math" charset="0"/>
+                              <a:latin typeface="Cambria Math" panose="02040503050406030204" pitchFamily="18" charset="0"/>
                               <a:ea typeface="Cambria Math"/>
                             </a:rPr>
                           </m:ctrlPr>
@@ -19075,7 +18035,7 @@
                             <m:dPr>
                               <m:ctrlPr>
                                 <a:rPr lang="en-US" i="1">
-                                  <a:latin typeface="Cambria Math" charset="0"/>
+                                  <a:latin typeface="Cambria Math" panose="02040503050406030204" pitchFamily="18" charset="0"/>
                                   <a:ea typeface="Cambria Math"/>
                                 </a:rPr>
                               </m:ctrlPr>
@@ -19085,7 +18045,7 @@
                                 <m:sSubPr>
                                   <m:ctrlPr>
                                     <a:rPr lang="en-US" i="1" smtClean="0">
-                                      <a:latin typeface="Cambria Math" charset="0"/>
+                                      <a:latin typeface="Cambria Math" panose="02040503050406030204" pitchFamily="18" charset="0"/>
                                       <a:ea typeface="Cambria Math"/>
                                     </a:rPr>
                                   </m:ctrlPr>
@@ -19120,7 +18080,7 @@
                                 <m:sSubPr>
                                   <m:ctrlPr>
                                     <a:rPr lang="en-US" i="1">
-                                      <a:latin typeface="Cambria Math" charset="0"/>
+                                      <a:latin typeface="Cambria Math" panose="02040503050406030204" pitchFamily="18" charset="0"/>
                                       <a:ea typeface="Cambria Math"/>
                                     </a:rPr>
                                   </m:ctrlPr>
@@ -19157,7 +18117,7 @@
                             <m:sSubPr>
                               <m:ctrlPr>
                                 <a:rPr lang="en-US" i="1">
-                                  <a:latin typeface="Cambria Math" charset="0"/>
+                                  <a:latin typeface="Cambria Math" panose="02040503050406030204" pitchFamily="18" charset="0"/>
                                   <a:ea typeface="Cambria Math"/>
                                 </a:rPr>
                               </m:ctrlPr>
@@ -19194,7 +18154,7 @@
                         <m:sSubPr>
                           <m:ctrlPr>
                             <a:rPr lang="en-US" i="1">
-                              <a:latin typeface="Cambria Math" charset="0"/>
+                              <a:latin typeface="Cambria Math" panose="02040503050406030204" pitchFamily="18" charset="0"/>
                               <a:ea typeface="Cambria Math"/>
                             </a:rPr>
                           </m:ctrlPr>
@@ -19811,7 +18771,7 @@
                         <m:dPr>
                           <m:ctrlPr>
                             <a:rPr lang="en-US" i="1">
-                              <a:latin typeface="Cambria Math" charset="0"/>
+                              <a:latin typeface="Cambria Math" panose="02040503050406030204" pitchFamily="18" charset="0"/>
                               <a:ea typeface="Cambria Math"/>
                             </a:rPr>
                           </m:ctrlPr>
@@ -19828,7 +18788,7 @@
                             <m:dPr>
                               <m:ctrlPr>
                                 <a:rPr lang="en-US" i="1">
-                                  <a:latin typeface="Cambria Math" charset="0"/>
+                                  <a:latin typeface="Cambria Math" panose="02040503050406030204" pitchFamily="18" charset="0"/>
                                   <a:ea typeface="Cambria Math"/>
                                 </a:rPr>
                               </m:ctrlPr>
@@ -19852,7 +18812,7 @@
                                 <m:sSubPr>
                                   <m:ctrlPr>
                                     <a:rPr lang="en-US" i="1">
-                                      <a:latin typeface="Cambria Math" charset="0"/>
+                                      <a:latin typeface="Cambria Math" panose="02040503050406030204" pitchFamily="18" charset="0"/>
                                       <a:ea typeface="Cambria Math"/>
                                     </a:rPr>
                                   </m:ctrlPr>
@@ -19889,7 +18849,7 @@
                             <m:sSubPr>
                               <m:ctrlPr>
                                 <a:rPr lang="en-US" i="1">
-                                  <a:latin typeface="Cambria Math" charset="0"/>
+                                  <a:latin typeface="Cambria Math" panose="02040503050406030204" pitchFamily="18" charset="0"/>
                                   <a:ea typeface="Cambria Math"/>
                                 </a:rPr>
                               </m:ctrlPr>
@@ -19926,7 +18886,7 @@
                         <m:sSubPr>
                           <m:ctrlPr>
                             <a:rPr lang="en-US" i="1">
-                              <a:latin typeface="Cambria Math" charset="0"/>
+                              <a:latin typeface="Cambria Math" panose="02040503050406030204" pitchFamily="18" charset="0"/>
                               <a:ea typeface="Cambria Math"/>
                             </a:rPr>
                           </m:ctrlPr>
@@ -20279,7 +19239,7 @@
                         <m:sSubPr>
                           <m:ctrlPr>
                             <a:rPr lang="en-US" i="1">
-                              <a:latin typeface="Cambria Math" charset="0"/>
+                              <a:latin typeface="Cambria Math" panose="02040503050406030204" pitchFamily="18" charset="0"/>
                               <a:ea typeface="Cambria Math"/>
                             </a:rPr>
                           </m:ctrlPr>
@@ -20385,7 +19345,7 @@
                         <m:sSubPr>
                           <m:ctrlPr>
                             <a:rPr lang="en-US" i="1" smtClean="0">
-                              <a:latin typeface="Cambria Math" charset="0"/>
+                              <a:latin typeface="Cambria Math" panose="02040503050406030204" pitchFamily="18" charset="0"/>
                               <a:ea typeface="Cambria Math"/>
                             </a:rPr>
                           </m:ctrlPr>
@@ -20420,7 +19380,7 @@
                         <m:sSubPr>
                           <m:ctrlPr>
                             <a:rPr lang="en-US" i="1">
-                              <a:latin typeface="Cambria Math" charset="0"/>
+                              <a:latin typeface="Cambria Math" panose="02040503050406030204" pitchFamily="18" charset="0"/>
                               <a:ea typeface="Cambria Math"/>
                             </a:rPr>
                           </m:ctrlPr>
@@ -20533,7 +19493,7 @@
                         <m:dPr>
                           <m:ctrlPr>
                             <a:rPr lang="en-US" i="1">
-                              <a:latin typeface="Cambria Math" charset="0"/>
+                              <a:latin typeface="Cambria Math" panose="02040503050406030204" pitchFamily="18" charset="0"/>
                               <a:ea typeface="Cambria Math"/>
                             </a:rPr>
                           </m:ctrlPr>
@@ -20550,7 +19510,7 @@
                             <m:dPr>
                               <m:ctrlPr>
                                 <a:rPr lang="en-US" i="1">
-                                  <a:latin typeface="Cambria Math" charset="0"/>
+                                  <a:latin typeface="Cambria Math" panose="02040503050406030204" pitchFamily="18" charset="0"/>
                                   <a:ea typeface="Cambria Math"/>
                                 </a:rPr>
                               </m:ctrlPr>
@@ -20560,7 +19520,7 @@
                                 <m:sSubPr>
                                   <m:ctrlPr>
                                     <a:rPr lang="en-US" i="1" smtClean="0">
-                                      <a:latin typeface="Cambria Math" charset="0"/>
+                                      <a:latin typeface="Cambria Math" panose="02040503050406030204" pitchFamily="18" charset="0"/>
                                       <a:ea typeface="Cambria Math"/>
                                     </a:rPr>
                                   </m:ctrlPr>
@@ -20595,7 +19555,7 @@
                                 <m:sSubPr>
                                   <m:ctrlPr>
                                     <a:rPr lang="en-US" i="1">
-                                      <a:latin typeface="Cambria Math" charset="0"/>
+                                      <a:latin typeface="Cambria Math" panose="02040503050406030204" pitchFamily="18" charset="0"/>
                                       <a:ea typeface="Cambria Math"/>
                                     </a:rPr>
                                   </m:ctrlPr>
@@ -20632,7 +19592,7 @@
                             <m:sSubPr>
                               <m:ctrlPr>
                                 <a:rPr lang="en-US" i="1">
-                                  <a:latin typeface="Cambria Math" charset="0"/>
+                                  <a:latin typeface="Cambria Math" panose="02040503050406030204" pitchFamily="18" charset="0"/>
                                   <a:ea typeface="Cambria Math"/>
                                 </a:rPr>
                               </m:ctrlPr>
@@ -20669,7 +19629,7 @@
                         <m:sSubPr>
                           <m:ctrlPr>
                             <a:rPr lang="en-US" i="1">
-                              <a:latin typeface="Cambria Math" charset="0"/>
+                              <a:latin typeface="Cambria Math" panose="02040503050406030204" pitchFamily="18" charset="0"/>
                               <a:ea typeface="Cambria Math"/>
                             </a:rPr>
                           </m:ctrlPr>
